--- a/발표자료 초안.pptx
+++ b/발표자료 초안.pptx
@@ -7326,6 +7326,13 @@
   <p:clrMapOvr>
     <a:masterClrMapping/>
   </p:clrMapOvr>
+  <p:timing>
+    <p:tnLst>
+      <p:par>
+        <p:cTn id="1" dur="indefinite" restart="never" nodeType="tmRoot"/>
+      </p:par>
+    </p:tnLst>
+  </p:timing>
 </p:sld>
 </file>
 
@@ -7438,6 +7445,13 @@
   <p:clrMapOvr>
     <a:masterClrMapping/>
   </p:clrMapOvr>
+  <p:timing>
+    <p:tnLst>
+      <p:par>
+        <p:cTn id="1" dur="indefinite" restart="never" nodeType="tmRoot"/>
+      </p:par>
+    </p:tnLst>
+  </p:timing>
 </p:sld>
 </file>
 
@@ -7548,13 +7562,62 @@
               <a:buChar char="•"/>
             </a:pPr>
             <a:r>
-              <a:rPr sz="1800">
+              <a:rPr sz="1800" dirty="0">
                 <a:latin typeface="맑은 고딕" charset="0"/>
                 <a:ea typeface="맑은 고딕" charset="0"/>
               </a:rPr>
-              <a:t> 공격이나 피격효과 (타격감) 구현</a:t>
-            </a:r>
-            <a:endParaRPr lang="ko-KR" altLang="en-US" sz="1800">
+              <a:t> </a:t>
+            </a:r>
+            <a:r>
+              <a:rPr sz="1800" dirty="0" err="1">
+                <a:latin typeface="맑은 고딕" charset="0"/>
+                <a:ea typeface="맑은 고딕" charset="0"/>
+              </a:rPr>
+              <a:t>공격이나</a:t>
+            </a:r>
+            <a:r>
+              <a:rPr sz="1800" dirty="0">
+                <a:latin typeface="맑은 고딕" charset="0"/>
+                <a:ea typeface="맑은 고딕" charset="0"/>
+              </a:rPr>
+              <a:t> </a:t>
+            </a:r>
+            <a:r>
+              <a:rPr sz="1800" dirty="0" err="1">
+                <a:latin typeface="맑은 고딕" charset="0"/>
+                <a:ea typeface="맑은 고딕" charset="0"/>
+              </a:rPr>
+              <a:t>피격효과</a:t>
+            </a:r>
+            <a:r>
+              <a:rPr sz="1800" dirty="0">
+                <a:latin typeface="맑은 고딕" charset="0"/>
+                <a:ea typeface="맑은 고딕" charset="0"/>
+              </a:rPr>
+              <a:t> (</a:t>
+            </a:r>
+            <a:r>
+              <a:rPr sz="1800" dirty="0" err="1">
+                <a:latin typeface="맑은 고딕" charset="0"/>
+                <a:ea typeface="맑은 고딕" charset="0"/>
+              </a:rPr>
+              <a:t>타격감</a:t>
+            </a:r>
+            <a:r>
+              <a:rPr sz="1800" dirty="0">
+                <a:latin typeface="맑은 고딕" charset="0"/>
+                <a:ea typeface="맑은 고딕" charset="0"/>
+              </a:rPr>
+              <a:t>) </a:t>
+            </a:r>
+            <a:r>
+              <a:rPr sz="1800" dirty="0" err="1">
+                <a:latin typeface="맑은 고딕" charset="0"/>
+                <a:ea typeface="맑은 고딕" charset="0"/>
+              </a:rPr>
+              <a:t>구현</a:t>
+            </a:r>
+            <a:endParaRPr lang="ko-KR" altLang="en-US" sz="1800" dirty="0">
               <a:latin typeface="맑은 고딕" charset="0"/>
               <a:ea typeface="맑은 고딕" charset="0"/>
             </a:endParaRPr>
@@ -7574,13 +7637,55 @@
               <a:buChar char="•"/>
             </a:pPr>
             <a:r>
-              <a:rPr sz="1800">
+              <a:rPr sz="1800" dirty="0">
                 <a:latin typeface="맑은 고딕" charset="0"/>
                 <a:ea typeface="맑은 고딕" charset="0"/>
               </a:rPr>
-              <a:t> 차별화된 요소 추가.</a:t>
-            </a:r>
-            <a:endParaRPr lang="ko-KR" altLang="en-US" sz="1800">
+              <a:t> </a:t>
+            </a:r>
+            <a:r>
+              <a:rPr sz="1800" dirty="0" err="1">
+                <a:latin typeface="맑은 고딕" charset="0"/>
+                <a:ea typeface="맑은 고딕" charset="0"/>
+              </a:rPr>
+              <a:t>차별화된</a:t>
+            </a:r>
+            <a:r>
+              <a:rPr sz="1800" dirty="0">
+                <a:latin typeface="맑은 고딕" charset="0"/>
+                <a:ea typeface="맑은 고딕" charset="0"/>
+              </a:rPr>
+              <a:t> </a:t>
+            </a:r>
+            <a:r>
+              <a:rPr sz="1800" dirty="0" err="1">
+                <a:latin typeface="맑은 고딕" charset="0"/>
+                <a:ea typeface="맑은 고딕" charset="0"/>
+              </a:rPr>
+              <a:t>요소</a:t>
+            </a:r>
+            <a:r>
+              <a:rPr sz="1800" dirty="0">
+                <a:latin typeface="맑은 고딕" charset="0"/>
+                <a:ea typeface="맑은 고딕" charset="0"/>
+              </a:rPr>
+              <a:t> </a:t>
+            </a:r>
+            <a:r>
+              <a:rPr sz="1800" dirty="0" err="1">
+                <a:latin typeface="맑은 고딕" charset="0"/>
+                <a:ea typeface="맑은 고딕" charset="0"/>
+              </a:rPr>
+              <a:t>추가</a:t>
+            </a:r>
+            <a:r>
+              <a:rPr sz="1800" dirty="0">
+                <a:latin typeface="맑은 고딕" charset="0"/>
+                <a:ea typeface="맑은 고딕" charset="0"/>
+              </a:rPr>
+              <a:t>.</a:t>
+            </a:r>
+            <a:endParaRPr lang="ko-KR" altLang="en-US" sz="1800" dirty="0">
               <a:latin typeface="맑은 고딕" charset="0"/>
               <a:ea typeface="맑은 고딕" charset="0"/>
             </a:endParaRPr>
@@ -7600,13 +7705,111 @@
               <a:buChar char="•"/>
             </a:pPr>
             <a:r>
-              <a:rPr sz="1800">
+              <a:rPr sz="1800" dirty="0">
                 <a:latin typeface="맑은 고딕" charset="0"/>
                 <a:ea typeface="맑은 고딕" charset="0"/>
               </a:rPr>
-              <a:t> 마우스 방향에 따라 Player 캐릭터의 회전 및 발사 구현.</a:t>
-            </a:r>
-            <a:endParaRPr lang="ko-KR" altLang="en-US" sz="1800">
+              <a:t> </a:t>
+            </a:r>
+            <a:r>
+              <a:rPr sz="1800" dirty="0" err="1">
+                <a:latin typeface="맑은 고딕" charset="0"/>
+                <a:ea typeface="맑은 고딕" charset="0"/>
+              </a:rPr>
+              <a:t>마우스</a:t>
+            </a:r>
+            <a:r>
+              <a:rPr sz="1800" dirty="0">
+                <a:latin typeface="맑은 고딕" charset="0"/>
+                <a:ea typeface="맑은 고딕" charset="0"/>
+              </a:rPr>
+              <a:t> </a:t>
+            </a:r>
+            <a:r>
+              <a:rPr sz="1800" dirty="0" err="1">
+                <a:latin typeface="맑은 고딕" charset="0"/>
+                <a:ea typeface="맑은 고딕" charset="0"/>
+              </a:rPr>
+              <a:t>방향에</a:t>
+            </a:r>
+            <a:r>
+              <a:rPr sz="1800" dirty="0">
+                <a:latin typeface="맑은 고딕" charset="0"/>
+                <a:ea typeface="맑은 고딕" charset="0"/>
+              </a:rPr>
+              <a:t> </a:t>
+            </a:r>
+            <a:r>
+              <a:rPr sz="1800" dirty="0" err="1">
+                <a:latin typeface="맑은 고딕" charset="0"/>
+                <a:ea typeface="맑은 고딕" charset="0"/>
+              </a:rPr>
+              <a:t>따라</a:t>
+            </a:r>
+            <a:r>
+              <a:rPr sz="1800" dirty="0">
+                <a:latin typeface="맑은 고딕" charset="0"/>
+                <a:ea typeface="맑은 고딕" charset="0"/>
+              </a:rPr>
+              <a:t> Player </a:t>
+            </a:r>
+            <a:r>
+              <a:rPr sz="1800" dirty="0" err="1">
+                <a:latin typeface="맑은 고딕" charset="0"/>
+                <a:ea typeface="맑은 고딕" charset="0"/>
+              </a:rPr>
+              <a:t>캐릭터의</a:t>
+            </a:r>
+            <a:r>
+              <a:rPr sz="1800" dirty="0">
+                <a:latin typeface="맑은 고딕" charset="0"/>
+                <a:ea typeface="맑은 고딕" charset="0"/>
+              </a:rPr>
+              <a:t> </a:t>
+            </a:r>
+            <a:r>
+              <a:rPr sz="1800" dirty="0" err="1">
+                <a:latin typeface="맑은 고딕" charset="0"/>
+                <a:ea typeface="맑은 고딕" charset="0"/>
+              </a:rPr>
+              <a:t>회전</a:t>
+            </a:r>
+            <a:r>
+              <a:rPr sz="1800" dirty="0">
+                <a:latin typeface="맑은 고딕" charset="0"/>
+                <a:ea typeface="맑은 고딕" charset="0"/>
+              </a:rPr>
+              <a:t> 및 </a:t>
+            </a:r>
+            <a:r>
+              <a:rPr sz="1800" dirty="0" err="1">
+                <a:latin typeface="맑은 고딕" charset="0"/>
+                <a:ea typeface="맑은 고딕" charset="0"/>
+              </a:rPr>
+              <a:t>발사</a:t>
+            </a:r>
+            <a:r>
+              <a:rPr sz="1800" dirty="0">
+                <a:latin typeface="맑은 고딕" charset="0"/>
+                <a:ea typeface="맑은 고딕" charset="0"/>
+              </a:rPr>
+              <a:t> </a:t>
+            </a:r>
+            <a:r>
+              <a:rPr sz="1800" dirty="0" err="1">
+                <a:latin typeface="맑은 고딕" charset="0"/>
+                <a:ea typeface="맑은 고딕" charset="0"/>
+              </a:rPr>
+              <a:t>구현</a:t>
+            </a:r>
+            <a:r>
+              <a:rPr sz="1800" dirty="0">
+                <a:latin typeface="맑은 고딕" charset="0"/>
+                <a:ea typeface="맑은 고딕" charset="0"/>
+              </a:rPr>
+              <a:t>.</a:t>
+            </a:r>
+            <a:endParaRPr lang="ko-KR" altLang="en-US" sz="1800" dirty="0">
               <a:latin typeface="맑은 고딕" charset="0"/>
               <a:ea typeface="맑은 고딕" charset="0"/>
             </a:endParaRPr>
@@ -7626,13 +7829,69 @@
               <a:buChar char="•"/>
             </a:pPr>
             <a:r>
-              <a:rPr sz="1800">
+              <a:rPr sz="1800" dirty="0">
                 <a:latin typeface="맑은 고딕" charset="0"/>
                 <a:ea typeface="맑은 고딕" charset="0"/>
               </a:rPr>
-              <a:t> 케릭터의 자연스러운 움직임 구현.</a:t>
-            </a:r>
-            <a:endParaRPr lang="ko-KR" altLang="en-US" sz="1800">
+              <a:t> </a:t>
+            </a:r>
+            <a:r>
+              <a:rPr sz="1800" dirty="0" err="1">
+                <a:latin typeface="맑은 고딕" charset="0"/>
+                <a:ea typeface="맑은 고딕" charset="0"/>
+              </a:rPr>
+              <a:t>케릭터의</a:t>
+            </a:r>
+            <a:r>
+              <a:rPr sz="1800" dirty="0">
+                <a:latin typeface="맑은 고딕" charset="0"/>
+                <a:ea typeface="맑은 고딕" charset="0"/>
+              </a:rPr>
+              <a:t> </a:t>
+            </a:r>
+            <a:r>
+              <a:rPr sz="1800" dirty="0" err="1">
+                <a:latin typeface="맑은 고딕" charset="0"/>
+                <a:ea typeface="맑은 고딕" charset="0"/>
+              </a:rPr>
+              <a:t>자연스러운</a:t>
+            </a:r>
+            <a:r>
+              <a:rPr sz="1800" dirty="0">
+                <a:latin typeface="맑은 고딕" charset="0"/>
+                <a:ea typeface="맑은 고딕" charset="0"/>
+              </a:rPr>
+              <a:t> </a:t>
+            </a:r>
+            <a:r>
+              <a:rPr sz="1800" dirty="0" err="1">
+                <a:latin typeface="맑은 고딕" charset="0"/>
+                <a:ea typeface="맑은 고딕" charset="0"/>
+              </a:rPr>
+              <a:t>움직임</a:t>
+            </a:r>
+            <a:r>
+              <a:rPr sz="1800" dirty="0">
+                <a:latin typeface="맑은 고딕" charset="0"/>
+                <a:ea typeface="맑은 고딕" charset="0"/>
+              </a:rPr>
+              <a:t> </a:t>
+            </a:r>
+            <a:r>
+              <a:rPr sz="1800" dirty="0" err="1">
+                <a:latin typeface="맑은 고딕" charset="0"/>
+                <a:ea typeface="맑은 고딕" charset="0"/>
+              </a:rPr>
+              <a:t>구현</a:t>
+            </a:r>
+            <a:r>
+              <a:rPr sz="1800" dirty="0">
+                <a:latin typeface="맑은 고딕" charset="0"/>
+                <a:ea typeface="맑은 고딕" charset="0"/>
+              </a:rPr>
+              <a:t>.</a:t>
+            </a:r>
+            <a:endParaRPr lang="ko-KR" altLang="en-US" sz="1800" dirty="0">
               <a:latin typeface="맑은 고딕" charset="0"/>
               <a:ea typeface="맑은 고딕" charset="0"/>
             </a:endParaRPr>
@@ -7652,13 +7911,69 @@
               <a:buChar char="•"/>
             </a:pPr>
             <a:r>
-              <a:rPr sz="1800">
+              <a:rPr sz="1800" dirty="0">
                 <a:latin typeface="맑은 고딕" charset="0"/>
                 <a:ea typeface="맑은 고딕" charset="0"/>
               </a:rPr>
-              <a:t> 다양한 무기의 구현 (샷건 등)</a:t>
-            </a:r>
-            <a:endParaRPr lang="ko-KR" altLang="en-US" sz="1800">
+              <a:t> </a:t>
+            </a:r>
+            <a:r>
+              <a:rPr sz="1800" dirty="0" err="1">
+                <a:latin typeface="맑은 고딕" charset="0"/>
+                <a:ea typeface="맑은 고딕" charset="0"/>
+              </a:rPr>
+              <a:t>다양한</a:t>
+            </a:r>
+            <a:r>
+              <a:rPr sz="1800" dirty="0">
+                <a:latin typeface="맑은 고딕" charset="0"/>
+                <a:ea typeface="맑은 고딕" charset="0"/>
+              </a:rPr>
+              <a:t> </a:t>
+            </a:r>
+            <a:r>
+              <a:rPr sz="1800" dirty="0" err="1">
+                <a:latin typeface="맑은 고딕" charset="0"/>
+                <a:ea typeface="맑은 고딕" charset="0"/>
+              </a:rPr>
+              <a:t>무기의</a:t>
+            </a:r>
+            <a:r>
+              <a:rPr sz="1800" dirty="0">
+                <a:latin typeface="맑은 고딕" charset="0"/>
+                <a:ea typeface="맑은 고딕" charset="0"/>
+              </a:rPr>
+              <a:t> </a:t>
+            </a:r>
+            <a:r>
+              <a:rPr sz="1800" dirty="0" err="1">
+                <a:latin typeface="맑은 고딕" charset="0"/>
+                <a:ea typeface="맑은 고딕" charset="0"/>
+              </a:rPr>
+              <a:t>구현</a:t>
+            </a:r>
+            <a:r>
+              <a:rPr sz="1800" dirty="0">
+                <a:latin typeface="맑은 고딕" charset="0"/>
+                <a:ea typeface="맑은 고딕" charset="0"/>
+              </a:rPr>
+              <a:t> (</a:t>
+            </a:r>
+            <a:r>
+              <a:rPr sz="1800" dirty="0" err="1">
+                <a:latin typeface="맑은 고딕" charset="0"/>
+                <a:ea typeface="맑은 고딕" charset="0"/>
+              </a:rPr>
+              <a:t>샷건</a:t>
+            </a:r>
+            <a:r>
+              <a:rPr sz="1800" dirty="0">
+                <a:latin typeface="맑은 고딕" charset="0"/>
+                <a:ea typeface="맑은 고딕" charset="0"/>
+              </a:rPr>
+              <a:t> 등)</a:t>
+            </a:r>
+            <a:endParaRPr lang="ko-KR" altLang="en-US" sz="1800" dirty="0">
               <a:latin typeface="맑은 고딕" charset="0"/>
               <a:ea typeface="맑은 고딕" charset="0"/>
             </a:endParaRPr>
@@ -7678,13 +7993,62 @@
               <a:buChar char="•"/>
             </a:pPr>
             <a:r>
-              <a:rPr sz="1800">
+              <a:rPr sz="1800" dirty="0">
                 <a:latin typeface="맑은 고딕" charset="0"/>
                 <a:ea typeface="맑은 고딕" charset="0"/>
               </a:rPr>
-              <a:t> 스테이지의 짜임새 있는 구성</a:t>
-            </a:r>
-            <a:endParaRPr lang="ko-KR" altLang="en-US" sz="1800">
+              <a:t> </a:t>
+            </a:r>
+            <a:r>
+              <a:rPr sz="1800" dirty="0" err="1">
+                <a:latin typeface="맑은 고딕" charset="0"/>
+                <a:ea typeface="맑은 고딕" charset="0"/>
+              </a:rPr>
+              <a:t>스테이지의</a:t>
+            </a:r>
+            <a:r>
+              <a:rPr sz="1800" dirty="0">
+                <a:latin typeface="맑은 고딕" charset="0"/>
+                <a:ea typeface="맑은 고딕" charset="0"/>
+              </a:rPr>
+              <a:t> </a:t>
+            </a:r>
+            <a:r>
+              <a:rPr sz="1800" dirty="0" err="1">
+                <a:latin typeface="맑은 고딕" charset="0"/>
+                <a:ea typeface="맑은 고딕" charset="0"/>
+              </a:rPr>
+              <a:t>짜임새</a:t>
+            </a:r>
+            <a:r>
+              <a:rPr sz="1800" dirty="0">
+                <a:latin typeface="맑은 고딕" charset="0"/>
+                <a:ea typeface="맑은 고딕" charset="0"/>
+              </a:rPr>
+              <a:t> </a:t>
+            </a:r>
+            <a:r>
+              <a:rPr sz="1800" dirty="0" err="1">
+                <a:latin typeface="맑은 고딕" charset="0"/>
+                <a:ea typeface="맑은 고딕" charset="0"/>
+              </a:rPr>
+              <a:t>있는</a:t>
+            </a:r>
+            <a:r>
+              <a:rPr sz="1800" dirty="0">
+                <a:latin typeface="맑은 고딕" charset="0"/>
+                <a:ea typeface="맑은 고딕" charset="0"/>
+              </a:rPr>
+              <a:t> </a:t>
+            </a:r>
+            <a:r>
+              <a:rPr sz="1800" dirty="0" err="1">
+                <a:latin typeface="맑은 고딕" charset="0"/>
+                <a:ea typeface="맑은 고딕" charset="0"/>
+              </a:rPr>
+              <a:t>구성</a:t>
+            </a:r>
+            <a:endParaRPr lang="ko-KR" altLang="en-US" sz="1800" dirty="0">
               <a:latin typeface="맑은 고딕" charset="0"/>
               <a:ea typeface="맑은 고딕" charset="0"/>
             </a:endParaRPr>
@@ -7704,11 +8068,18 @@
               <a:buChar char="•"/>
             </a:pPr>
             <a:r>
-              <a:rPr sz="1800">
+              <a:rPr sz="1800" dirty="0">
                 <a:latin typeface="맑은 고딕" charset="0"/>
                 <a:ea typeface="맑은 고딕" charset="0"/>
               </a:rPr>
               <a:t> </a:t>
+            </a:r>
+            <a:r>
+              <a:rPr lang="ko-KR" altLang="en-US" sz="1800" smtClean="0">
+                <a:latin typeface="맑은 고딕" charset="0"/>
+                <a:ea typeface="맑은 고딕" charset="0"/>
+              </a:rPr>
+              <a:t>카메라의 움직임 </a:t>
             </a:r>
             <a:endParaRPr lang="ko-KR" altLang="en-US" sz="1800">
               <a:latin typeface="맑은 고딕" charset="0"/>
@@ -7727,6 +8098,13 @@
   <p:clrMapOvr>
     <a:masterClrMapping/>
   </p:clrMapOvr>
+  <p:timing>
+    <p:tnLst>
+      <p:par>
+        <p:cTn id="1" dur="indefinite" restart="never" nodeType="tmRoot"/>
+      </p:par>
+    </p:tnLst>
+  </p:timing>
 </p:sld>
 </file>
 

--- a/발표자료 초안.pptx
+++ b/발표자료 초안.pptx
@@ -115,6 +115,3417 @@
 </p:presentation>
 </file>
 
+<file path=ppt/diagrams/colors1.xml><?xml version="1.0" encoding="utf-8"?>
+<dgm:colorsDef xmlns:dgm="http://schemas.openxmlformats.org/drawingml/2006/diagram" xmlns:a="http://schemas.openxmlformats.org/drawingml/2006/main" uniqueId="urn:microsoft.com/office/officeart/2005/8/colors/colorful3">
+  <dgm:title val=""/>
+  <dgm:desc val=""/>
+  <dgm:catLst>
+    <dgm:cat type="colorful" pri="10300"/>
+  </dgm:catLst>
+  <dgm:styleLbl name="node0">
+    <dgm:fillClrLst meth="repeat">
+      <a:schemeClr val="accent2"/>
+    </dgm:fillClrLst>
+    <dgm:linClrLst meth="repeat">
+      <a:schemeClr val="lt1"/>
+    </dgm:linClrLst>
+    <dgm:effectClrLst/>
+    <dgm:txLinClrLst/>
+    <dgm:txFillClrLst/>
+    <dgm:txEffectClrLst/>
+  </dgm:styleLbl>
+  <dgm:styleLbl name="node1">
+    <dgm:fillClrLst>
+      <a:schemeClr val="accent3"/>
+      <a:schemeClr val="accent4"/>
+    </dgm:fillClrLst>
+    <dgm:linClrLst meth="repeat">
+      <a:schemeClr val="lt1"/>
+    </dgm:linClrLst>
+    <dgm:effectClrLst/>
+    <dgm:txLinClrLst/>
+    <dgm:txFillClrLst/>
+    <dgm:txEffectClrLst/>
+  </dgm:styleLbl>
+  <dgm:styleLbl name="alignNode1">
+    <dgm:fillClrLst>
+      <a:schemeClr val="accent3"/>
+      <a:schemeClr val="accent4"/>
+    </dgm:fillClrLst>
+    <dgm:linClrLst>
+      <a:schemeClr val="accent3"/>
+      <a:schemeClr val="accent4"/>
+    </dgm:linClrLst>
+    <dgm:effectClrLst/>
+    <dgm:txLinClrLst/>
+    <dgm:txFillClrLst/>
+    <dgm:txEffectClrLst/>
+  </dgm:styleLbl>
+  <dgm:styleLbl name="lnNode1">
+    <dgm:fillClrLst>
+      <a:schemeClr val="accent3"/>
+      <a:schemeClr val="accent4"/>
+    </dgm:fillClrLst>
+    <dgm:linClrLst meth="repeat">
+      <a:schemeClr val="lt1"/>
+    </dgm:linClrLst>
+    <dgm:effectClrLst/>
+    <dgm:txLinClrLst/>
+    <dgm:txFillClrLst/>
+    <dgm:txEffectClrLst/>
+  </dgm:styleLbl>
+  <dgm:styleLbl name="vennNode1">
+    <dgm:fillClrLst>
+      <a:schemeClr val="accent3">
+        <a:alpha val="50000"/>
+      </a:schemeClr>
+      <a:schemeClr val="accent4">
+        <a:alpha val="50000"/>
+      </a:schemeClr>
+    </dgm:fillClrLst>
+    <dgm:linClrLst meth="repeat">
+      <a:schemeClr val="lt1"/>
+    </dgm:linClrLst>
+    <dgm:effectClrLst/>
+    <dgm:txLinClrLst/>
+    <dgm:txFillClrLst/>
+    <dgm:txEffectClrLst/>
+  </dgm:styleLbl>
+  <dgm:styleLbl name="node2">
+    <dgm:fillClrLst>
+      <a:schemeClr val="accent4"/>
+    </dgm:fillClrLst>
+    <dgm:linClrLst meth="repeat">
+      <a:schemeClr val="lt1"/>
+    </dgm:linClrLst>
+    <dgm:effectClrLst/>
+    <dgm:txLinClrLst/>
+    <dgm:txFillClrLst/>
+    <dgm:txEffectClrLst/>
+  </dgm:styleLbl>
+  <dgm:styleLbl name="node3">
+    <dgm:fillClrLst>
+      <a:schemeClr val="accent5"/>
+    </dgm:fillClrLst>
+    <dgm:linClrLst meth="repeat">
+      <a:schemeClr val="lt1"/>
+    </dgm:linClrLst>
+    <dgm:effectClrLst/>
+    <dgm:txLinClrLst/>
+    <dgm:txFillClrLst/>
+    <dgm:txEffectClrLst/>
+  </dgm:styleLbl>
+  <dgm:styleLbl name="node4">
+    <dgm:fillClrLst>
+      <a:schemeClr val="accent6"/>
+    </dgm:fillClrLst>
+    <dgm:linClrLst meth="repeat">
+      <a:schemeClr val="lt1"/>
+    </dgm:linClrLst>
+    <dgm:effectClrLst/>
+    <dgm:txLinClrLst/>
+    <dgm:txFillClrLst/>
+    <dgm:txEffectClrLst/>
+  </dgm:styleLbl>
+  <dgm:styleLbl name="fgImgPlace1">
+    <dgm:fillClrLst>
+      <a:schemeClr val="accent3">
+        <a:tint val="50000"/>
+      </a:schemeClr>
+      <a:schemeClr val="accent4">
+        <a:tint val="50000"/>
+      </a:schemeClr>
+    </dgm:fillClrLst>
+    <dgm:linClrLst meth="repeat">
+      <a:schemeClr val="lt1"/>
+    </dgm:linClrLst>
+    <dgm:effectClrLst/>
+    <dgm:txLinClrLst/>
+    <dgm:txFillClrLst meth="repeat">
+      <a:schemeClr val="lt1"/>
+    </dgm:txFillClrLst>
+    <dgm:txEffectClrLst/>
+  </dgm:styleLbl>
+  <dgm:styleLbl name="alignImgPlace1">
+    <dgm:fillClrLst>
+      <a:schemeClr val="accent3">
+        <a:tint val="50000"/>
+      </a:schemeClr>
+      <a:schemeClr val="accent4">
+        <a:tint val="20000"/>
+      </a:schemeClr>
+    </dgm:fillClrLst>
+    <dgm:linClrLst meth="repeat">
+      <a:schemeClr val="lt1"/>
+    </dgm:linClrLst>
+    <dgm:effectClrLst/>
+    <dgm:txLinClrLst/>
+    <dgm:txFillClrLst meth="repeat">
+      <a:schemeClr val="lt1"/>
+    </dgm:txFillClrLst>
+    <dgm:txEffectClrLst/>
+  </dgm:styleLbl>
+  <dgm:styleLbl name="bgImgPlace1">
+    <dgm:fillClrLst>
+      <a:schemeClr val="accent3">
+        <a:tint val="50000"/>
+      </a:schemeClr>
+      <a:schemeClr val="accent4">
+        <a:tint val="20000"/>
+      </a:schemeClr>
+    </dgm:fillClrLst>
+    <dgm:linClrLst meth="repeat">
+      <a:schemeClr val="lt1"/>
+    </dgm:linClrLst>
+    <dgm:effectClrLst/>
+    <dgm:txLinClrLst/>
+    <dgm:txFillClrLst meth="repeat">
+      <a:schemeClr val="lt1"/>
+    </dgm:txFillClrLst>
+    <dgm:txEffectClrLst/>
+  </dgm:styleLbl>
+  <dgm:styleLbl name="sibTrans2D1">
+    <dgm:fillClrLst>
+      <a:schemeClr val="accent3"/>
+      <a:schemeClr val="accent4"/>
+    </dgm:fillClrLst>
+    <dgm:linClrLst meth="repeat">
+      <a:schemeClr val="lt1"/>
+    </dgm:linClrLst>
+    <dgm:effectClrLst/>
+    <dgm:txLinClrLst/>
+    <dgm:txFillClrLst/>
+    <dgm:txEffectClrLst/>
+  </dgm:styleLbl>
+  <dgm:styleLbl name="fgSibTrans2D1">
+    <dgm:fillClrLst>
+      <a:schemeClr val="accent3"/>
+      <a:schemeClr val="accent4"/>
+    </dgm:fillClrLst>
+    <dgm:linClrLst meth="repeat">
+      <a:schemeClr val="lt1"/>
+    </dgm:linClrLst>
+    <dgm:effectClrLst/>
+    <dgm:txLinClrLst/>
+    <dgm:txFillClrLst meth="repeat">
+      <a:schemeClr val="lt1"/>
+    </dgm:txFillClrLst>
+    <dgm:txEffectClrLst/>
+  </dgm:styleLbl>
+  <dgm:styleLbl name="bgSibTrans2D1">
+    <dgm:fillClrLst>
+      <a:schemeClr val="accent3"/>
+      <a:schemeClr val="accent4"/>
+    </dgm:fillClrLst>
+    <dgm:linClrLst meth="repeat">
+      <a:schemeClr val="lt1"/>
+    </dgm:linClrLst>
+    <dgm:effectClrLst/>
+    <dgm:txLinClrLst/>
+    <dgm:txFillClrLst meth="repeat">
+      <a:schemeClr val="lt1"/>
+    </dgm:txFillClrLst>
+    <dgm:txEffectClrLst/>
+  </dgm:styleLbl>
+  <dgm:styleLbl name="sibTrans1D1">
+    <dgm:fillClrLst/>
+    <dgm:linClrLst>
+      <a:schemeClr val="accent3"/>
+      <a:schemeClr val="accent4"/>
+    </dgm:linClrLst>
+    <dgm:effectClrLst/>
+    <dgm:txLinClrLst/>
+    <dgm:txFillClrLst meth="repeat">
+      <a:schemeClr val="tx1"/>
+    </dgm:txFillClrLst>
+    <dgm:txEffectClrLst/>
+  </dgm:styleLbl>
+  <dgm:styleLbl name="callout">
+    <dgm:fillClrLst meth="repeat">
+      <a:schemeClr val="accent3"/>
+    </dgm:fillClrLst>
+    <dgm:linClrLst meth="repeat">
+      <a:schemeClr val="accent3">
+        <a:tint val="50000"/>
+      </a:schemeClr>
+    </dgm:linClrLst>
+    <dgm:effectClrLst/>
+    <dgm:txLinClrLst/>
+    <dgm:txFillClrLst meth="repeat">
+      <a:schemeClr val="tx1"/>
+    </dgm:txFillClrLst>
+    <dgm:txEffectClrLst/>
+  </dgm:styleLbl>
+  <dgm:styleLbl name="asst0">
+    <dgm:fillClrLst meth="repeat">
+      <a:schemeClr val="accent3"/>
+    </dgm:fillClrLst>
+    <dgm:linClrLst meth="repeat">
+      <a:schemeClr val="lt1">
+        <a:shade val="80000"/>
+      </a:schemeClr>
+    </dgm:linClrLst>
+    <dgm:effectClrLst/>
+    <dgm:txLinClrLst/>
+    <dgm:txFillClrLst/>
+    <dgm:txEffectClrLst/>
+  </dgm:styleLbl>
+  <dgm:styleLbl name="asst1">
+    <dgm:fillClrLst meth="repeat">
+      <a:schemeClr val="accent4"/>
+    </dgm:fillClrLst>
+    <dgm:linClrLst meth="repeat">
+      <a:schemeClr val="lt1">
+        <a:shade val="80000"/>
+      </a:schemeClr>
+    </dgm:linClrLst>
+    <dgm:effectClrLst/>
+    <dgm:txLinClrLst/>
+    <dgm:txFillClrLst/>
+    <dgm:txEffectClrLst/>
+  </dgm:styleLbl>
+  <dgm:styleLbl name="asst2">
+    <dgm:fillClrLst>
+      <a:schemeClr val="accent5"/>
+    </dgm:fillClrLst>
+    <dgm:linClrLst meth="repeat">
+      <a:schemeClr val="lt1"/>
+    </dgm:linClrLst>
+    <dgm:effectClrLst/>
+    <dgm:txLinClrLst/>
+    <dgm:txFillClrLst/>
+    <dgm:txEffectClrLst/>
+  </dgm:styleLbl>
+  <dgm:styleLbl name="asst3">
+    <dgm:fillClrLst>
+      <a:schemeClr val="accent6"/>
+    </dgm:fillClrLst>
+    <dgm:linClrLst meth="repeat">
+      <a:schemeClr val="lt1"/>
+    </dgm:linClrLst>
+    <dgm:effectClrLst/>
+    <dgm:txLinClrLst/>
+    <dgm:txFillClrLst/>
+    <dgm:txEffectClrLst/>
+  </dgm:styleLbl>
+  <dgm:styleLbl name="asst4">
+    <dgm:fillClrLst>
+      <a:schemeClr val="accent1"/>
+    </dgm:fillClrLst>
+    <dgm:linClrLst meth="repeat">
+      <a:schemeClr val="lt1"/>
+    </dgm:linClrLst>
+    <dgm:effectClrLst/>
+    <dgm:txLinClrLst/>
+    <dgm:txFillClrLst/>
+    <dgm:txEffectClrLst/>
+  </dgm:styleLbl>
+  <dgm:styleLbl name="parChTrans2D1">
+    <dgm:fillClrLst meth="repeat">
+      <a:schemeClr val="accent2"/>
+    </dgm:fillClrLst>
+    <dgm:linClrLst meth="repeat">
+      <a:schemeClr val="lt1"/>
+    </dgm:linClrLst>
+    <dgm:effectClrLst/>
+    <dgm:txLinClrLst/>
+    <dgm:txFillClrLst meth="repeat">
+      <a:schemeClr val="lt1"/>
+    </dgm:txFillClrLst>
+    <dgm:txEffectClrLst/>
+  </dgm:styleLbl>
+  <dgm:styleLbl name="parChTrans2D2">
+    <dgm:fillClrLst meth="repeat">
+      <a:schemeClr val="accent3"/>
+    </dgm:fillClrLst>
+    <dgm:linClrLst meth="repeat">
+      <a:schemeClr val="lt1"/>
+    </dgm:linClrLst>
+    <dgm:effectClrLst/>
+    <dgm:txLinClrLst/>
+    <dgm:txFillClrLst/>
+    <dgm:txEffectClrLst/>
+  </dgm:styleLbl>
+  <dgm:styleLbl name="parChTrans2D3">
+    <dgm:fillClrLst meth="repeat">
+      <a:schemeClr val="accent4"/>
+    </dgm:fillClrLst>
+    <dgm:linClrLst meth="repeat">
+      <a:schemeClr val="lt1"/>
+    </dgm:linClrLst>
+    <dgm:effectClrLst/>
+    <dgm:txLinClrLst/>
+    <dgm:txFillClrLst/>
+    <dgm:txEffectClrLst/>
+  </dgm:styleLbl>
+  <dgm:styleLbl name="parChTrans2D4">
+    <dgm:fillClrLst meth="repeat">
+      <a:schemeClr val="accent5"/>
+    </dgm:fillClrLst>
+    <dgm:linClrLst meth="repeat">
+      <a:schemeClr val="lt1"/>
+    </dgm:linClrLst>
+    <dgm:effectClrLst/>
+    <dgm:txLinClrLst/>
+    <dgm:txFillClrLst meth="repeat">
+      <a:schemeClr val="lt1"/>
+    </dgm:txFillClrLst>
+    <dgm:txEffectClrLst/>
+  </dgm:styleLbl>
+  <dgm:styleLbl name="parChTrans1D1">
+    <dgm:fillClrLst meth="repeat">
+      <a:schemeClr val="accent3"/>
+    </dgm:fillClrLst>
+    <dgm:linClrLst meth="repeat">
+      <a:schemeClr val="accent3"/>
+    </dgm:linClrLst>
+    <dgm:effectClrLst/>
+    <dgm:txLinClrLst/>
+    <dgm:txFillClrLst meth="repeat">
+      <a:schemeClr val="tx1"/>
+    </dgm:txFillClrLst>
+    <dgm:txEffectClrLst/>
+  </dgm:styleLbl>
+  <dgm:styleLbl name="parChTrans1D2">
+    <dgm:fillClrLst meth="repeat">
+      <a:schemeClr val="accent2">
+        <a:tint val="90000"/>
+      </a:schemeClr>
+    </dgm:fillClrLst>
+    <dgm:linClrLst meth="repeat">
+      <a:schemeClr val="accent4"/>
+    </dgm:linClrLst>
+    <dgm:effectClrLst/>
+    <dgm:txLinClrLst/>
+    <dgm:txFillClrLst meth="repeat">
+      <a:schemeClr val="tx1"/>
+    </dgm:txFillClrLst>
+    <dgm:txEffectClrLst/>
+  </dgm:styleLbl>
+  <dgm:styleLbl name="parChTrans1D3">
+    <dgm:fillClrLst meth="repeat">
+      <a:schemeClr val="accent2">
+        <a:tint val="70000"/>
+      </a:schemeClr>
+    </dgm:fillClrLst>
+    <dgm:linClrLst meth="repeat">
+      <a:schemeClr val="accent5"/>
+    </dgm:linClrLst>
+    <dgm:effectClrLst/>
+    <dgm:txLinClrLst/>
+    <dgm:txFillClrLst meth="repeat">
+      <a:schemeClr val="tx1"/>
+    </dgm:txFillClrLst>
+    <dgm:txEffectClrLst/>
+  </dgm:styleLbl>
+  <dgm:styleLbl name="parChTrans1D4">
+    <dgm:fillClrLst meth="repeat">
+      <a:schemeClr val="accent6">
+        <a:tint val="50000"/>
+      </a:schemeClr>
+    </dgm:fillClrLst>
+    <dgm:linClrLst meth="repeat">
+      <a:schemeClr val="accent6"/>
+    </dgm:linClrLst>
+    <dgm:effectClrLst/>
+    <dgm:txLinClrLst/>
+    <dgm:txFillClrLst meth="repeat">
+      <a:schemeClr val="tx1"/>
+    </dgm:txFillClrLst>
+    <dgm:txEffectClrLst/>
+  </dgm:styleLbl>
+  <dgm:styleLbl name="fgAcc1">
+    <dgm:fillClrLst meth="repeat">
+      <a:schemeClr val="lt1">
+        <a:alpha val="90000"/>
+      </a:schemeClr>
+    </dgm:fillClrLst>
+    <dgm:linClrLst>
+      <a:schemeClr val="accent3"/>
+      <a:schemeClr val="accent4"/>
+    </dgm:linClrLst>
+    <dgm:effectClrLst/>
+    <dgm:txLinClrLst/>
+    <dgm:txFillClrLst meth="repeat">
+      <a:schemeClr val="dk1"/>
+    </dgm:txFillClrLst>
+    <dgm:txEffectClrLst/>
+  </dgm:styleLbl>
+  <dgm:styleLbl name="conFgAcc1">
+    <dgm:fillClrLst meth="repeat">
+      <a:schemeClr val="lt1">
+        <a:alpha val="90000"/>
+      </a:schemeClr>
+    </dgm:fillClrLst>
+    <dgm:linClrLst>
+      <a:schemeClr val="accent3"/>
+      <a:schemeClr val="accent4"/>
+    </dgm:linClrLst>
+    <dgm:effectClrLst/>
+    <dgm:txLinClrLst/>
+    <dgm:txFillClrLst meth="repeat">
+      <a:schemeClr val="dk1"/>
+    </dgm:txFillClrLst>
+    <dgm:txEffectClrLst/>
+  </dgm:styleLbl>
+  <dgm:styleLbl name="alignAcc1">
+    <dgm:fillClrLst meth="repeat">
+      <a:schemeClr val="lt1">
+        <a:alpha val="90000"/>
+      </a:schemeClr>
+    </dgm:fillClrLst>
+    <dgm:linClrLst>
+      <a:schemeClr val="accent3"/>
+      <a:schemeClr val="accent4"/>
+    </dgm:linClrLst>
+    <dgm:effectClrLst/>
+    <dgm:txLinClrLst/>
+    <dgm:txFillClrLst meth="repeat">
+      <a:schemeClr val="dk1"/>
+    </dgm:txFillClrLst>
+    <dgm:txEffectClrLst/>
+  </dgm:styleLbl>
+  <dgm:styleLbl name="trAlignAcc1">
+    <dgm:fillClrLst meth="repeat">
+      <a:schemeClr val="lt1">
+        <a:alpha val="40000"/>
+      </a:schemeClr>
+    </dgm:fillClrLst>
+    <dgm:linClrLst meth="repeat">
+      <a:schemeClr val="accent2"/>
+    </dgm:linClrLst>
+    <dgm:effectClrLst/>
+    <dgm:txLinClrLst/>
+    <dgm:txFillClrLst meth="repeat">
+      <a:schemeClr val="dk1"/>
+    </dgm:txFillClrLst>
+    <dgm:txEffectClrLst/>
+  </dgm:styleLbl>
+  <dgm:styleLbl name="bgAcc1">
+    <dgm:fillClrLst meth="repeat">
+      <a:schemeClr val="lt1">
+        <a:alpha val="90000"/>
+      </a:schemeClr>
+    </dgm:fillClrLst>
+    <dgm:linClrLst>
+      <a:schemeClr val="accent3"/>
+      <a:schemeClr val="accent4"/>
+    </dgm:linClrLst>
+    <dgm:effectClrLst/>
+    <dgm:txLinClrLst/>
+    <dgm:txFillClrLst meth="repeat">
+      <a:schemeClr val="dk1"/>
+    </dgm:txFillClrLst>
+    <dgm:txEffectClrLst/>
+  </dgm:styleLbl>
+  <dgm:styleLbl name="solidFgAcc1">
+    <dgm:fillClrLst meth="repeat">
+      <a:schemeClr val="lt1"/>
+    </dgm:fillClrLst>
+    <dgm:linClrLst>
+      <a:schemeClr val="accent3"/>
+      <a:schemeClr val="accent4"/>
+    </dgm:linClrLst>
+    <dgm:effectClrLst/>
+    <dgm:txLinClrLst/>
+    <dgm:txFillClrLst meth="repeat">
+      <a:schemeClr val="dk1"/>
+    </dgm:txFillClrLst>
+    <dgm:txEffectClrLst/>
+  </dgm:styleLbl>
+  <dgm:styleLbl name="solidAlignAcc1">
+    <dgm:fillClrLst meth="repeat">
+      <a:schemeClr val="lt1"/>
+    </dgm:fillClrLst>
+    <dgm:linClrLst>
+      <a:schemeClr val="accent3"/>
+      <a:schemeClr val="accent4"/>
+    </dgm:linClrLst>
+    <dgm:effectClrLst/>
+    <dgm:txLinClrLst/>
+    <dgm:txFillClrLst meth="repeat">
+      <a:schemeClr val="dk1"/>
+    </dgm:txFillClrLst>
+    <dgm:txEffectClrLst/>
+  </dgm:styleLbl>
+  <dgm:styleLbl name="solidBgAcc1">
+    <dgm:fillClrLst meth="repeat">
+      <a:schemeClr val="lt1"/>
+    </dgm:fillClrLst>
+    <dgm:linClrLst>
+      <a:schemeClr val="accent3"/>
+      <a:schemeClr val="accent4"/>
+    </dgm:linClrLst>
+    <dgm:effectClrLst/>
+    <dgm:txLinClrLst/>
+    <dgm:txFillClrLst meth="repeat">
+      <a:schemeClr val="dk1"/>
+    </dgm:txFillClrLst>
+    <dgm:txEffectClrLst/>
+  </dgm:styleLbl>
+  <dgm:styleLbl name="fgAccFollowNode1">
+    <dgm:fillClrLst>
+      <a:schemeClr val="accent3">
+        <a:tint val="40000"/>
+        <a:alpha val="90000"/>
+      </a:schemeClr>
+      <a:schemeClr val="accent4">
+        <a:tint val="40000"/>
+        <a:alpha val="90000"/>
+      </a:schemeClr>
+    </dgm:fillClrLst>
+    <dgm:linClrLst>
+      <a:schemeClr val="accent3">
+        <a:tint val="40000"/>
+        <a:alpha val="90000"/>
+      </a:schemeClr>
+      <a:schemeClr val="accent4">
+        <a:tint val="40000"/>
+        <a:alpha val="90000"/>
+      </a:schemeClr>
+    </dgm:linClrLst>
+    <dgm:effectClrLst/>
+    <dgm:txLinClrLst/>
+    <dgm:txFillClrLst meth="repeat">
+      <a:schemeClr val="dk1"/>
+    </dgm:txFillClrLst>
+    <dgm:txEffectClrLst/>
+  </dgm:styleLbl>
+  <dgm:styleLbl name="alignAccFollowNode1">
+    <dgm:fillClrLst>
+      <a:schemeClr val="accent3">
+        <a:tint val="40000"/>
+        <a:alpha val="90000"/>
+      </a:schemeClr>
+      <a:schemeClr val="accent4">
+        <a:tint val="40000"/>
+        <a:alpha val="90000"/>
+      </a:schemeClr>
+    </dgm:fillClrLst>
+    <dgm:linClrLst>
+      <a:schemeClr val="accent3">
+        <a:tint val="40000"/>
+        <a:alpha val="90000"/>
+      </a:schemeClr>
+      <a:schemeClr val="accent4">
+        <a:tint val="40000"/>
+        <a:alpha val="90000"/>
+      </a:schemeClr>
+    </dgm:linClrLst>
+    <dgm:effectClrLst/>
+    <dgm:txLinClrLst/>
+    <dgm:txFillClrLst meth="repeat">
+      <a:schemeClr val="dk1"/>
+    </dgm:txFillClrLst>
+    <dgm:txEffectClrLst/>
+  </dgm:styleLbl>
+  <dgm:styleLbl name="bgAccFollowNode1">
+    <dgm:fillClrLst>
+      <a:schemeClr val="accent3">
+        <a:tint val="40000"/>
+        <a:alpha val="90000"/>
+      </a:schemeClr>
+      <a:schemeClr val="accent4">
+        <a:tint val="40000"/>
+        <a:alpha val="90000"/>
+      </a:schemeClr>
+    </dgm:fillClrLst>
+    <dgm:linClrLst>
+      <a:schemeClr val="accent3">
+        <a:tint val="40000"/>
+        <a:alpha val="90000"/>
+      </a:schemeClr>
+      <a:schemeClr val="accent4">
+        <a:tint val="40000"/>
+        <a:alpha val="90000"/>
+      </a:schemeClr>
+    </dgm:linClrLst>
+    <dgm:effectClrLst/>
+    <dgm:txLinClrLst/>
+    <dgm:txFillClrLst meth="repeat">
+      <a:schemeClr val="dk1"/>
+    </dgm:txFillClrLst>
+    <dgm:txEffectClrLst/>
+  </dgm:styleLbl>
+  <dgm:styleLbl name="fgAcc0">
+    <dgm:fillClrLst meth="repeat">
+      <a:schemeClr val="lt1">
+        <a:alpha val="90000"/>
+      </a:schemeClr>
+    </dgm:fillClrLst>
+    <dgm:linClrLst>
+      <a:schemeClr val="accent2"/>
+    </dgm:linClrLst>
+    <dgm:effectClrLst/>
+    <dgm:txLinClrLst/>
+    <dgm:txFillClrLst meth="repeat">
+      <a:schemeClr val="dk1"/>
+    </dgm:txFillClrLst>
+    <dgm:txEffectClrLst/>
+  </dgm:styleLbl>
+  <dgm:styleLbl name="fgAcc2">
+    <dgm:fillClrLst meth="repeat">
+      <a:schemeClr val="lt1">
+        <a:alpha val="90000"/>
+      </a:schemeClr>
+    </dgm:fillClrLst>
+    <dgm:linClrLst>
+      <a:schemeClr val="accent4"/>
+    </dgm:linClrLst>
+    <dgm:effectClrLst/>
+    <dgm:txLinClrLst/>
+    <dgm:txFillClrLst meth="repeat">
+      <a:schemeClr val="dk1"/>
+    </dgm:txFillClrLst>
+    <dgm:txEffectClrLst/>
+  </dgm:styleLbl>
+  <dgm:styleLbl name="fgAcc3">
+    <dgm:fillClrLst meth="repeat">
+      <a:schemeClr val="lt1">
+        <a:alpha val="90000"/>
+      </a:schemeClr>
+    </dgm:fillClrLst>
+    <dgm:linClrLst>
+      <a:schemeClr val="accent5"/>
+    </dgm:linClrLst>
+    <dgm:effectClrLst/>
+    <dgm:txLinClrLst/>
+    <dgm:txFillClrLst meth="repeat">
+      <a:schemeClr val="dk1"/>
+    </dgm:txFillClrLst>
+    <dgm:txEffectClrLst/>
+  </dgm:styleLbl>
+  <dgm:styleLbl name="fgAcc4">
+    <dgm:fillClrLst meth="repeat">
+      <a:schemeClr val="lt1">
+        <a:alpha val="90000"/>
+      </a:schemeClr>
+    </dgm:fillClrLst>
+    <dgm:linClrLst>
+      <a:schemeClr val="accent6"/>
+    </dgm:linClrLst>
+    <dgm:effectClrLst/>
+    <dgm:txLinClrLst/>
+    <dgm:txFillClrLst meth="repeat">
+      <a:schemeClr val="dk1"/>
+    </dgm:txFillClrLst>
+    <dgm:txEffectClrLst/>
+  </dgm:styleLbl>
+  <dgm:styleLbl name="bgShp">
+    <dgm:fillClrLst meth="repeat">
+      <a:schemeClr val="accent3">
+        <a:tint val="40000"/>
+      </a:schemeClr>
+    </dgm:fillClrLst>
+    <dgm:linClrLst meth="repeat">
+      <a:schemeClr val="dk1"/>
+    </dgm:linClrLst>
+    <dgm:effectClrLst/>
+    <dgm:txLinClrLst/>
+    <dgm:txFillClrLst meth="repeat">
+      <a:schemeClr val="dk1"/>
+    </dgm:txFillClrLst>
+    <dgm:txEffectClrLst/>
+  </dgm:styleLbl>
+  <dgm:styleLbl name="dkBgShp">
+    <dgm:fillClrLst meth="repeat">
+      <a:schemeClr val="accent3">
+        <a:shade val="90000"/>
+      </a:schemeClr>
+    </dgm:fillClrLst>
+    <dgm:linClrLst meth="repeat">
+      <a:schemeClr val="dk1"/>
+    </dgm:linClrLst>
+    <dgm:effectClrLst/>
+    <dgm:txLinClrLst/>
+    <dgm:txFillClrLst meth="repeat">
+      <a:schemeClr val="lt1"/>
+    </dgm:txFillClrLst>
+    <dgm:txEffectClrLst/>
+  </dgm:styleLbl>
+  <dgm:styleLbl name="trBgShp">
+    <dgm:fillClrLst meth="repeat">
+      <a:schemeClr val="accent2">
+        <a:tint val="50000"/>
+        <a:alpha val="40000"/>
+      </a:schemeClr>
+    </dgm:fillClrLst>
+    <dgm:linClrLst meth="repeat">
+      <a:schemeClr val="accent3"/>
+    </dgm:linClrLst>
+    <dgm:effectClrLst/>
+    <dgm:txLinClrLst/>
+    <dgm:txFillClrLst meth="repeat">
+      <a:schemeClr val="lt1"/>
+    </dgm:txFillClrLst>
+    <dgm:txEffectClrLst/>
+  </dgm:styleLbl>
+  <dgm:styleLbl name="fgShp">
+    <dgm:fillClrLst meth="repeat">
+      <a:schemeClr val="accent3">
+        <a:tint val="40000"/>
+      </a:schemeClr>
+    </dgm:fillClrLst>
+    <dgm:linClrLst meth="repeat">
+      <a:schemeClr val="lt1"/>
+    </dgm:linClrLst>
+    <dgm:effectClrLst/>
+    <dgm:txLinClrLst/>
+    <dgm:txFillClrLst meth="repeat">
+      <a:schemeClr val="dk1"/>
+    </dgm:txFillClrLst>
+    <dgm:txEffectClrLst/>
+  </dgm:styleLbl>
+  <dgm:styleLbl name="revTx">
+    <dgm:fillClrLst meth="repeat">
+      <a:schemeClr val="lt1">
+        <a:alpha val="0"/>
+      </a:schemeClr>
+    </dgm:fillClrLst>
+    <dgm:linClrLst meth="repeat">
+      <a:schemeClr val="dk1">
+        <a:alpha val="0"/>
+      </a:schemeClr>
+    </dgm:linClrLst>
+    <dgm:effectClrLst/>
+    <dgm:txLinClrLst/>
+    <dgm:txFillClrLst meth="repeat">
+      <a:schemeClr val="tx1"/>
+    </dgm:txFillClrLst>
+    <dgm:txEffectClrLst/>
+  </dgm:styleLbl>
+</dgm:colorsDef>
+</file>
+
+<file path=ppt/diagrams/data1.xml><?xml version="1.0" encoding="utf-8"?>
+<dgm:dataModel xmlns:dgm="http://schemas.openxmlformats.org/drawingml/2006/diagram" xmlns:a="http://schemas.openxmlformats.org/drawingml/2006/main">
+  <dgm:ptLst>
+    <dgm:pt modelId="{F7044727-12AC-4731-8D8D-5DEBDD685D40}" type="doc">
+      <dgm:prSet loTypeId="urn:microsoft.com/office/officeart/2005/8/layout/vList2" loCatId="list" qsTypeId="urn:microsoft.com/office/officeart/2005/8/quickstyle/simple1" qsCatId="simple" csTypeId="urn:microsoft.com/office/officeart/2005/8/colors/colorful3" csCatId="colorful" phldr="1"/>
+      <dgm:spPr/>
+      <dgm:t>
+        <a:bodyPr/>
+        <a:lstStyle/>
+        <a:p>
+          <a:pPr latinLnBrk="1"/>
+          <a:endParaRPr lang="ko-KR" altLang="en-US"/>
+        </a:p>
+      </dgm:t>
+    </dgm:pt>
+    <dgm:pt modelId="{13C8151F-8348-4A82-9547-ECC419B62ECA}">
+      <dgm:prSet/>
+      <dgm:spPr/>
+      <dgm:t>
+        <a:bodyPr/>
+        <a:lstStyle/>
+        <a:p>
+          <a:pPr rtl="0" latinLnBrk="1"/>
+          <a:r>
+            <a:rPr lang="ko-KR" dirty="0" smtClean="0"/>
+            <a:t>공격이나 </a:t>
+          </a:r>
+          <a:r>
+            <a:rPr lang="ko-KR" dirty="0" err="1" smtClean="0"/>
+            <a:t>피격효과</a:t>
+          </a:r>
+          <a:endParaRPr lang="ko-KR" dirty="0"/>
+        </a:p>
+      </dgm:t>
+    </dgm:pt>
+    <dgm:pt modelId="{9A6C4A71-F473-43E3-8A47-74083A02158C}" type="parTrans" cxnId="{90C4ECCC-ADC0-4FE6-8FE5-23E88A501A54}">
+      <dgm:prSet/>
+      <dgm:spPr/>
+      <dgm:t>
+        <a:bodyPr/>
+        <a:lstStyle/>
+        <a:p>
+          <a:pPr latinLnBrk="1"/>
+          <a:endParaRPr lang="ko-KR" altLang="en-US"/>
+        </a:p>
+      </dgm:t>
+    </dgm:pt>
+    <dgm:pt modelId="{4EAC9CE3-167E-4BD5-B61F-BD41CF9D9CC6}" type="sibTrans" cxnId="{90C4ECCC-ADC0-4FE6-8FE5-23E88A501A54}">
+      <dgm:prSet/>
+      <dgm:spPr/>
+      <dgm:t>
+        <a:bodyPr/>
+        <a:lstStyle/>
+        <a:p>
+          <a:pPr latinLnBrk="1"/>
+          <a:endParaRPr lang="ko-KR" altLang="en-US"/>
+        </a:p>
+      </dgm:t>
+    </dgm:pt>
+    <dgm:pt modelId="{7CF31F08-CB95-4A74-83F7-381C50CA9F72}">
+      <dgm:prSet/>
+      <dgm:spPr/>
+      <dgm:t>
+        <a:bodyPr/>
+        <a:lstStyle/>
+        <a:p>
+          <a:pPr rtl="0" latinLnBrk="1"/>
+          <a:r>
+            <a:rPr lang="en-US" altLang="ko-KR" dirty="0" smtClean="0"/>
+            <a:t>Player</a:t>
+          </a:r>
+          <a:r>
+            <a:rPr lang="ko-KR" altLang="en-US" dirty="0" smtClean="0"/>
+            <a:t>의 움직임</a:t>
+          </a:r>
+          <a:endParaRPr lang="en-US" altLang="ko-KR" dirty="0" smtClean="0"/>
+        </a:p>
+      </dgm:t>
+    </dgm:pt>
+    <dgm:pt modelId="{6D8AF184-1C6D-4848-8FB7-D3220EBDD4F9}" type="parTrans" cxnId="{4B21D9F1-1C69-46D8-8936-CAE6F30EDC02}">
+      <dgm:prSet/>
+      <dgm:spPr/>
+      <dgm:t>
+        <a:bodyPr/>
+        <a:lstStyle/>
+        <a:p>
+          <a:pPr latinLnBrk="1"/>
+          <a:endParaRPr lang="ko-KR" altLang="en-US"/>
+        </a:p>
+      </dgm:t>
+    </dgm:pt>
+    <dgm:pt modelId="{7239915B-F017-488A-B634-F3A8E0128997}" type="sibTrans" cxnId="{4B21D9F1-1C69-46D8-8936-CAE6F30EDC02}">
+      <dgm:prSet/>
+      <dgm:spPr/>
+      <dgm:t>
+        <a:bodyPr/>
+        <a:lstStyle/>
+        <a:p>
+          <a:pPr latinLnBrk="1"/>
+          <a:endParaRPr lang="ko-KR" altLang="en-US"/>
+        </a:p>
+      </dgm:t>
+    </dgm:pt>
+    <dgm:pt modelId="{2EBF7CD0-2AA3-458A-9808-7EA3558C575C}">
+      <dgm:prSet/>
+      <dgm:spPr/>
+      <dgm:t>
+        <a:bodyPr/>
+        <a:lstStyle/>
+        <a:p>
+          <a:pPr rtl="0" latinLnBrk="1"/>
+          <a:r>
+            <a:rPr lang="ko-KR" dirty="0" smtClean="0"/>
+            <a:t>적</a:t>
+          </a:r>
+          <a:r>
+            <a:rPr lang="en-US" dirty="0" smtClean="0"/>
+            <a:t>(</a:t>
+          </a:r>
+          <a:r>
+            <a:rPr lang="ko-KR" dirty="0" smtClean="0"/>
+            <a:t>표적</a:t>
+          </a:r>
+          <a:r>
+            <a:rPr lang="en-US" dirty="0" smtClean="0"/>
+            <a:t>)</a:t>
+          </a:r>
+          <a:r>
+            <a:rPr lang="ko-KR" dirty="0" smtClean="0"/>
+            <a:t>의 움직임</a:t>
+          </a:r>
+          <a:endParaRPr lang="ko-KR" dirty="0"/>
+        </a:p>
+      </dgm:t>
+    </dgm:pt>
+    <dgm:pt modelId="{BE83DB62-15EF-4E31-934E-B6A75960C9D5}" type="parTrans" cxnId="{5AD15675-BD32-4A31-97E8-9842BCF21A4A}">
+      <dgm:prSet/>
+      <dgm:spPr/>
+      <dgm:t>
+        <a:bodyPr/>
+        <a:lstStyle/>
+        <a:p>
+          <a:pPr latinLnBrk="1"/>
+          <a:endParaRPr lang="ko-KR" altLang="en-US"/>
+        </a:p>
+      </dgm:t>
+    </dgm:pt>
+    <dgm:pt modelId="{A6B06D03-AEB2-482E-8991-7458E1582104}" type="sibTrans" cxnId="{5AD15675-BD32-4A31-97E8-9842BCF21A4A}">
+      <dgm:prSet/>
+      <dgm:spPr/>
+      <dgm:t>
+        <a:bodyPr/>
+        <a:lstStyle/>
+        <a:p>
+          <a:pPr latinLnBrk="1"/>
+          <a:endParaRPr lang="ko-KR" altLang="en-US"/>
+        </a:p>
+      </dgm:t>
+    </dgm:pt>
+    <dgm:pt modelId="{5441159E-88FF-49F6-8170-D0F96B2DA4D9}">
+      <dgm:prSet/>
+      <dgm:spPr/>
+      <dgm:t>
+        <a:bodyPr/>
+        <a:lstStyle/>
+        <a:p>
+          <a:pPr rtl="0" latinLnBrk="1"/>
+          <a:r>
+            <a:rPr lang="ko-KR" altLang="en-US" dirty="0" smtClean="0"/>
+            <a:t>체력이나 탄약 등의 </a:t>
+          </a:r>
+          <a:r>
+            <a:rPr lang="en-US" altLang="ko-KR" dirty="0" smtClean="0"/>
+            <a:t>UI</a:t>
+          </a:r>
+          <a:endParaRPr lang="ko-KR" dirty="0"/>
+        </a:p>
+      </dgm:t>
+    </dgm:pt>
+    <dgm:pt modelId="{BF772DF3-A65E-4A8C-A922-D9A99D1F739A}" type="parTrans" cxnId="{5A83AB16-E663-4C96-81E8-A56D6738E98F}">
+      <dgm:prSet/>
+      <dgm:spPr/>
+      <dgm:t>
+        <a:bodyPr/>
+        <a:lstStyle/>
+        <a:p>
+          <a:pPr latinLnBrk="1"/>
+          <a:endParaRPr lang="ko-KR" altLang="en-US"/>
+        </a:p>
+      </dgm:t>
+    </dgm:pt>
+    <dgm:pt modelId="{20846699-B14C-472E-9017-08B25CE080B5}" type="sibTrans" cxnId="{5A83AB16-E663-4C96-81E8-A56D6738E98F}">
+      <dgm:prSet/>
+      <dgm:spPr/>
+      <dgm:t>
+        <a:bodyPr/>
+        <a:lstStyle/>
+        <a:p>
+          <a:pPr latinLnBrk="1"/>
+          <a:endParaRPr lang="ko-KR" altLang="en-US"/>
+        </a:p>
+      </dgm:t>
+    </dgm:pt>
+    <dgm:pt modelId="{A52570FC-25C0-4E2C-A7AD-21721FE6E4CD}">
+      <dgm:prSet/>
+      <dgm:spPr/>
+      <dgm:t>
+        <a:bodyPr/>
+        <a:lstStyle/>
+        <a:p>
+          <a:pPr rtl="0" latinLnBrk="1"/>
+          <a:r>
+            <a:rPr lang="ko-KR" altLang="en-US" dirty="0" smtClean="0"/>
+            <a:t>무기의 구현</a:t>
+          </a:r>
+          <a:endParaRPr lang="ko-KR" dirty="0"/>
+        </a:p>
+      </dgm:t>
+    </dgm:pt>
+    <dgm:pt modelId="{8C0F3DAB-BB97-49AC-938E-4401B1E01AF6}" type="parTrans" cxnId="{DE4AFBA8-6379-413A-817C-1DC602800683}">
+      <dgm:prSet/>
+      <dgm:spPr/>
+      <dgm:t>
+        <a:bodyPr/>
+        <a:lstStyle/>
+        <a:p>
+          <a:pPr latinLnBrk="1"/>
+          <a:endParaRPr lang="ko-KR" altLang="en-US"/>
+        </a:p>
+      </dgm:t>
+    </dgm:pt>
+    <dgm:pt modelId="{CC0ECA42-1B1F-4BB9-AF89-49F5093B19F7}" type="sibTrans" cxnId="{DE4AFBA8-6379-413A-817C-1DC602800683}">
+      <dgm:prSet/>
+      <dgm:spPr/>
+      <dgm:t>
+        <a:bodyPr/>
+        <a:lstStyle/>
+        <a:p>
+          <a:pPr latinLnBrk="1"/>
+          <a:endParaRPr lang="ko-KR" altLang="en-US"/>
+        </a:p>
+      </dgm:t>
+    </dgm:pt>
+    <dgm:pt modelId="{DE79580F-D564-4ACE-96AD-D7B7365E655B}">
+      <dgm:prSet/>
+      <dgm:spPr/>
+      <dgm:t>
+        <a:bodyPr/>
+        <a:lstStyle/>
+        <a:p>
+          <a:pPr rtl="0" latinLnBrk="1"/>
+          <a:r>
+            <a:rPr lang="ko-KR" altLang="en-US" dirty="0" smtClean="0"/>
+            <a:t>장전 모션이나 무기 별 모션 수류탄이나 총의 다른 모션</a:t>
+          </a:r>
+          <a:endParaRPr lang="ko-KR" dirty="0"/>
+        </a:p>
+      </dgm:t>
+    </dgm:pt>
+    <dgm:pt modelId="{4F4222E8-A612-4585-A16D-C2726FEB9CE0}" type="parTrans" cxnId="{182C33B6-B211-4CE3-939E-A365EF0E3CA5}">
+      <dgm:prSet/>
+      <dgm:spPr/>
+      <dgm:t>
+        <a:bodyPr/>
+        <a:lstStyle/>
+        <a:p>
+          <a:pPr latinLnBrk="1"/>
+          <a:endParaRPr lang="ko-KR" altLang="en-US"/>
+        </a:p>
+      </dgm:t>
+    </dgm:pt>
+    <dgm:pt modelId="{4031A226-82AF-417F-9597-AF7981D44B02}" type="sibTrans" cxnId="{182C33B6-B211-4CE3-939E-A365EF0E3CA5}">
+      <dgm:prSet/>
+      <dgm:spPr/>
+      <dgm:t>
+        <a:bodyPr/>
+        <a:lstStyle/>
+        <a:p>
+          <a:pPr latinLnBrk="1"/>
+          <a:endParaRPr lang="ko-KR" altLang="en-US"/>
+        </a:p>
+      </dgm:t>
+    </dgm:pt>
+    <dgm:pt modelId="{CA723924-AED4-48F9-A65F-70E9FD853A36}">
+      <dgm:prSet/>
+      <dgm:spPr/>
+      <dgm:t>
+        <a:bodyPr/>
+        <a:lstStyle/>
+        <a:p>
+          <a:pPr rtl="0" latinLnBrk="1"/>
+          <a:r>
+            <a:rPr lang="en-US" altLang="ko-KR" dirty="0" smtClean="0"/>
+            <a:t>ex)</a:t>
+          </a:r>
+          <a:r>
+            <a:rPr lang="ko-KR" altLang="en-US" dirty="0" smtClean="0"/>
+            <a:t>피 </a:t>
+          </a:r>
+          <a:r>
+            <a:rPr lang="ko-KR" altLang="en-US" dirty="0" err="1" smtClean="0"/>
+            <a:t>뿜뿜</a:t>
+          </a:r>
+          <a:r>
+            <a:rPr lang="ko-KR" altLang="en-US" dirty="0" smtClean="0"/>
+            <a:t> </a:t>
+          </a:r>
+          <a:r>
+            <a:rPr lang="en-US" altLang="ko-KR" dirty="0" smtClean="0"/>
+            <a:t>, </a:t>
+          </a:r>
+          <a:r>
+            <a:rPr lang="ko-KR" altLang="en-US" dirty="0" smtClean="0"/>
+            <a:t>폭발 </a:t>
+          </a:r>
+          <a:r>
+            <a:rPr lang="en-US" altLang="ko-KR" dirty="0" smtClean="0"/>
+            <a:t>, </a:t>
+          </a:r>
+          <a:r>
+            <a:rPr lang="ko-KR" altLang="en-US" dirty="0" smtClean="0"/>
+            <a:t>총구의 화염</a:t>
+          </a:r>
+          <a:r>
+            <a:rPr lang="en-US" altLang="ko-KR" dirty="0" smtClean="0"/>
+            <a:t> </a:t>
+          </a:r>
+          <a:endParaRPr lang="ko-KR" dirty="0"/>
+        </a:p>
+      </dgm:t>
+    </dgm:pt>
+    <dgm:pt modelId="{D2EE175B-5722-41A7-AA76-A5D04B80D31E}" type="parTrans" cxnId="{5690BC50-9A7E-4A88-ADBC-6E2638859136}">
+      <dgm:prSet/>
+      <dgm:spPr/>
+      <dgm:t>
+        <a:bodyPr/>
+        <a:lstStyle/>
+        <a:p>
+          <a:pPr latinLnBrk="1"/>
+          <a:endParaRPr lang="ko-KR" altLang="en-US"/>
+        </a:p>
+      </dgm:t>
+    </dgm:pt>
+    <dgm:pt modelId="{989F802D-C81E-4DD6-8E0E-04CA54DE4A62}" type="sibTrans" cxnId="{5690BC50-9A7E-4A88-ADBC-6E2638859136}">
+      <dgm:prSet/>
+      <dgm:spPr/>
+      <dgm:t>
+        <a:bodyPr/>
+        <a:lstStyle/>
+        <a:p>
+          <a:pPr latinLnBrk="1"/>
+          <a:endParaRPr lang="ko-KR" altLang="en-US"/>
+        </a:p>
+      </dgm:t>
+    </dgm:pt>
+    <dgm:pt modelId="{8726A381-2F67-48C3-88DE-72C655BEC6E4}">
+      <dgm:prSet/>
+      <dgm:spPr/>
+      <dgm:t>
+        <a:bodyPr/>
+        <a:lstStyle/>
+        <a:p>
+          <a:pPr rtl="0" latinLnBrk="1"/>
+          <a:r>
+            <a:rPr lang="ko-KR" altLang="en-US" dirty="0" smtClean="0"/>
+            <a:t>무기 별 탄약 및 재장전</a:t>
+          </a:r>
+          <a:endParaRPr lang="ko-KR" dirty="0"/>
+        </a:p>
+      </dgm:t>
+    </dgm:pt>
+    <dgm:pt modelId="{A119DE5F-6B0A-4768-983D-57E1A1DB1ED2}" type="parTrans" cxnId="{A62AA2A7-6FB3-4A54-95C0-FB8C4ED59DB1}">
+      <dgm:prSet/>
+      <dgm:spPr/>
+      <dgm:t>
+        <a:bodyPr/>
+        <a:lstStyle/>
+        <a:p>
+          <a:pPr latinLnBrk="1"/>
+          <a:endParaRPr lang="ko-KR" altLang="en-US"/>
+        </a:p>
+      </dgm:t>
+    </dgm:pt>
+    <dgm:pt modelId="{C5CC51AE-BBD7-488C-BEB9-C03216DD2164}" type="sibTrans" cxnId="{A62AA2A7-6FB3-4A54-95C0-FB8C4ED59DB1}">
+      <dgm:prSet/>
+      <dgm:spPr/>
+      <dgm:t>
+        <a:bodyPr/>
+        <a:lstStyle/>
+        <a:p>
+          <a:pPr latinLnBrk="1"/>
+          <a:endParaRPr lang="ko-KR" altLang="en-US"/>
+        </a:p>
+      </dgm:t>
+    </dgm:pt>
+    <dgm:pt modelId="{6855206A-5CF3-404F-9349-9B179E9A2D52}">
+      <dgm:prSet/>
+      <dgm:spPr/>
+      <dgm:t>
+        <a:bodyPr/>
+        <a:lstStyle/>
+        <a:p>
+          <a:pPr rtl="0" latinLnBrk="1"/>
+          <a:r>
+            <a:rPr lang="ko-KR" altLang="en-US" dirty="0" smtClean="0"/>
+            <a:t>공격하는 움직임이나 이동 및 움직임</a:t>
+          </a:r>
+          <a:endParaRPr lang="ko-KR" dirty="0"/>
+        </a:p>
+      </dgm:t>
+    </dgm:pt>
+    <dgm:pt modelId="{6DADB5BF-3122-4C43-8094-D7AC186108F0}" type="parTrans" cxnId="{97CC9D6A-DAE7-4149-9B91-A1742C72E210}">
+      <dgm:prSet/>
+      <dgm:spPr/>
+      <dgm:t>
+        <a:bodyPr/>
+        <a:lstStyle/>
+        <a:p>
+          <a:pPr latinLnBrk="1"/>
+          <a:endParaRPr lang="ko-KR" altLang="en-US"/>
+        </a:p>
+      </dgm:t>
+    </dgm:pt>
+    <dgm:pt modelId="{A0A469D5-FD47-4E50-B8D2-3498DF1E745E}" type="sibTrans" cxnId="{97CC9D6A-DAE7-4149-9B91-A1742C72E210}">
+      <dgm:prSet/>
+      <dgm:spPr/>
+      <dgm:t>
+        <a:bodyPr/>
+        <a:lstStyle/>
+        <a:p>
+          <a:pPr latinLnBrk="1"/>
+          <a:endParaRPr lang="ko-KR" altLang="en-US"/>
+        </a:p>
+      </dgm:t>
+    </dgm:pt>
+    <dgm:pt modelId="{CCF934B2-3E1E-4823-8DA1-1C07BFCBA8A9}">
+      <dgm:prSet/>
+      <dgm:spPr/>
+      <dgm:t>
+        <a:bodyPr/>
+        <a:lstStyle/>
+        <a:p>
+          <a:pPr rtl="0" latinLnBrk="1"/>
+          <a:r>
+            <a:rPr lang="ko-KR" altLang="en-US" dirty="0" smtClean="0"/>
+            <a:t>자연스러운 이동 모션 및 공격 움직임</a:t>
+          </a:r>
+          <a:endParaRPr lang="en-US" altLang="ko-KR" dirty="0" smtClean="0"/>
+        </a:p>
+      </dgm:t>
+    </dgm:pt>
+    <dgm:pt modelId="{9BE95FDD-0803-4FD0-B2FE-63E481CADAC8}" type="parTrans" cxnId="{EF0CAA0F-364B-4193-91F2-B8CEBE1B2D72}">
+      <dgm:prSet/>
+      <dgm:spPr/>
+      <dgm:t>
+        <a:bodyPr/>
+        <a:lstStyle/>
+        <a:p>
+          <a:pPr latinLnBrk="1"/>
+          <a:endParaRPr lang="ko-KR" altLang="en-US"/>
+        </a:p>
+      </dgm:t>
+    </dgm:pt>
+    <dgm:pt modelId="{3550050B-AF4E-49BD-8284-D74438A5ED73}" type="sibTrans" cxnId="{EF0CAA0F-364B-4193-91F2-B8CEBE1B2D72}">
+      <dgm:prSet/>
+      <dgm:spPr/>
+      <dgm:t>
+        <a:bodyPr/>
+        <a:lstStyle/>
+        <a:p>
+          <a:pPr latinLnBrk="1"/>
+          <a:endParaRPr lang="ko-KR" altLang="en-US"/>
+        </a:p>
+      </dgm:t>
+    </dgm:pt>
+    <dgm:pt modelId="{375FE372-35E9-4655-BB3B-D377D754AA0A}" type="pres">
+      <dgm:prSet presAssocID="{F7044727-12AC-4731-8D8D-5DEBDD685D40}" presName="linear" presStyleCnt="0">
+        <dgm:presLayoutVars>
+          <dgm:animLvl val="lvl"/>
+          <dgm:resizeHandles val="exact"/>
+        </dgm:presLayoutVars>
+      </dgm:prSet>
+      <dgm:spPr/>
+    </dgm:pt>
+    <dgm:pt modelId="{5D07321C-74A4-4049-AF9E-FEE978464213}" type="pres">
+      <dgm:prSet presAssocID="{13C8151F-8348-4A82-9547-ECC419B62ECA}" presName="parentText" presStyleLbl="node1" presStyleIdx="0" presStyleCnt="5">
+        <dgm:presLayoutVars>
+          <dgm:chMax val="0"/>
+          <dgm:bulletEnabled val="1"/>
+        </dgm:presLayoutVars>
+      </dgm:prSet>
+      <dgm:spPr/>
+      <dgm:t>
+        <a:bodyPr/>
+        <a:lstStyle/>
+        <a:p>
+          <a:pPr latinLnBrk="1"/>
+          <a:endParaRPr lang="ko-KR" altLang="en-US"/>
+        </a:p>
+      </dgm:t>
+    </dgm:pt>
+    <dgm:pt modelId="{15A84F80-7197-4EF5-9CF5-FD232EE172FE}" type="pres">
+      <dgm:prSet presAssocID="{13C8151F-8348-4A82-9547-ECC419B62ECA}" presName="childText" presStyleLbl="revTx" presStyleIdx="0" presStyleCnt="5">
+        <dgm:presLayoutVars>
+          <dgm:bulletEnabled val="1"/>
+        </dgm:presLayoutVars>
+      </dgm:prSet>
+      <dgm:spPr/>
+      <dgm:t>
+        <a:bodyPr/>
+        <a:lstStyle/>
+        <a:p>
+          <a:pPr latinLnBrk="1"/>
+          <a:endParaRPr lang="ko-KR" altLang="en-US"/>
+        </a:p>
+      </dgm:t>
+    </dgm:pt>
+    <dgm:pt modelId="{209E04DA-F9A1-46A1-937A-771D0A0C2F31}" type="pres">
+      <dgm:prSet presAssocID="{A52570FC-25C0-4E2C-A7AD-21721FE6E4CD}" presName="parentText" presStyleLbl="node1" presStyleIdx="1" presStyleCnt="5">
+        <dgm:presLayoutVars>
+          <dgm:chMax val="0"/>
+          <dgm:bulletEnabled val="1"/>
+        </dgm:presLayoutVars>
+      </dgm:prSet>
+      <dgm:spPr/>
+      <dgm:t>
+        <a:bodyPr/>
+        <a:lstStyle/>
+        <a:p>
+          <a:pPr latinLnBrk="1"/>
+          <a:endParaRPr lang="ko-KR" altLang="en-US"/>
+        </a:p>
+      </dgm:t>
+    </dgm:pt>
+    <dgm:pt modelId="{4E939C24-ECF3-4D89-A835-AE72C6B9D02A}" type="pres">
+      <dgm:prSet presAssocID="{A52570FC-25C0-4E2C-A7AD-21721FE6E4CD}" presName="childText" presStyleLbl="revTx" presStyleIdx="1" presStyleCnt="5">
+        <dgm:presLayoutVars>
+          <dgm:bulletEnabled val="1"/>
+        </dgm:presLayoutVars>
+      </dgm:prSet>
+      <dgm:spPr/>
+      <dgm:t>
+        <a:bodyPr/>
+        <a:lstStyle/>
+        <a:p>
+          <a:pPr latinLnBrk="1"/>
+          <a:endParaRPr lang="ko-KR" altLang="en-US"/>
+        </a:p>
+      </dgm:t>
+    </dgm:pt>
+    <dgm:pt modelId="{381F2982-74C3-40F8-B0E1-7E4BFFC5EC5B}" type="pres">
+      <dgm:prSet presAssocID="{5441159E-88FF-49F6-8170-D0F96B2DA4D9}" presName="parentText" presStyleLbl="node1" presStyleIdx="2" presStyleCnt="5">
+        <dgm:presLayoutVars>
+          <dgm:chMax val="0"/>
+          <dgm:bulletEnabled val="1"/>
+        </dgm:presLayoutVars>
+      </dgm:prSet>
+      <dgm:spPr/>
+      <dgm:t>
+        <a:bodyPr/>
+        <a:lstStyle/>
+        <a:p>
+          <a:pPr latinLnBrk="1"/>
+          <a:endParaRPr lang="ko-KR" altLang="en-US"/>
+        </a:p>
+      </dgm:t>
+    </dgm:pt>
+    <dgm:pt modelId="{94D1E536-5D63-4D13-8892-FE265B752951}" type="pres">
+      <dgm:prSet presAssocID="{5441159E-88FF-49F6-8170-D0F96B2DA4D9}" presName="childText" presStyleLbl="revTx" presStyleIdx="2" presStyleCnt="5">
+        <dgm:presLayoutVars>
+          <dgm:bulletEnabled val="1"/>
+        </dgm:presLayoutVars>
+      </dgm:prSet>
+      <dgm:spPr/>
+    </dgm:pt>
+    <dgm:pt modelId="{C0FD6287-FAAE-484C-B912-2E59F3A350DA}" type="pres">
+      <dgm:prSet presAssocID="{7CF31F08-CB95-4A74-83F7-381C50CA9F72}" presName="parentText" presStyleLbl="node1" presStyleIdx="3" presStyleCnt="5">
+        <dgm:presLayoutVars>
+          <dgm:chMax val="0"/>
+          <dgm:bulletEnabled val="1"/>
+        </dgm:presLayoutVars>
+      </dgm:prSet>
+      <dgm:spPr/>
+      <dgm:t>
+        <a:bodyPr/>
+        <a:lstStyle/>
+        <a:p>
+          <a:pPr latinLnBrk="1"/>
+          <a:endParaRPr lang="ko-KR" altLang="en-US"/>
+        </a:p>
+      </dgm:t>
+    </dgm:pt>
+    <dgm:pt modelId="{32AF8A2E-97EF-46C2-B84B-F89488E02015}" type="pres">
+      <dgm:prSet presAssocID="{7CF31F08-CB95-4A74-83F7-381C50CA9F72}" presName="childText" presStyleLbl="revTx" presStyleIdx="3" presStyleCnt="5">
+        <dgm:presLayoutVars>
+          <dgm:bulletEnabled val="1"/>
+        </dgm:presLayoutVars>
+      </dgm:prSet>
+      <dgm:spPr/>
+    </dgm:pt>
+    <dgm:pt modelId="{01F24DF9-A183-4962-BFA3-D396689DC2D4}" type="pres">
+      <dgm:prSet presAssocID="{2EBF7CD0-2AA3-458A-9808-7EA3558C575C}" presName="parentText" presStyleLbl="node1" presStyleIdx="4" presStyleCnt="5">
+        <dgm:presLayoutVars>
+          <dgm:chMax val="0"/>
+          <dgm:bulletEnabled val="1"/>
+        </dgm:presLayoutVars>
+      </dgm:prSet>
+      <dgm:spPr/>
+    </dgm:pt>
+    <dgm:pt modelId="{F9AA361B-2524-433D-BF64-728D7BEFCBE3}" type="pres">
+      <dgm:prSet presAssocID="{2EBF7CD0-2AA3-458A-9808-7EA3558C575C}" presName="childText" presStyleLbl="revTx" presStyleIdx="4" presStyleCnt="5">
+        <dgm:presLayoutVars>
+          <dgm:bulletEnabled val="1"/>
+        </dgm:presLayoutVars>
+      </dgm:prSet>
+      <dgm:spPr/>
+    </dgm:pt>
+  </dgm:ptLst>
+  <dgm:cxnLst>
+    <dgm:cxn modelId="{5A83AB16-E663-4C96-81E8-A56D6738E98F}" srcId="{F7044727-12AC-4731-8D8D-5DEBDD685D40}" destId="{5441159E-88FF-49F6-8170-D0F96B2DA4D9}" srcOrd="2" destOrd="0" parTransId="{BF772DF3-A65E-4A8C-A922-D9A99D1F739A}" sibTransId="{20846699-B14C-472E-9017-08B25CE080B5}"/>
+    <dgm:cxn modelId="{97CC9D6A-DAE7-4149-9B91-A1742C72E210}" srcId="{2EBF7CD0-2AA3-458A-9808-7EA3558C575C}" destId="{6855206A-5CF3-404F-9349-9B179E9A2D52}" srcOrd="0" destOrd="0" parTransId="{6DADB5BF-3122-4C43-8094-D7AC186108F0}" sibTransId="{A0A469D5-FD47-4E50-B8D2-3498DF1E745E}"/>
+    <dgm:cxn modelId="{EA564D34-A246-4E38-B885-0647BB9FF115}" type="presOf" srcId="{A52570FC-25C0-4E2C-A7AD-21721FE6E4CD}" destId="{209E04DA-F9A1-46A1-937A-771D0A0C2F31}" srcOrd="0" destOrd="0" presId="urn:microsoft.com/office/officeart/2005/8/layout/vList2"/>
+    <dgm:cxn modelId="{EF67B53C-66C2-4837-A264-77CE777A6181}" type="presOf" srcId="{CCF934B2-3E1E-4823-8DA1-1C07BFCBA8A9}" destId="{32AF8A2E-97EF-46C2-B84B-F89488E02015}" srcOrd="0" destOrd="0" presId="urn:microsoft.com/office/officeart/2005/8/layout/vList2"/>
+    <dgm:cxn modelId="{EF0CAA0F-364B-4193-91F2-B8CEBE1B2D72}" srcId="{7CF31F08-CB95-4A74-83F7-381C50CA9F72}" destId="{CCF934B2-3E1E-4823-8DA1-1C07BFCBA8A9}" srcOrd="0" destOrd="0" parTransId="{9BE95FDD-0803-4FD0-B2FE-63E481CADAC8}" sibTransId="{3550050B-AF4E-49BD-8284-D74438A5ED73}"/>
+    <dgm:cxn modelId="{9A3695F5-ED82-4D4E-9279-2A91565B6B2C}" type="presOf" srcId="{F7044727-12AC-4731-8D8D-5DEBDD685D40}" destId="{375FE372-35E9-4655-BB3B-D377D754AA0A}" srcOrd="0" destOrd="0" presId="urn:microsoft.com/office/officeart/2005/8/layout/vList2"/>
+    <dgm:cxn modelId="{187AEE65-AA40-436F-98FF-BD4701FD9DEA}" type="presOf" srcId="{2EBF7CD0-2AA3-458A-9808-7EA3558C575C}" destId="{01F24DF9-A183-4962-BFA3-D396689DC2D4}" srcOrd="0" destOrd="0" presId="urn:microsoft.com/office/officeart/2005/8/layout/vList2"/>
+    <dgm:cxn modelId="{90C4ECCC-ADC0-4FE6-8FE5-23E88A501A54}" srcId="{F7044727-12AC-4731-8D8D-5DEBDD685D40}" destId="{13C8151F-8348-4A82-9547-ECC419B62ECA}" srcOrd="0" destOrd="0" parTransId="{9A6C4A71-F473-43E3-8A47-74083A02158C}" sibTransId="{4EAC9CE3-167E-4BD5-B61F-BD41CF9D9CC6}"/>
+    <dgm:cxn modelId="{A62AA2A7-6FB3-4A54-95C0-FB8C4ED59DB1}" srcId="{5441159E-88FF-49F6-8170-D0F96B2DA4D9}" destId="{8726A381-2F67-48C3-88DE-72C655BEC6E4}" srcOrd="0" destOrd="0" parTransId="{A119DE5F-6B0A-4768-983D-57E1A1DB1ED2}" sibTransId="{C5CC51AE-BBD7-488C-BEB9-C03216DD2164}"/>
+    <dgm:cxn modelId="{5AD15675-BD32-4A31-97E8-9842BCF21A4A}" srcId="{F7044727-12AC-4731-8D8D-5DEBDD685D40}" destId="{2EBF7CD0-2AA3-458A-9808-7EA3558C575C}" srcOrd="4" destOrd="0" parTransId="{BE83DB62-15EF-4E31-934E-B6A75960C9D5}" sibTransId="{A6B06D03-AEB2-482E-8991-7458E1582104}"/>
+    <dgm:cxn modelId="{182C33B6-B211-4CE3-939E-A365EF0E3CA5}" srcId="{A52570FC-25C0-4E2C-A7AD-21721FE6E4CD}" destId="{DE79580F-D564-4ACE-96AD-D7B7365E655B}" srcOrd="0" destOrd="0" parTransId="{4F4222E8-A612-4585-A16D-C2726FEB9CE0}" sibTransId="{4031A226-82AF-417F-9597-AF7981D44B02}"/>
+    <dgm:cxn modelId="{5690BC50-9A7E-4A88-ADBC-6E2638859136}" srcId="{13C8151F-8348-4A82-9547-ECC419B62ECA}" destId="{CA723924-AED4-48F9-A65F-70E9FD853A36}" srcOrd="0" destOrd="0" parTransId="{D2EE175B-5722-41A7-AA76-A5D04B80D31E}" sibTransId="{989F802D-C81E-4DD6-8E0E-04CA54DE4A62}"/>
+    <dgm:cxn modelId="{EB8C2E90-FFFD-496D-A51B-F5FC51C40259}" type="presOf" srcId="{6855206A-5CF3-404F-9349-9B179E9A2D52}" destId="{F9AA361B-2524-433D-BF64-728D7BEFCBE3}" srcOrd="0" destOrd="0" presId="urn:microsoft.com/office/officeart/2005/8/layout/vList2"/>
+    <dgm:cxn modelId="{098CC593-CEE6-4161-A063-49B7E3AE0A21}" type="presOf" srcId="{DE79580F-D564-4ACE-96AD-D7B7365E655B}" destId="{4E939C24-ECF3-4D89-A835-AE72C6B9D02A}" srcOrd="0" destOrd="0" presId="urn:microsoft.com/office/officeart/2005/8/layout/vList2"/>
+    <dgm:cxn modelId="{4B21D9F1-1C69-46D8-8936-CAE6F30EDC02}" srcId="{F7044727-12AC-4731-8D8D-5DEBDD685D40}" destId="{7CF31F08-CB95-4A74-83F7-381C50CA9F72}" srcOrd="3" destOrd="0" parTransId="{6D8AF184-1C6D-4848-8FB7-D3220EBDD4F9}" sibTransId="{7239915B-F017-488A-B634-F3A8E0128997}"/>
+    <dgm:cxn modelId="{81FD3E00-1F9F-4C6E-B467-23439E36CAEC}" type="presOf" srcId="{8726A381-2F67-48C3-88DE-72C655BEC6E4}" destId="{94D1E536-5D63-4D13-8892-FE265B752951}" srcOrd="0" destOrd="0" presId="urn:microsoft.com/office/officeart/2005/8/layout/vList2"/>
+    <dgm:cxn modelId="{DE4AFBA8-6379-413A-817C-1DC602800683}" srcId="{F7044727-12AC-4731-8D8D-5DEBDD685D40}" destId="{A52570FC-25C0-4E2C-A7AD-21721FE6E4CD}" srcOrd="1" destOrd="0" parTransId="{8C0F3DAB-BB97-49AC-938E-4401B1E01AF6}" sibTransId="{CC0ECA42-1B1F-4BB9-AF89-49F5093B19F7}"/>
+    <dgm:cxn modelId="{D61A4C7B-FD69-4B5A-B72D-F8C167F33B7B}" type="presOf" srcId="{13C8151F-8348-4A82-9547-ECC419B62ECA}" destId="{5D07321C-74A4-4049-AF9E-FEE978464213}" srcOrd="0" destOrd="0" presId="urn:microsoft.com/office/officeart/2005/8/layout/vList2"/>
+    <dgm:cxn modelId="{AC3BAD6B-4810-4E70-B1DF-FE1DCA8D9872}" type="presOf" srcId="{CA723924-AED4-48F9-A65F-70E9FD853A36}" destId="{15A84F80-7197-4EF5-9CF5-FD232EE172FE}" srcOrd="0" destOrd="0" presId="urn:microsoft.com/office/officeart/2005/8/layout/vList2"/>
+    <dgm:cxn modelId="{D857D427-2ADD-47F5-B423-14F9DE4887A6}" type="presOf" srcId="{5441159E-88FF-49F6-8170-D0F96B2DA4D9}" destId="{381F2982-74C3-40F8-B0E1-7E4BFFC5EC5B}" srcOrd="0" destOrd="0" presId="urn:microsoft.com/office/officeart/2005/8/layout/vList2"/>
+    <dgm:cxn modelId="{52B36664-FB6C-4412-9286-DF16A21B7DFB}" type="presOf" srcId="{7CF31F08-CB95-4A74-83F7-381C50CA9F72}" destId="{C0FD6287-FAAE-484C-B912-2E59F3A350DA}" srcOrd="0" destOrd="0" presId="urn:microsoft.com/office/officeart/2005/8/layout/vList2"/>
+    <dgm:cxn modelId="{1E71291C-F2E9-4E67-89D1-FED651843416}" type="presParOf" srcId="{375FE372-35E9-4655-BB3B-D377D754AA0A}" destId="{5D07321C-74A4-4049-AF9E-FEE978464213}" srcOrd="0" destOrd="0" presId="urn:microsoft.com/office/officeart/2005/8/layout/vList2"/>
+    <dgm:cxn modelId="{7902EF02-DD24-4AB9-B338-49893DFB2EBD}" type="presParOf" srcId="{375FE372-35E9-4655-BB3B-D377D754AA0A}" destId="{15A84F80-7197-4EF5-9CF5-FD232EE172FE}" srcOrd="1" destOrd="0" presId="urn:microsoft.com/office/officeart/2005/8/layout/vList2"/>
+    <dgm:cxn modelId="{CE334352-3531-4C17-9F66-8969DA5A463B}" type="presParOf" srcId="{375FE372-35E9-4655-BB3B-D377D754AA0A}" destId="{209E04DA-F9A1-46A1-937A-771D0A0C2F31}" srcOrd="2" destOrd="0" presId="urn:microsoft.com/office/officeart/2005/8/layout/vList2"/>
+    <dgm:cxn modelId="{3578FFFE-A19C-4B45-A454-FA4DCD5AF70D}" type="presParOf" srcId="{375FE372-35E9-4655-BB3B-D377D754AA0A}" destId="{4E939C24-ECF3-4D89-A835-AE72C6B9D02A}" srcOrd="3" destOrd="0" presId="urn:microsoft.com/office/officeart/2005/8/layout/vList2"/>
+    <dgm:cxn modelId="{055D32AE-E6D2-4C3E-8796-E1203B17E5B9}" type="presParOf" srcId="{375FE372-35E9-4655-BB3B-D377D754AA0A}" destId="{381F2982-74C3-40F8-B0E1-7E4BFFC5EC5B}" srcOrd="4" destOrd="0" presId="urn:microsoft.com/office/officeart/2005/8/layout/vList2"/>
+    <dgm:cxn modelId="{6DA87BC1-8450-4682-A59C-CCA9C1F38EE9}" type="presParOf" srcId="{375FE372-35E9-4655-BB3B-D377D754AA0A}" destId="{94D1E536-5D63-4D13-8892-FE265B752951}" srcOrd="5" destOrd="0" presId="urn:microsoft.com/office/officeart/2005/8/layout/vList2"/>
+    <dgm:cxn modelId="{6832C2D9-880E-4B4E-A15A-94FFAE39E81A}" type="presParOf" srcId="{375FE372-35E9-4655-BB3B-D377D754AA0A}" destId="{C0FD6287-FAAE-484C-B912-2E59F3A350DA}" srcOrd="6" destOrd="0" presId="urn:microsoft.com/office/officeart/2005/8/layout/vList2"/>
+    <dgm:cxn modelId="{D3389BF4-1F31-4EB3-87DA-2774FDECEB13}" type="presParOf" srcId="{375FE372-35E9-4655-BB3B-D377D754AA0A}" destId="{32AF8A2E-97EF-46C2-B84B-F89488E02015}" srcOrd="7" destOrd="0" presId="urn:microsoft.com/office/officeart/2005/8/layout/vList2"/>
+    <dgm:cxn modelId="{CE93B13A-DE67-4CD2-8E57-5EE89895A2FA}" type="presParOf" srcId="{375FE372-35E9-4655-BB3B-D377D754AA0A}" destId="{01F24DF9-A183-4962-BFA3-D396689DC2D4}" srcOrd="8" destOrd="0" presId="urn:microsoft.com/office/officeart/2005/8/layout/vList2"/>
+    <dgm:cxn modelId="{0E4B5811-37A1-4CCA-B042-337956697D09}" type="presParOf" srcId="{375FE372-35E9-4655-BB3B-D377D754AA0A}" destId="{F9AA361B-2524-433D-BF64-728D7BEFCBE3}" srcOrd="9" destOrd="0" presId="urn:microsoft.com/office/officeart/2005/8/layout/vList2"/>
+  </dgm:cxnLst>
+  <dgm:bg/>
+  <dgm:whole/>
+  <dgm:extLst>
+    <a:ext uri="http://schemas.microsoft.com/office/drawing/2008/diagram">
+      <dsp:dataModelExt xmlns:dsp="http://schemas.microsoft.com/office/drawing/2008/diagram" relId="rId6" minVer="http://schemas.openxmlformats.org/drawingml/2006/diagram"/>
+    </a:ext>
+  </dgm:extLst>
+</dgm:dataModel>
+</file>
+
+<file path=ppt/diagrams/drawing1.xml><?xml version="1.0" encoding="utf-8"?>
+<dsp:drawing xmlns:dgm="http://schemas.openxmlformats.org/drawingml/2006/diagram" xmlns:dsp="http://schemas.microsoft.com/office/drawing/2008/diagram" xmlns:a="http://schemas.openxmlformats.org/drawingml/2006/main">
+  <dsp:spTree>
+    <dsp:nvGrpSpPr>
+      <dsp:cNvPr id="0" name=""/>
+      <dsp:cNvGrpSpPr/>
+    </dsp:nvGrpSpPr>
+    <dsp:grpSpPr/>
+    <dsp:sp modelId="{5D07321C-74A4-4049-AF9E-FEE978464213}">
+      <dsp:nvSpPr>
+        <dsp:cNvPr id="0" name=""/>
+        <dsp:cNvSpPr/>
+      </dsp:nvSpPr>
+      <dsp:spPr>
+        <a:xfrm>
+          <a:off x="0" y="14602"/>
+          <a:ext cx="11388089" cy="596041"/>
+        </a:xfrm>
+        <a:prstGeom prst="roundRect">
+          <a:avLst/>
+        </a:prstGeom>
+        <a:solidFill>
+          <a:schemeClr val="accent3">
+            <a:hueOff val="0"/>
+            <a:satOff val="0"/>
+            <a:lumOff val="0"/>
+            <a:alphaOff val="0"/>
+          </a:schemeClr>
+        </a:solidFill>
+        <a:ln w="12700" cap="flat" cmpd="sng" algn="ctr">
+          <a:solidFill>
+            <a:schemeClr val="lt1">
+              <a:hueOff val="0"/>
+              <a:satOff val="0"/>
+              <a:lumOff val="0"/>
+              <a:alphaOff val="0"/>
+            </a:schemeClr>
+          </a:solidFill>
+          <a:prstDash val="solid"/>
+          <a:miter lim="800000"/>
+        </a:ln>
+        <a:effectLst/>
+      </dsp:spPr>
+      <dsp:style>
+        <a:lnRef idx="2">
+          <a:scrgbClr r="0" g="0" b="0"/>
+        </a:lnRef>
+        <a:fillRef idx="1">
+          <a:scrgbClr r="0" g="0" b="0"/>
+        </a:fillRef>
+        <a:effectRef idx="0">
+          <a:scrgbClr r="0" g="0" b="0"/>
+        </a:effectRef>
+        <a:fontRef idx="minor">
+          <a:schemeClr val="lt1"/>
+        </a:fontRef>
+      </dsp:style>
+      <dsp:txBody>
+        <a:bodyPr spcFirstLastPara="0" vert="horz" wrap="square" lIns="72390" tIns="72390" rIns="72390" bIns="72390" numCol="1" spcCol="1270" anchor="ctr" anchorCtr="0">
+          <a:noAutofit/>
+        </a:bodyPr>
+        <a:lstStyle/>
+        <a:p>
+          <a:pPr lvl="0" algn="l" defTabSz="844550" rtl="0" latinLnBrk="1">
+            <a:lnSpc>
+              <a:spcPct val="90000"/>
+            </a:lnSpc>
+            <a:spcBef>
+              <a:spcPct val="0"/>
+            </a:spcBef>
+            <a:spcAft>
+              <a:spcPct val="35000"/>
+            </a:spcAft>
+          </a:pPr>
+          <a:r>
+            <a:rPr lang="ko-KR" sz="1900" kern="1200" dirty="0" smtClean="0"/>
+            <a:t>공격이나 </a:t>
+          </a:r>
+          <a:r>
+            <a:rPr lang="ko-KR" sz="1900" kern="1200" dirty="0" err="1" smtClean="0"/>
+            <a:t>피격효과</a:t>
+          </a:r>
+          <a:endParaRPr lang="ko-KR" sz="1900" kern="1200" dirty="0"/>
+        </a:p>
+      </dsp:txBody>
+      <dsp:txXfrm>
+        <a:off x="29096" y="43698"/>
+        <a:ext cx="11329897" cy="537849"/>
+      </dsp:txXfrm>
+    </dsp:sp>
+    <dsp:sp modelId="{15A84F80-7197-4EF5-9CF5-FD232EE172FE}">
+      <dsp:nvSpPr>
+        <dsp:cNvPr id="0" name=""/>
+        <dsp:cNvSpPr/>
+      </dsp:nvSpPr>
+      <dsp:spPr>
+        <a:xfrm>
+          <a:off x="0" y="610644"/>
+          <a:ext cx="11388089" cy="353970"/>
+        </a:xfrm>
+        <a:prstGeom prst="rect">
+          <a:avLst/>
+        </a:prstGeom>
+        <a:noFill/>
+        <a:ln>
+          <a:noFill/>
+        </a:ln>
+        <a:effectLst/>
+      </dsp:spPr>
+      <dsp:style>
+        <a:lnRef idx="0">
+          <a:scrgbClr r="0" g="0" b="0"/>
+        </a:lnRef>
+        <a:fillRef idx="0">
+          <a:scrgbClr r="0" g="0" b="0"/>
+        </a:fillRef>
+        <a:effectRef idx="0">
+          <a:scrgbClr r="0" g="0" b="0"/>
+        </a:effectRef>
+        <a:fontRef idx="minor"/>
+      </dsp:style>
+      <dsp:txBody>
+        <a:bodyPr spcFirstLastPara="0" vert="horz" wrap="square" lIns="361572" tIns="24130" rIns="135128" bIns="24130" numCol="1" spcCol="1270" anchor="t" anchorCtr="0">
+          <a:noAutofit/>
+        </a:bodyPr>
+        <a:lstStyle/>
+        <a:p>
+          <a:pPr marL="114300" lvl="1" indent="-114300" algn="l" defTabSz="666750" rtl="0" latinLnBrk="1">
+            <a:lnSpc>
+              <a:spcPct val="90000"/>
+            </a:lnSpc>
+            <a:spcBef>
+              <a:spcPct val="0"/>
+            </a:spcBef>
+            <a:spcAft>
+              <a:spcPct val="20000"/>
+            </a:spcAft>
+            <a:buChar char="••"/>
+          </a:pPr>
+          <a:r>
+            <a:rPr lang="en-US" altLang="ko-KR" sz="1500" kern="1200" dirty="0" smtClean="0"/>
+            <a:t>ex)</a:t>
+          </a:r>
+          <a:r>
+            <a:rPr lang="ko-KR" altLang="en-US" sz="1500" kern="1200" dirty="0" smtClean="0"/>
+            <a:t>피 </a:t>
+          </a:r>
+          <a:r>
+            <a:rPr lang="ko-KR" altLang="en-US" sz="1500" kern="1200" dirty="0" err="1" smtClean="0"/>
+            <a:t>뿜뿜</a:t>
+          </a:r>
+          <a:r>
+            <a:rPr lang="ko-KR" altLang="en-US" sz="1500" kern="1200" dirty="0" smtClean="0"/>
+            <a:t> </a:t>
+          </a:r>
+          <a:r>
+            <a:rPr lang="en-US" altLang="ko-KR" sz="1500" kern="1200" dirty="0" smtClean="0"/>
+            <a:t>, </a:t>
+          </a:r>
+          <a:r>
+            <a:rPr lang="ko-KR" altLang="en-US" sz="1500" kern="1200" dirty="0" smtClean="0"/>
+            <a:t>폭발 </a:t>
+          </a:r>
+          <a:r>
+            <a:rPr lang="en-US" altLang="ko-KR" sz="1500" kern="1200" dirty="0" smtClean="0"/>
+            <a:t>, </a:t>
+          </a:r>
+          <a:r>
+            <a:rPr lang="ko-KR" altLang="en-US" sz="1500" kern="1200" dirty="0" smtClean="0"/>
+            <a:t>총구의 화염</a:t>
+          </a:r>
+          <a:r>
+            <a:rPr lang="en-US" altLang="ko-KR" sz="1500" kern="1200" dirty="0" smtClean="0"/>
+            <a:t> </a:t>
+          </a:r>
+          <a:endParaRPr lang="ko-KR" sz="1500" kern="1200" dirty="0"/>
+        </a:p>
+      </dsp:txBody>
+      <dsp:txXfrm>
+        <a:off x="0" y="610644"/>
+        <a:ext cx="11388089" cy="353970"/>
+      </dsp:txXfrm>
+    </dsp:sp>
+    <dsp:sp modelId="{209E04DA-F9A1-46A1-937A-771D0A0C2F31}">
+      <dsp:nvSpPr>
+        <dsp:cNvPr id="0" name=""/>
+        <dsp:cNvSpPr/>
+      </dsp:nvSpPr>
+      <dsp:spPr>
+        <a:xfrm>
+          <a:off x="0" y="964614"/>
+          <a:ext cx="11388089" cy="596041"/>
+        </a:xfrm>
+        <a:prstGeom prst="roundRect">
+          <a:avLst/>
+        </a:prstGeom>
+        <a:solidFill>
+          <a:schemeClr val="accent3">
+            <a:hueOff val="677650"/>
+            <a:satOff val="25000"/>
+            <a:lumOff val="-3676"/>
+            <a:alphaOff val="0"/>
+          </a:schemeClr>
+        </a:solidFill>
+        <a:ln w="12700" cap="flat" cmpd="sng" algn="ctr">
+          <a:solidFill>
+            <a:schemeClr val="lt1">
+              <a:hueOff val="0"/>
+              <a:satOff val="0"/>
+              <a:lumOff val="0"/>
+              <a:alphaOff val="0"/>
+            </a:schemeClr>
+          </a:solidFill>
+          <a:prstDash val="solid"/>
+          <a:miter lim="800000"/>
+        </a:ln>
+        <a:effectLst/>
+      </dsp:spPr>
+      <dsp:style>
+        <a:lnRef idx="2">
+          <a:scrgbClr r="0" g="0" b="0"/>
+        </a:lnRef>
+        <a:fillRef idx="1">
+          <a:scrgbClr r="0" g="0" b="0"/>
+        </a:fillRef>
+        <a:effectRef idx="0">
+          <a:scrgbClr r="0" g="0" b="0"/>
+        </a:effectRef>
+        <a:fontRef idx="minor">
+          <a:schemeClr val="lt1"/>
+        </a:fontRef>
+      </dsp:style>
+      <dsp:txBody>
+        <a:bodyPr spcFirstLastPara="0" vert="horz" wrap="square" lIns="72390" tIns="72390" rIns="72390" bIns="72390" numCol="1" spcCol="1270" anchor="ctr" anchorCtr="0">
+          <a:noAutofit/>
+        </a:bodyPr>
+        <a:lstStyle/>
+        <a:p>
+          <a:pPr lvl="0" algn="l" defTabSz="844550" rtl="0" latinLnBrk="1">
+            <a:lnSpc>
+              <a:spcPct val="90000"/>
+            </a:lnSpc>
+            <a:spcBef>
+              <a:spcPct val="0"/>
+            </a:spcBef>
+            <a:spcAft>
+              <a:spcPct val="35000"/>
+            </a:spcAft>
+          </a:pPr>
+          <a:r>
+            <a:rPr lang="ko-KR" altLang="en-US" sz="1900" kern="1200" dirty="0" smtClean="0"/>
+            <a:t>무기의 구현</a:t>
+          </a:r>
+          <a:endParaRPr lang="ko-KR" sz="1900" kern="1200" dirty="0"/>
+        </a:p>
+      </dsp:txBody>
+      <dsp:txXfrm>
+        <a:off x="29096" y="993710"/>
+        <a:ext cx="11329897" cy="537849"/>
+      </dsp:txXfrm>
+    </dsp:sp>
+    <dsp:sp modelId="{4E939C24-ECF3-4D89-A835-AE72C6B9D02A}">
+      <dsp:nvSpPr>
+        <dsp:cNvPr id="0" name=""/>
+        <dsp:cNvSpPr/>
+      </dsp:nvSpPr>
+      <dsp:spPr>
+        <a:xfrm>
+          <a:off x="0" y="1560656"/>
+          <a:ext cx="11388089" cy="353970"/>
+        </a:xfrm>
+        <a:prstGeom prst="rect">
+          <a:avLst/>
+        </a:prstGeom>
+        <a:noFill/>
+        <a:ln>
+          <a:noFill/>
+        </a:ln>
+        <a:effectLst/>
+      </dsp:spPr>
+      <dsp:style>
+        <a:lnRef idx="0">
+          <a:scrgbClr r="0" g="0" b="0"/>
+        </a:lnRef>
+        <a:fillRef idx="0">
+          <a:scrgbClr r="0" g="0" b="0"/>
+        </a:fillRef>
+        <a:effectRef idx="0">
+          <a:scrgbClr r="0" g="0" b="0"/>
+        </a:effectRef>
+        <a:fontRef idx="minor"/>
+      </dsp:style>
+      <dsp:txBody>
+        <a:bodyPr spcFirstLastPara="0" vert="horz" wrap="square" lIns="361572" tIns="24130" rIns="135128" bIns="24130" numCol="1" spcCol="1270" anchor="t" anchorCtr="0">
+          <a:noAutofit/>
+        </a:bodyPr>
+        <a:lstStyle/>
+        <a:p>
+          <a:pPr marL="114300" lvl="1" indent="-114300" algn="l" defTabSz="666750" rtl="0" latinLnBrk="1">
+            <a:lnSpc>
+              <a:spcPct val="90000"/>
+            </a:lnSpc>
+            <a:spcBef>
+              <a:spcPct val="0"/>
+            </a:spcBef>
+            <a:spcAft>
+              <a:spcPct val="20000"/>
+            </a:spcAft>
+            <a:buChar char="••"/>
+          </a:pPr>
+          <a:r>
+            <a:rPr lang="ko-KR" altLang="en-US" sz="1500" kern="1200" dirty="0" smtClean="0"/>
+            <a:t>장전 모션이나 무기 별 모션 수류탄이나 총의 다른 모션</a:t>
+          </a:r>
+          <a:endParaRPr lang="ko-KR" sz="1500" kern="1200" dirty="0"/>
+        </a:p>
+      </dsp:txBody>
+      <dsp:txXfrm>
+        <a:off x="0" y="1560656"/>
+        <a:ext cx="11388089" cy="353970"/>
+      </dsp:txXfrm>
+    </dsp:sp>
+    <dsp:sp modelId="{381F2982-74C3-40F8-B0E1-7E4BFFC5EC5B}">
+      <dsp:nvSpPr>
+        <dsp:cNvPr id="0" name=""/>
+        <dsp:cNvSpPr/>
+      </dsp:nvSpPr>
+      <dsp:spPr>
+        <a:xfrm>
+          <a:off x="0" y="1914626"/>
+          <a:ext cx="11388089" cy="596041"/>
+        </a:xfrm>
+        <a:prstGeom prst="roundRect">
+          <a:avLst/>
+        </a:prstGeom>
+        <a:solidFill>
+          <a:schemeClr val="accent3">
+            <a:hueOff val="1355300"/>
+            <a:satOff val="50000"/>
+            <a:lumOff val="-7353"/>
+            <a:alphaOff val="0"/>
+          </a:schemeClr>
+        </a:solidFill>
+        <a:ln w="12700" cap="flat" cmpd="sng" algn="ctr">
+          <a:solidFill>
+            <a:schemeClr val="lt1">
+              <a:hueOff val="0"/>
+              <a:satOff val="0"/>
+              <a:lumOff val="0"/>
+              <a:alphaOff val="0"/>
+            </a:schemeClr>
+          </a:solidFill>
+          <a:prstDash val="solid"/>
+          <a:miter lim="800000"/>
+        </a:ln>
+        <a:effectLst/>
+      </dsp:spPr>
+      <dsp:style>
+        <a:lnRef idx="2">
+          <a:scrgbClr r="0" g="0" b="0"/>
+        </a:lnRef>
+        <a:fillRef idx="1">
+          <a:scrgbClr r="0" g="0" b="0"/>
+        </a:fillRef>
+        <a:effectRef idx="0">
+          <a:scrgbClr r="0" g="0" b="0"/>
+        </a:effectRef>
+        <a:fontRef idx="minor">
+          <a:schemeClr val="lt1"/>
+        </a:fontRef>
+      </dsp:style>
+      <dsp:txBody>
+        <a:bodyPr spcFirstLastPara="0" vert="horz" wrap="square" lIns="72390" tIns="72390" rIns="72390" bIns="72390" numCol="1" spcCol="1270" anchor="ctr" anchorCtr="0">
+          <a:noAutofit/>
+        </a:bodyPr>
+        <a:lstStyle/>
+        <a:p>
+          <a:pPr lvl="0" algn="l" defTabSz="844550" rtl="0" latinLnBrk="1">
+            <a:lnSpc>
+              <a:spcPct val="90000"/>
+            </a:lnSpc>
+            <a:spcBef>
+              <a:spcPct val="0"/>
+            </a:spcBef>
+            <a:spcAft>
+              <a:spcPct val="35000"/>
+            </a:spcAft>
+          </a:pPr>
+          <a:r>
+            <a:rPr lang="ko-KR" altLang="en-US" sz="1900" kern="1200" dirty="0" smtClean="0"/>
+            <a:t>체력이나 탄약 등의 </a:t>
+          </a:r>
+          <a:r>
+            <a:rPr lang="en-US" altLang="ko-KR" sz="1900" kern="1200" dirty="0" smtClean="0"/>
+            <a:t>UI</a:t>
+          </a:r>
+          <a:endParaRPr lang="ko-KR" sz="1900" kern="1200" dirty="0"/>
+        </a:p>
+      </dsp:txBody>
+      <dsp:txXfrm>
+        <a:off x="29096" y="1943722"/>
+        <a:ext cx="11329897" cy="537849"/>
+      </dsp:txXfrm>
+    </dsp:sp>
+    <dsp:sp modelId="{94D1E536-5D63-4D13-8892-FE265B752951}">
+      <dsp:nvSpPr>
+        <dsp:cNvPr id="0" name=""/>
+        <dsp:cNvSpPr/>
+      </dsp:nvSpPr>
+      <dsp:spPr>
+        <a:xfrm>
+          <a:off x="0" y="2510667"/>
+          <a:ext cx="11388089" cy="353970"/>
+        </a:xfrm>
+        <a:prstGeom prst="rect">
+          <a:avLst/>
+        </a:prstGeom>
+        <a:noFill/>
+        <a:ln>
+          <a:noFill/>
+        </a:ln>
+        <a:effectLst/>
+      </dsp:spPr>
+      <dsp:style>
+        <a:lnRef idx="0">
+          <a:scrgbClr r="0" g="0" b="0"/>
+        </a:lnRef>
+        <a:fillRef idx="0">
+          <a:scrgbClr r="0" g="0" b="0"/>
+        </a:fillRef>
+        <a:effectRef idx="0">
+          <a:scrgbClr r="0" g="0" b="0"/>
+        </a:effectRef>
+        <a:fontRef idx="minor"/>
+      </dsp:style>
+      <dsp:txBody>
+        <a:bodyPr spcFirstLastPara="0" vert="horz" wrap="square" lIns="361572" tIns="24130" rIns="135128" bIns="24130" numCol="1" spcCol="1270" anchor="t" anchorCtr="0">
+          <a:noAutofit/>
+        </a:bodyPr>
+        <a:lstStyle/>
+        <a:p>
+          <a:pPr marL="114300" lvl="1" indent="-114300" algn="l" defTabSz="666750" rtl="0" latinLnBrk="1">
+            <a:lnSpc>
+              <a:spcPct val="90000"/>
+            </a:lnSpc>
+            <a:spcBef>
+              <a:spcPct val="0"/>
+            </a:spcBef>
+            <a:spcAft>
+              <a:spcPct val="20000"/>
+            </a:spcAft>
+            <a:buChar char="••"/>
+          </a:pPr>
+          <a:r>
+            <a:rPr lang="ko-KR" altLang="en-US" sz="1500" kern="1200" dirty="0" smtClean="0"/>
+            <a:t>무기 별 탄약 및 재장전</a:t>
+          </a:r>
+          <a:endParaRPr lang="ko-KR" sz="1500" kern="1200" dirty="0"/>
+        </a:p>
+      </dsp:txBody>
+      <dsp:txXfrm>
+        <a:off x="0" y="2510667"/>
+        <a:ext cx="11388089" cy="353970"/>
+      </dsp:txXfrm>
+    </dsp:sp>
+    <dsp:sp modelId="{C0FD6287-FAAE-484C-B912-2E59F3A350DA}">
+      <dsp:nvSpPr>
+        <dsp:cNvPr id="0" name=""/>
+        <dsp:cNvSpPr/>
+      </dsp:nvSpPr>
+      <dsp:spPr>
+        <a:xfrm>
+          <a:off x="0" y="2864637"/>
+          <a:ext cx="11388089" cy="596041"/>
+        </a:xfrm>
+        <a:prstGeom prst="roundRect">
+          <a:avLst/>
+        </a:prstGeom>
+        <a:solidFill>
+          <a:schemeClr val="accent3">
+            <a:hueOff val="2032949"/>
+            <a:satOff val="75000"/>
+            <a:lumOff val="-11029"/>
+            <a:alphaOff val="0"/>
+          </a:schemeClr>
+        </a:solidFill>
+        <a:ln w="12700" cap="flat" cmpd="sng" algn="ctr">
+          <a:solidFill>
+            <a:schemeClr val="lt1">
+              <a:hueOff val="0"/>
+              <a:satOff val="0"/>
+              <a:lumOff val="0"/>
+              <a:alphaOff val="0"/>
+            </a:schemeClr>
+          </a:solidFill>
+          <a:prstDash val="solid"/>
+          <a:miter lim="800000"/>
+        </a:ln>
+        <a:effectLst/>
+      </dsp:spPr>
+      <dsp:style>
+        <a:lnRef idx="2">
+          <a:scrgbClr r="0" g="0" b="0"/>
+        </a:lnRef>
+        <a:fillRef idx="1">
+          <a:scrgbClr r="0" g="0" b="0"/>
+        </a:fillRef>
+        <a:effectRef idx="0">
+          <a:scrgbClr r="0" g="0" b="0"/>
+        </a:effectRef>
+        <a:fontRef idx="minor">
+          <a:schemeClr val="lt1"/>
+        </a:fontRef>
+      </dsp:style>
+      <dsp:txBody>
+        <a:bodyPr spcFirstLastPara="0" vert="horz" wrap="square" lIns="72390" tIns="72390" rIns="72390" bIns="72390" numCol="1" spcCol="1270" anchor="ctr" anchorCtr="0">
+          <a:noAutofit/>
+        </a:bodyPr>
+        <a:lstStyle/>
+        <a:p>
+          <a:pPr lvl="0" algn="l" defTabSz="844550" rtl="0" latinLnBrk="1">
+            <a:lnSpc>
+              <a:spcPct val="90000"/>
+            </a:lnSpc>
+            <a:spcBef>
+              <a:spcPct val="0"/>
+            </a:spcBef>
+            <a:spcAft>
+              <a:spcPct val="35000"/>
+            </a:spcAft>
+          </a:pPr>
+          <a:r>
+            <a:rPr lang="en-US" altLang="ko-KR" sz="1900" kern="1200" dirty="0" smtClean="0"/>
+            <a:t>Player</a:t>
+          </a:r>
+          <a:r>
+            <a:rPr lang="ko-KR" altLang="en-US" sz="1900" kern="1200" dirty="0" smtClean="0"/>
+            <a:t>의 움직임</a:t>
+          </a:r>
+          <a:endParaRPr lang="en-US" altLang="ko-KR" sz="1900" kern="1200" dirty="0" smtClean="0"/>
+        </a:p>
+      </dsp:txBody>
+      <dsp:txXfrm>
+        <a:off x="29096" y="2893733"/>
+        <a:ext cx="11329897" cy="537849"/>
+      </dsp:txXfrm>
+    </dsp:sp>
+    <dsp:sp modelId="{32AF8A2E-97EF-46C2-B84B-F89488E02015}">
+      <dsp:nvSpPr>
+        <dsp:cNvPr id="0" name=""/>
+        <dsp:cNvSpPr/>
+      </dsp:nvSpPr>
+      <dsp:spPr>
+        <a:xfrm>
+          <a:off x="0" y="3460679"/>
+          <a:ext cx="11388089" cy="353970"/>
+        </a:xfrm>
+        <a:prstGeom prst="rect">
+          <a:avLst/>
+        </a:prstGeom>
+        <a:noFill/>
+        <a:ln>
+          <a:noFill/>
+        </a:ln>
+        <a:effectLst/>
+      </dsp:spPr>
+      <dsp:style>
+        <a:lnRef idx="0">
+          <a:scrgbClr r="0" g="0" b="0"/>
+        </a:lnRef>
+        <a:fillRef idx="0">
+          <a:scrgbClr r="0" g="0" b="0"/>
+        </a:fillRef>
+        <a:effectRef idx="0">
+          <a:scrgbClr r="0" g="0" b="0"/>
+        </a:effectRef>
+        <a:fontRef idx="minor"/>
+      </dsp:style>
+      <dsp:txBody>
+        <a:bodyPr spcFirstLastPara="0" vert="horz" wrap="square" lIns="361572" tIns="24130" rIns="135128" bIns="24130" numCol="1" spcCol="1270" anchor="t" anchorCtr="0">
+          <a:noAutofit/>
+        </a:bodyPr>
+        <a:lstStyle/>
+        <a:p>
+          <a:pPr marL="114300" lvl="1" indent="-114300" algn="l" defTabSz="666750" rtl="0" latinLnBrk="1">
+            <a:lnSpc>
+              <a:spcPct val="90000"/>
+            </a:lnSpc>
+            <a:spcBef>
+              <a:spcPct val="0"/>
+            </a:spcBef>
+            <a:spcAft>
+              <a:spcPct val="20000"/>
+            </a:spcAft>
+            <a:buChar char="••"/>
+          </a:pPr>
+          <a:r>
+            <a:rPr lang="ko-KR" altLang="en-US" sz="1500" kern="1200" dirty="0" smtClean="0"/>
+            <a:t>자연스러운 이동 모션 및 공격 움직임</a:t>
+          </a:r>
+          <a:endParaRPr lang="en-US" altLang="ko-KR" sz="1500" kern="1200" dirty="0" smtClean="0"/>
+        </a:p>
+      </dsp:txBody>
+      <dsp:txXfrm>
+        <a:off x="0" y="3460679"/>
+        <a:ext cx="11388089" cy="353970"/>
+      </dsp:txXfrm>
+    </dsp:sp>
+    <dsp:sp modelId="{01F24DF9-A183-4962-BFA3-D396689DC2D4}">
+      <dsp:nvSpPr>
+        <dsp:cNvPr id="0" name=""/>
+        <dsp:cNvSpPr/>
+      </dsp:nvSpPr>
+      <dsp:spPr>
+        <a:xfrm>
+          <a:off x="0" y="3814649"/>
+          <a:ext cx="11388089" cy="596041"/>
+        </a:xfrm>
+        <a:prstGeom prst="roundRect">
+          <a:avLst/>
+        </a:prstGeom>
+        <a:solidFill>
+          <a:schemeClr val="accent3">
+            <a:hueOff val="2710599"/>
+            <a:satOff val="100000"/>
+            <a:lumOff val="-14706"/>
+            <a:alphaOff val="0"/>
+          </a:schemeClr>
+        </a:solidFill>
+        <a:ln w="12700" cap="flat" cmpd="sng" algn="ctr">
+          <a:solidFill>
+            <a:schemeClr val="lt1">
+              <a:hueOff val="0"/>
+              <a:satOff val="0"/>
+              <a:lumOff val="0"/>
+              <a:alphaOff val="0"/>
+            </a:schemeClr>
+          </a:solidFill>
+          <a:prstDash val="solid"/>
+          <a:miter lim="800000"/>
+        </a:ln>
+        <a:effectLst/>
+      </dsp:spPr>
+      <dsp:style>
+        <a:lnRef idx="2">
+          <a:scrgbClr r="0" g="0" b="0"/>
+        </a:lnRef>
+        <a:fillRef idx="1">
+          <a:scrgbClr r="0" g="0" b="0"/>
+        </a:fillRef>
+        <a:effectRef idx="0">
+          <a:scrgbClr r="0" g="0" b="0"/>
+        </a:effectRef>
+        <a:fontRef idx="minor">
+          <a:schemeClr val="lt1"/>
+        </a:fontRef>
+      </dsp:style>
+      <dsp:txBody>
+        <a:bodyPr spcFirstLastPara="0" vert="horz" wrap="square" lIns="72390" tIns="72390" rIns="72390" bIns="72390" numCol="1" spcCol="1270" anchor="ctr" anchorCtr="0">
+          <a:noAutofit/>
+        </a:bodyPr>
+        <a:lstStyle/>
+        <a:p>
+          <a:pPr lvl="0" algn="l" defTabSz="844550" rtl="0" latinLnBrk="1">
+            <a:lnSpc>
+              <a:spcPct val="90000"/>
+            </a:lnSpc>
+            <a:spcBef>
+              <a:spcPct val="0"/>
+            </a:spcBef>
+            <a:spcAft>
+              <a:spcPct val="35000"/>
+            </a:spcAft>
+          </a:pPr>
+          <a:r>
+            <a:rPr lang="ko-KR" sz="1900" kern="1200" dirty="0" smtClean="0"/>
+            <a:t>적</a:t>
+          </a:r>
+          <a:r>
+            <a:rPr lang="en-US" sz="1900" kern="1200" dirty="0" smtClean="0"/>
+            <a:t>(</a:t>
+          </a:r>
+          <a:r>
+            <a:rPr lang="ko-KR" sz="1900" kern="1200" dirty="0" smtClean="0"/>
+            <a:t>표적</a:t>
+          </a:r>
+          <a:r>
+            <a:rPr lang="en-US" sz="1900" kern="1200" dirty="0" smtClean="0"/>
+            <a:t>)</a:t>
+          </a:r>
+          <a:r>
+            <a:rPr lang="ko-KR" sz="1900" kern="1200" dirty="0" smtClean="0"/>
+            <a:t>의 움직임</a:t>
+          </a:r>
+          <a:endParaRPr lang="ko-KR" sz="1900" kern="1200" dirty="0"/>
+        </a:p>
+      </dsp:txBody>
+      <dsp:txXfrm>
+        <a:off x="29096" y="3843745"/>
+        <a:ext cx="11329897" cy="537849"/>
+      </dsp:txXfrm>
+    </dsp:sp>
+    <dsp:sp modelId="{F9AA361B-2524-433D-BF64-728D7BEFCBE3}">
+      <dsp:nvSpPr>
+        <dsp:cNvPr id="0" name=""/>
+        <dsp:cNvSpPr/>
+      </dsp:nvSpPr>
+      <dsp:spPr>
+        <a:xfrm>
+          <a:off x="0" y="4410691"/>
+          <a:ext cx="11388089" cy="353970"/>
+        </a:xfrm>
+        <a:prstGeom prst="rect">
+          <a:avLst/>
+        </a:prstGeom>
+        <a:noFill/>
+        <a:ln>
+          <a:noFill/>
+        </a:ln>
+        <a:effectLst/>
+      </dsp:spPr>
+      <dsp:style>
+        <a:lnRef idx="0">
+          <a:scrgbClr r="0" g="0" b="0"/>
+        </a:lnRef>
+        <a:fillRef idx="0">
+          <a:scrgbClr r="0" g="0" b="0"/>
+        </a:fillRef>
+        <a:effectRef idx="0">
+          <a:scrgbClr r="0" g="0" b="0"/>
+        </a:effectRef>
+        <a:fontRef idx="minor"/>
+      </dsp:style>
+      <dsp:txBody>
+        <a:bodyPr spcFirstLastPara="0" vert="horz" wrap="square" lIns="361572" tIns="24130" rIns="135128" bIns="24130" numCol="1" spcCol="1270" anchor="t" anchorCtr="0">
+          <a:noAutofit/>
+        </a:bodyPr>
+        <a:lstStyle/>
+        <a:p>
+          <a:pPr marL="114300" lvl="1" indent="-114300" algn="l" defTabSz="666750" rtl="0" latinLnBrk="1">
+            <a:lnSpc>
+              <a:spcPct val="90000"/>
+            </a:lnSpc>
+            <a:spcBef>
+              <a:spcPct val="0"/>
+            </a:spcBef>
+            <a:spcAft>
+              <a:spcPct val="20000"/>
+            </a:spcAft>
+            <a:buChar char="••"/>
+          </a:pPr>
+          <a:r>
+            <a:rPr lang="ko-KR" altLang="en-US" sz="1500" kern="1200" dirty="0" smtClean="0"/>
+            <a:t>공격하는 움직임이나 이동 및 움직임</a:t>
+          </a:r>
+          <a:endParaRPr lang="ko-KR" sz="1500" kern="1200" dirty="0"/>
+        </a:p>
+      </dsp:txBody>
+      <dsp:txXfrm>
+        <a:off x="0" y="4410691"/>
+        <a:ext cx="11388089" cy="353970"/>
+      </dsp:txXfrm>
+    </dsp:sp>
+  </dsp:spTree>
+</dsp:drawing>
+</file>
+
+<file path=ppt/diagrams/layout1.xml><?xml version="1.0" encoding="utf-8"?>
+<dgm:layoutDef xmlns:dgm="http://schemas.openxmlformats.org/drawingml/2006/diagram" xmlns:a="http://schemas.openxmlformats.org/drawingml/2006/main" uniqueId="urn:microsoft.com/office/officeart/2005/8/layout/vList2">
+  <dgm:title val=""/>
+  <dgm:desc val=""/>
+  <dgm:catLst>
+    <dgm:cat type="list" pri="3000"/>
+    <dgm:cat type="convert" pri="1000"/>
+  </dgm:catLst>
+  <dgm:sampData>
+    <dgm:dataModel>
+      <dgm:ptLst>
+        <dgm:pt modelId="0" type="doc"/>
+        <dgm:pt modelId="1">
+          <dgm:prSet phldr="1"/>
+        </dgm:pt>
+        <dgm:pt modelId="11">
+          <dgm:prSet phldr="1"/>
+        </dgm:pt>
+        <dgm:pt modelId="2">
+          <dgm:prSet phldr="1"/>
+        </dgm:pt>
+        <dgm:pt modelId="21">
+          <dgm:prSet phldr="1"/>
+        </dgm:pt>
+      </dgm:ptLst>
+      <dgm:cxnLst>
+        <dgm:cxn modelId="4" srcId="0" destId="1" srcOrd="0" destOrd="0"/>
+        <dgm:cxn modelId="5" srcId="0" destId="2" srcOrd="1" destOrd="0"/>
+        <dgm:cxn modelId="12" srcId="1" destId="11" srcOrd="0" destOrd="0"/>
+        <dgm:cxn modelId="23" srcId="2" destId="21" srcOrd="0" destOrd="0"/>
+      </dgm:cxnLst>
+      <dgm:bg/>
+      <dgm:whole/>
+    </dgm:dataModel>
+  </dgm:sampData>
+  <dgm:styleData>
+    <dgm:dataModel>
+      <dgm:ptLst>
+        <dgm:pt modelId="0" type="doc"/>
+        <dgm:pt modelId="1"/>
+        <dgm:pt modelId="2"/>
+      </dgm:ptLst>
+      <dgm:cxnLst>
+        <dgm:cxn modelId="3" srcId="0" destId="1" srcOrd="0" destOrd="0"/>
+        <dgm:cxn modelId="4" srcId="0" destId="2" srcOrd="1" destOrd="0"/>
+      </dgm:cxnLst>
+      <dgm:bg/>
+      <dgm:whole/>
+    </dgm:dataModel>
+  </dgm:styleData>
+  <dgm:clrData>
+    <dgm:dataModel>
+      <dgm:ptLst>
+        <dgm:pt modelId="0" type="doc"/>
+        <dgm:pt modelId="1"/>
+        <dgm:pt modelId="2"/>
+        <dgm:pt modelId="3"/>
+        <dgm:pt modelId="4"/>
+      </dgm:ptLst>
+      <dgm:cxnLst>
+        <dgm:cxn modelId="5" srcId="0" destId="1" srcOrd="0" destOrd="0"/>
+        <dgm:cxn modelId="6" srcId="0" destId="2" srcOrd="1" destOrd="0"/>
+        <dgm:cxn modelId="7" srcId="0" destId="3" srcOrd="2" destOrd="0"/>
+        <dgm:cxn modelId="8" srcId="0" destId="4" srcOrd="3" destOrd="0"/>
+      </dgm:cxnLst>
+      <dgm:bg/>
+      <dgm:whole/>
+    </dgm:dataModel>
+  </dgm:clrData>
+  <dgm:layoutNode name="linear">
+    <dgm:varLst>
+      <dgm:animLvl val="lvl"/>
+      <dgm:resizeHandles val="exact"/>
+    </dgm:varLst>
+    <dgm:alg type="lin">
+      <dgm:param type="linDir" val="fromT"/>
+      <dgm:param type="vertAlign" val="mid"/>
+    </dgm:alg>
+    <dgm:shape xmlns:r="http://schemas.openxmlformats.org/officeDocument/2006/relationships" r:blip="">
+      <dgm:adjLst/>
+    </dgm:shape>
+    <dgm:presOf/>
+    <dgm:constrLst>
+      <dgm:constr type="w" for="ch" forName="parentText" refType="w"/>
+      <dgm:constr type="h" for="ch" forName="parentText" refType="primFontSz" refFor="ch" refForName="parentText" fact="0.52"/>
+      <dgm:constr type="w" for="ch" forName="childText" refType="w"/>
+      <dgm:constr type="h" for="ch" forName="childText" refType="primFontSz" refFor="ch" refForName="parentText" fact="0.46"/>
+      <dgm:constr type="h" for="ch" forName="parentText" op="equ"/>
+      <dgm:constr type="primFontSz" for="ch" forName="parentText" op="equ" val="65"/>
+      <dgm:constr type="primFontSz" for="ch" forName="childText" refType="primFontSz" refFor="ch" refForName="parentText" op="equ"/>
+      <dgm:constr type="h" for="ch" forName="spacer" refType="primFontSz" refFor="ch" refForName="parentText" fact="0.08"/>
+    </dgm:constrLst>
+    <dgm:ruleLst>
+      <dgm:rule type="primFontSz" for="ch" forName="parentText" val="5" fact="NaN" max="NaN"/>
+    </dgm:ruleLst>
+    <dgm:forEach name="Name0" axis="ch" ptType="node">
+      <dgm:layoutNode name="parentText" styleLbl="node1">
+        <dgm:varLst>
+          <dgm:chMax val="0"/>
+          <dgm:bulletEnabled val="1"/>
+        </dgm:varLst>
+        <dgm:alg type="tx">
+          <dgm:param type="parTxLTRAlign" val="l"/>
+          <dgm:param type="parTxRTLAlign" val="r"/>
+        </dgm:alg>
+        <dgm:shape xmlns:r="http://schemas.openxmlformats.org/officeDocument/2006/relationships" type="roundRect" r:blip="">
+          <dgm:adjLst/>
+        </dgm:shape>
+        <dgm:presOf axis="self"/>
+        <dgm:constrLst>
+          <dgm:constr type="tMarg" refType="primFontSz" fact="0.3"/>
+          <dgm:constr type="bMarg" refType="primFontSz" fact="0.3"/>
+          <dgm:constr type="lMarg" refType="primFontSz" fact="0.3"/>
+          <dgm:constr type="rMarg" refType="primFontSz" fact="0.3"/>
+        </dgm:constrLst>
+        <dgm:ruleLst>
+          <dgm:rule type="h" val="INF" fact="NaN" max="NaN"/>
+        </dgm:ruleLst>
+      </dgm:layoutNode>
+      <dgm:choose name="Name1">
+        <dgm:if name="Name2" axis="ch" ptType="node" func="cnt" op="gte" val="1">
+          <dgm:layoutNode name="childText" styleLbl="revTx">
+            <dgm:varLst>
+              <dgm:bulletEnabled val="1"/>
+            </dgm:varLst>
+            <dgm:alg type="tx">
+              <dgm:param type="stBulletLvl" val="1"/>
+              <dgm:param type="lnSpAfChP" val="20"/>
+            </dgm:alg>
+            <dgm:shape xmlns:r="http://schemas.openxmlformats.org/officeDocument/2006/relationships" type="rect" r:blip="">
+              <dgm:adjLst/>
+            </dgm:shape>
+            <dgm:presOf axis="des" ptType="node"/>
+            <dgm:constrLst>
+              <dgm:constr type="tMarg" refType="primFontSz" fact="0.1"/>
+              <dgm:constr type="bMarg" refType="primFontSz" fact="0.1"/>
+              <dgm:constr type="lMarg" refType="w" fact="0.09"/>
+            </dgm:constrLst>
+            <dgm:ruleLst>
+              <dgm:rule type="h" val="INF" fact="NaN" max="NaN"/>
+            </dgm:ruleLst>
+          </dgm:layoutNode>
+        </dgm:if>
+        <dgm:else name="Name3">
+          <dgm:choose name="Name4">
+            <dgm:if name="Name5" axis="par ch" ptType="doc node" func="cnt" op="gte" val="2">
+              <dgm:forEach name="Name6" axis="followSib" ptType="sibTrans" cnt="1">
+                <dgm:layoutNode name="spacer">
+                  <dgm:alg type="sp"/>
+                  <dgm:shape xmlns:r="http://schemas.openxmlformats.org/officeDocument/2006/relationships" r:blip="">
+                    <dgm:adjLst/>
+                  </dgm:shape>
+                  <dgm:presOf/>
+                  <dgm:constrLst/>
+                  <dgm:ruleLst/>
+                </dgm:layoutNode>
+              </dgm:forEach>
+            </dgm:if>
+            <dgm:else name="Name7"/>
+          </dgm:choose>
+        </dgm:else>
+      </dgm:choose>
+    </dgm:forEach>
+  </dgm:layoutNode>
+</dgm:layoutDef>
+</file>
+
+<file path=ppt/diagrams/quickStyle1.xml><?xml version="1.0" encoding="utf-8"?>
+<dgm:styleDef xmlns:dgm="http://schemas.openxmlformats.org/drawingml/2006/diagram" xmlns:a="http://schemas.openxmlformats.org/drawingml/2006/main" uniqueId="urn:microsoft.com/office/officeart/2005/8/quickstyle/simple1">
+  <dgm:title val=""/>
+  <dgm:desc val=""/>
+  <dgm:catLst>
+    <dgm:cat type="simple" pri="10100"/>
+  </dgm:catLst>
+  <dgm:scene3d>
+    <a:camera prst="orthographicFront"/>
+    <a:lightRig rig="threePt" dir="t"/>
+  </dgm:scene3d>
+  <dgm:styleLbl name="node0">
+    <dgm:scene3d>
+      <a:camera prst="orthographicFront"/>
+      <a:lightRig rig="threePt" dir="t"/>
+    </dgm:scene3d>
+    <dgm:sp3d/>
+    <dgm:txPr/>
+    <dgm:style>
+      <a:lnRef idx="2">
+        <a:scrgbClr r="0" g="0" b="0"/>
+      </a:lnRef>
+      <a:fillRef idx="1">
+        <a:scrgbClr r="0" g="0" b="0"/>
+      </a:fillRef>
+      <a:effectRef idx="0">
+        <a:scrgbClr r="0" g="0" b="0"/>
+      </a:effectRef>
+      <a:fontRef idx="minor">
+        <a:schemeClr val="lt1"/>
+      </a:fontRef>
+    </dgm:style>
+  </dgm:styleLbl>
+  <dgm:styleLbl name="lnNode1">
+    <dgm:scene3d>
+      <a:camera prst="orthographicFront"/>
+      <a:lightRig rig="threePt" dir="t"/>
+    </dgm:scene3d>
+    <dgm:sp3d/>
+    <dgm:txPr/>
+    <dgm:style>
+      <a:lnRef idx="2">
+        <a:scrgbClr r="0" g="0" b="0"/>
+      </a:lnRef>
+      <a:fillRef idx="1">
+        <a:scrgbClr r="0" g="0" b="0"/>
+      </a:fillRef>
+      <a:effectRef idx="0">
+        <a:scrgbClr r="0" g="0" b="0"/>
+      </a:effectRef>
+      <a:fontRef idx="minor">
+        <a:schemeClr val="lt1"/>
+      </a:fontRef>
+    </dgm:style>
+  </dgm:styleLbl>
+  <dgm:styleLbl name="vennNode1">
+    <dgm:scene3d>
+      <a:camera prst="orthographicFront"/>
+      <a:lightRig rig="threePt" dir="t"/>
+    </dgm:scene3d>
+    <dgm:sp3d/>
+    <dgm:txPr/>
+    <dgm:style>
+      <a:lnRef idx="2">
+        <a:scrgbClr r="0" g="0" b="0"/>
+      </a:lnRef>
+      <a:fillRef idx="1">
+        <a:scrgbClr r="0" g="0" b="0"/>
+      </a:fillRef>
+      <a:effectRef idx="0">
+        <a:scrgbClr r="0" g="0" b="0"/>
+      </a:effectRef>
+      <a:fontRef idx="minor">
+        <a:schemeClr val="tx1"/>
+      </a:fontRef>
+    </dgm:style>
+  </dgm:styleLbl>
+  <dgm:styleLbl name="alignNode1">
+    <dgm:scene3d>
+      <a:camera prst="orthographicFront"/>
+      <a:lightRig rig="threePt" dir="t"/>
+    </dgm:scene3d>
+    <dgm:sp3d/>
+    <dgm:txPr/>
+    <dgm:style>
+      <a:lnRef idx="2">
+        <a:scrgbClr r="0" g="0" b="0"/>
+      </a:lnRef>
+      <a:fillRef idx="1">
+        <a:scrgbClr r="0" g="0" b="0"/>
+      </a:fillRef>
+      <a:effectRef idx="0">
+        <a:scrgbClr r="0" g="0" b="0"/>
+      </a:effectRef>
+      <a:fontRef idx="minor">
+        <a:schemeClr val="lt1"/>
+      </a:fontRef>
+    </dgm:style>
+  </dgm:styleLbl>
+  <dgm:styleLbl name="node1">
+    <dgm:scene3d>
+      <a:camera prst="orthographicFront"/>
+      <a:lightRig rig="threePt" dir="t"/>
+    </dgm:scene3d>
+    <dgm:sp3d/>
+    <dgm:txPr/>
+    <dgm:style>
+      <a:lnRef idx="2">
+        <a:scrgbClr r="0" g="0" b="0"/>
+      </a:lnRef>
+      <a:fillRef idx="1">
+        <a:scrgbClr r="0" g="0" b="0"/>
+      </a:fillRef>
+      <a:effectRef idx="0">
+        <a:scrgbClr r="0" g="0" b="0"/>
+      </a:effectRef>
+      <a:fontRef idx="minor">
+        <a:schemeClr val="lt1"/>
+      </a:fontRef>
+    </dgm:style>
+  </dgm:styleLbl>
+  <dgm:styleLbl name="node2">
+    <dgm:scene3d>
+      <a:camera prst="orthographicFront"/>
+      <a:lightRig rig="threePt" dir="t"/>
+    </dgm:scene3d>
+    <dgm:sp3d/>
+    <dgm:txPr/>
+    <dgm:style>
+      <a:lnRef idx="2">
+        <a:scrgbClr r="0" g="0" b="0"/>
+      </a:lnRef>
+      <a:fillRef idx="1">
+        <a:scrgbClr r="0" g="0" b="0"/>
+      </a:fillRef>
+      <a:effectRef idx="0">
+        <a:scrgbClr r="0" g="0" b="0"/>
+      </a:effectRef>
+      <a:fontRef idx="minor">
+        <a:schemeClr val="lt1"/>
+      </a:fontRef>
+    </dgm:style>
+  </dgm:styleLbl>
+  <dgm:styleLbl name="node3">
+    <dgm:scene3d>
+      <a:camera prst="orthographicFront"/>
+      <a:lightRig rig="threePt" dir="t"/>
+    </dgm:scene3d>
+    <dgm:sp3d/>
+    <dgm:txPr/>
+    <dgm:style>
+      <a:lnRef idx="2">
+        <a:scrgbClr r="0" g="0" b="0"/>
+      </a:lnRef>
+      <a:fillRef idx="1">
+        <a:scrgbClr r="0" g="0" b="0"/>
+      </a:fillRef>
+      <a:effectRef idx="0">
+        <a:scrgbClr r="0" g="0" b="0"/>
+      </a:effectRef>
+      <a:fontRef idx="minor">
+        <a:schemeClr val="lt1"/>
+      </a:fontRef>
+    </dgm:style>
+  </dgm:styleLbl>
+  <dgm:styleLbl name="node4">
+    <dgm:scene3d>
+      <a:camera prst="orthographicFront"/>
+      <a:lightRig rig="threePt" dir="t"/>
+    </dgm:scene3d>
+    <dgm:sp3d/>
+    <dgm:txPr/>
+    <dgm:style>
+      <a:lnRef idx="2">
+        <a:scrgbClr r="0" g="0" b="0"/>
+      </a:lnRef>
+      <a:fillRef idx="1">
+        <a:scrgbClr r="0" g="0" b="0"/>
+      </a:fillRef>
+      <a:effectRef idx="0">
+        <a:scrgbClr r="0" g="0" b="0"/>
+      </a:effectRef>
+      <a:fontRef idx="minor">
+        <a:schemeClr val="lt1"/>
+      </a:fontRef>
+    </dgm:style>
+  </dgm:styleLbl>
+  <dgm:styleLbl name="fgImgPlace1">
+    <dgm:scene3d>
+      <a:camera prst="orthographicFront"/>
+      <a:lightRig rig="threePt" dir="t"/>
+    </dgm:scene3d>
+    <dgm:sp3d/>
+    <dgm:txPr/>
+    <dgm:style>
+      <a:lnRef idx="2">
+        <a:scrgbClr r="0" g="0" b="0"/>
+      </a:lnRef>
+      <a:fillRef idx="1">
+        <a:scrgbClr r="0" g="0" b="0"/>
+      </a:fillRef>
+      <a:effectRef idx="0">
+        <a:scrgbClr r="0" g="0" b="0"/>
+      </a:effectRef>
+      <a:fontRef idx="minor"/>
+    </dgm:style>
+  </dgm:styleLbl>
+  <dgm:styleLbl name="alignImgPlace1">
+    <dgm:scene3d>
+      <a:camera prst="orthographicFront"/>
+      <a:lightRig rig="threePt" dir="t"/>
+    </dgm:scene3d>
+    <dgm:sp3d/>
+    <dgm:txPr/>
+    <dgm:style>
+      <a:lnRef idx="2">
+        <a:scrgbClr r="0" g="0" b="0"/>
+      </a:lnRef>
+      <a:fillRef idx="1">
+        <a:scrgbClr r="0" g="0" b="0"/>
+      </a:fillRef>
+      <a:effectRef idx="0">
+        <a:scrgbClr r="0" g="0" b="0"/>
+      </a:effectRef>
+      <a:fontRef idx="minor"/>
+    </dgm:style>
+  </dgm:styleLbl>
+  <dgm:styleLbl name="bgImgPlace1">
+    <dgm:scene3d>
+      <a:camera prst="orthographicFront"/>
+      <a:lightRig rig="threePt" dir="t"/>
+    </dgm:scene3d>
+    <dgm:sp3d/>
+    <dgm:txPr/>
+    <dgm:style>
+      <a:lnRef idx="2">
+        <a:scrgbClr r="0" g="0" b="0"/>
+      </a:lnRef>
+      <a:fillRef idx="1">
+        <a:scrgbClr r="0" g="0" b="0"/>
+      </a:fillRef>
+      <a:effectRef idx="0">
+        <a:scrgbClr r="0" g="0" b="0"/>
+      </a:effectRef>
+      <a:fontRef idx="minor"/>
+    </dgm:style>
+  </dgm:styleLbl>
+  <dgm:styleLbl name="sibTrans2D1">
+    <dgm:scene3d>
+      <a:camera prst="orthographicFront"/>
+      <a:lightRig rig="threePt" dir="t"/>
+    </dgm:scene3d>
+    <dgm:sp3d/>
+    <dgm:txPr/>
+    <dgm:style>
+      <a:lnRef idx="0">
+        <a:scrgbClr r="0" g="0" b="0"/>
+      </a:lnRef>
+      <a:fillRef idx="1">
+        <a:scrgbClr r="0" g="0" b="0"/>
+      </a:fillRef>
+      <a:effectRef idx="0">
+        <a:scrgbClr r="0" g="0" b="0"/>
+      </a:effectRef>
+      <a:fontRef idx="minor">
+        <a:schemeClr val="lt1"/>
+      </a:fontRef>
+    </dgm:style>
+  </dgm:styleLbl>
+  <dgm:styleLbl name="fgSibTrans2D1">
+    <dgm:scene3d>
+      <a:camera prst="orthographicFront"/>
+      <a:lightRig rig="threePt" dir="t"/>
+    </dgm:scene3d>
+    <dgm:sp3d/>
+    <dgm:txPr/>
+    <dgm:style>
+      <a:lnRef idx="0">
+        <a:scrgbClr r="0" g="0" b="0"/>
+      </a:lnRef>
+      <a:fillRef idx="1">
+        <a:scrgbClr r="0" g="0" b="0"/>
+      </a:fillRef>
+      <a:effectRef idx="0">
+        <a:scrgbClr r="0" g="0" b="0"/>
+      </a:effectRef>
+      <a:fontRef idx="minor">
+        <a:schemeClr val="lt1"/>
+      </a:fontRef>
+    </dgm:style>
+  </dgm:styleLbl>
+  <dgm:styleLbl name="bgSibTrans2D1">
+    <dgm:scene3d>
+      <a:camera prst="orthographicFront"/>
+      <a:lightRig rig="threePt" dir="t"/>
+    </dgm:scene3d>
+    <dgm:sp3d/>
+    <dgm:txPr/>
+    <dgm:style>
+      <a:lnRef idx="0">
+        <a:scrgbClr r="0" g="0" b="0"/>
+      </a:lnRef>
+      <a:fillRef idx="1">
+        <a:scrgbClr r="0" g="0" b="0"/>
+      </a:fillRef>
+      <a:effectRef idx="0">
+        <a:scrgbClr r="0" g="0" b="0"/>
+      </a:effectRef>
+      <a:fontRef idx="minor">
+        <a:schemeClr val="lt1"/>
+      </a:fontRef>
+    </dgm:style>
+  </dgm:styleLbl>
+  <dgm:styleLbl name="sibTrans1D1">
+    <dgm:scene3d>
+      <a:camera prst="orthographicFront"/>
+      <a:lightRig rig="threePt" dir="t"/>
+    </dgm:scene3d>
+    <dgm:sp3d/>
+    <dgm:txPr/>
+    <dgm:style>
+      <a:lnRef idx="1">
+        <a:scrgbClr r="0" g="0" b="0"/>
+      </a:lnRef>
+      <a:fillRef idx="0">
+        <a:scrgbClr r="0" g="0" b="0"/>
+      </a:fillRef>
+      <a:effectRef idx="0">
+        <a:scrgbClr r="0" g="0" b="0"/>
+      </a:effectRef>
+      <a:fontRef idx="minor"/>
+    </dgm:style>
+  </dgm:styleLbl>
+  <dgm:styleLbl name="callout">
+    <dgm:scene3d>
+      <a:camera prst="orthographicFront"/>
+      <a:lightRig rig="threePt" dir="t"/>
+    </dgm:scene3d>
+    <dgm:sp3d/>
+    <dgm:txPr/>
+    <dgm:style>
+      <a:lnRef idx="2">
+        <a:scrgbClr r="0" g="0" b="0"/>
+      </a:lnRef>
+      <a:fillRef idx="1">
+        <a:scrgbClr r="0" g="0" b="0"/>
+      </a:fillRef>
+      <a:effectRef idx="0">
+        <a:scrgbClr r="0" g="0" b="0"/>
+      </a:effectRef>
+      <a:fontRef idx="minor"/>
+    </dgm:style>
+  </dgm:styleLbl>
+  <dgm:styleLbl name="asst0">
+    <dgm:scene3d>
+      <a:camera prst="orthographicFront"/>
+      <a:lightRig rig="threePt" dir="t"/>
+    </dgm:scene3d>
+    <dgm:sp3d/>
+    <dgm:txPr/>
+    <dgm:style>
+      <a:lnRef idx="2">
+        <a:scrgbClr r="0" g="0" b="0"/>
+      </a:lnRef>
+      <a:fillRef idx="1">
+        <a:scrgbClr r="0" g="0" b="0"/>
+      </a:fillRef>
+      <a:effectRef idx="0">
+        <a:scrgbClr r="0" g="0" b="0"/>
+      </a:effectRef>
+      <a:fontRef idx="minor">
+        <a:schemeClr val="lt1"/>
+      </a:fontRef>
+    </dgm:style>
+  </dgm:styleLbl>
+  <dgm:styleLbl name="asst1">
+    <dgm:scene3d>
+      <a:camera prst="orthographicFront"/>
+      <a:lightRig rig="threePt" dir="t"/>
+    </dgm:scene3d>
+    <dgm:sp3d/>
+    <dgm:txPr/>
+    <dgm:style>
+      <a:lnRef idx="2">
+        <a:scrgbClr r="0" g="0" b="0"/>
+      </a:lnRef>
+      <a:fillRef idx="1">
+        <a:scrgbClr r="0" g="0" b="0"/>
+      </a:fillRef>
+      <a:effectRef idx="0">
+        <a:scrgbClr r="0" g="0" b="0"/>
+      </a:effectRef>
+      <a:fontRef idx="minor">
+        <a:schemeClr val="lt1"/>
+      </a:fontRef>
+    </dgm:style>
+  </dgm:styleLbl>
+  <dgm:styleLbl name="asst2">
+    <dgm:scene3d>
+      <a:camera prst="orthographicFront"/>
+      <a:lightRig rig="threePt" dir="t"/>
+    </dgm:scene3d>
+    <dgm:sp3d/>
+    <dgm:txPr/>
+    <dgm:style>
+      <a:lnRef idx="2">
+        <a:scrgbClr r="0" g="0" b="0"/>
+      </a:lnRef>
+      <a:fillRef idx="1">
+        <a:scrgbClr r="0" g="0" b="0"/>
+      </a:fillRef>
+      <a:effectRef idx="0">
+        <a:scrgbClr r="0" g="0" b="0"/>
+      </a:effectRef>
+      <a:fontRef idx="minor">
+        <a:schemeClr val="lt1"/>
+      </a:fontRef>
+    </dgm:style>
+  </dgm:styleLbl>
+  <dgm:styleLbl name="asst3">
+    <dgm:scene3d>
+      <a:camera prst="orthographicFront"/>
+      <a:lightRig rig="threePt" dir="t"/>
+    </dgm:scene3d>
+    <dgm:sp3d/>
+    <dgm:txPr/>
+    <dgm:style>
+      <a:lnRef idx="2">
+        <a:scrgbClr r="0" g="0" b="0"/>
+      </a:lnRef>
+      <a:fillRef idx="1">
+        <a:scrgbClr r="0" g="0" b="0"/>
+      </a:fillRef>
+      <a:effectRef idx="0">
+        <a:scrgbClr r="0" g="0" b="0"/>
+      </a:effectRef>
+      <a:fontRef idx="minor">
+        <a:schemeClr val="lt1"/>
+      </a:fontRef>
+    </dgm:style>
+  </dgm:styleLbl>
+  <dgm:styleLbl name="asst4">
+    <dgm:scene3d>
+      <a:camera prst="orthographicFront"/>
+      <a:lightRig rig="threePt" dir="t"/>
+    </dgm:scene3d>
+    <dgm:sp3d/>
+    <dgm:txPr/>
+    <dgm:style>
+      <a:lnRef idx="2">
+        <a:scrgbClr r="0" g="0" b="0"/>
+      </a:lnRef>
+      <a:fillRef idx="1">
+        <a:scrgbClr r="0" g="0" b="0"/>
+      </a:fillRef>
+      <a:effectRef idx="0">
+        <a:scrgbClr r="0" g="0" b="0"/>
+      </a:effectRef>
+      <a:fontRef idx="minor">
+        <a:schemeClr val="lt1"/>
+      </a:fontRef>
+    </dgm:style>
+  </dgm:styleLbl>
+  <dgm:styleLbl name="parChTrans2D1">
+    <dgm:scene3d>
+      <a:camera prst="orthographicFront"/>
+      <a:lightRig rig="threePt" dir="t"/>
+    </dgm:scene3d>
+    <dgm:sp3d/>
+    <dgm:txPr/>
+    <dgm:style>
+      <a:lnRef idx="2">
+        <a:scrgbClr r="0" g="0" b="0"/>
+      </a:lnRef>
+      <a:fillRef idx="1">
+        <a:scrgbClr r="0" g="0" b="0"/>
+      </a:fillRef>
+      <a:effectRef idx="0">
+        <a:scrgbClr r="0" g="0" b="0"/>
+      </a:effectRef>
+      <a:fontRef idx="minor">
+        <a:schemeClr val="lt1"/>
+      </a:fontRef>
+    </dgm:style>
+  </dgm:styleLbl>
+  <dgm:styleLbl name="parChTrans2D2">
+    <dgm:scene3d>
+      <a:camera prst="orthographicFront"/>
+      <a:lightRig rig="threePt" dir="t"/>
+    </dgm:scene3d>
+    <dgm:sp3d/>
+    <dgm:txPr/>
+    <dgm:style>
+      <a:lnRef idx="2">
+        <a:scrgbClr r="0" g="0" b="0"/>
+      </a:lnRef>
+      <a:fillRef idx="1">
+        <a:scrgbClr r="0" g="0" b="0"/>
+      </a:fillRef>
+      <a:effectRef idx="0">
+        <a:scrgbClr r="0" g="0" b="0"/>
+      </a:effectRef>
+      <a:fontRef idx="minor">
+        <a:schemeClr val="lt1"/>
+      </a:fontRef>
+    </dgm:style>
+  </dgm:styleLbl>
+  <dgm:styleLbl name="parChTrans2D3">
+    <dgm:scene3d>
+      <a:camera prst="orthographicFront"/>
+      <a:lightRig rig="threePt" dir="t"/>
+    </dgm:scene3d>
+    <dgm:sp3d/>
+    <dgm:txPr/>
+    <dgm:style>
+      <a:lnRef idx="2">
+        <a:scrgbClr r="0" g="0" b="0"/>
+      </a:lnRef>
+      <a:fillRef idx="1">
+        <a:scrgbClr r="0" g="0" b="0"/>
+      </a:fillRef>
+      <a:effectRef idx="0">
+        <a:scrgbClr r="0" g="0" b="0"/>
+      </a:effectRef>
+      <a:fontRef idx="minor">
+        <a:schemeClr val="lt1"/>
+      </a:fontRef>
+    </dgm:style>
+  </dgm:styleLbl>
+  <dgm:styleLbl name="parChTrans2D4">
+    <dgm:scene3d>
+      <a:camera prst="orthographicFront"/>
+      <a:lightRig rig="threePt" dir="t"/>
+    </dgm:scene3d>
+    <dgm:sp3d/>
+    <dgm:txPr/>
+    <dgm:style>
+      <a:lnRef idx="2">
+        <a:scrgbClr r="0" g="0" b="0"/>
+      </a:lnRef>
+      <a:fillRef idx="1">
+        <a:scrgbClr r="0" g="0" b="0"/>
+      </a:fillRef>
+      <a:effectRef idx="0">
+        <a:scrgbClr r="0" g="0" b="0"/>
+      </a:effectRef>
+      <a:fontRef idx="minor">
+        <a:schemeClr val="lt1"/>
+      </a:fontRef>
+    </dgm:style>
+  </dgm:styleLbl>
+  <dgm:styleLbl name="parChTrans1D1">
+    <dgm:scene3d>
+      <a:camera prst="orthographicFront"/>
+      <a:lightRig rig="threePt" dir="t"/>
+    </dgm:scene3d>
+    <dgm:sp3d/>
+    <dgm:txPr/>
+    <dgm:style>
+      <a:lnRef idx="2">
+        <a:scrgbClr r="0" g="0" b="0"/>
+      </a:lnRef>
+      <a:fillRef idx="0">
+        <a:scrgbClr r="0" g="0" b="0"/>
+      </a:fillRef>
+      <a:effectRef idx="0">
+        <a:scrgbClr r="0" g="0" b="0"/>
+      </a:effectRef>
+      <a:fontRef idx="minor"/>
+    </dgm:style>
+  </dgm:styleLbl>
+  <dgm:styleLbl name="parChTrans1D2">
+    <dgm:scene3d>
+      <a:camera prst="orthographicFront"/>
+      <a:lightRig rig="threePt" dir="t"/>
+    </dgm:scene3d>
+    <dgm:sp3d/>
+    <dgm:txPr/>
+    <dgm:style>
+      <a:lnRef idx="2">
+        <a:scrgbClr r="0" g="0" b="0"/>
+      </a:lnRef>
+      <a:fillRef idx="0">
+        <a:scrgbClr r="0" g="0" b="0"/>
+      </a:fillRef>
+      <a:effectRef idx="0">
+        <a:scrgbClr r="0" g="0" b="0"/>
+      </a:effectRef>
+      <a:fontRef idx="minor"/>
+    </dgm:style>
+  </dgm:styleLbl>
+  <dgm:styleLbl name="parChTrans1D3">
+    <dgm:scene3d>
+      <a:camera prst="orthographicFront"/>
+      <a:lightRig rig="threePt" dir="t"/>
+    </dgm:scene3d>
+    <dgm:sp3d/>
+    <dgm:txPr/>
+    <dgm:style>
+      <a:lnRef idx="2">
+        <a:scrgbClr r="0" g="0" b="0"/>
+      </a:lnRef>
+      <a:fillRef idx="0">
+        <a:scrgbClr r="0" g="0" b="0"/>
+      </a:fillRef>
+      <a:effectRef idx="0">
+        <a:scrgbClr r="0" g="0" b="0"/>
+      </a:effectRef>
+      <a:fontRef idx="minor"/>
+    </dgm:style>
+  </dgm:styleLbl>
+  <dgm:styleLbl name="parChTrans1D4">
+    <dgm:scene3d>
+      <a:camera prst="orthographicFront"/>
+      <a:lightRig rig="threePt" dir="t"/>
+    </dgm:scene3d>
+    <dgm:sp3d/>
+    <dgm:txPr/>
+    <dgm:style>
+      <a:lnRef idx="2">
+        <a:scrgbClr r="0" g="0" b="0"/>
+      </a:lnRef>
+      <a:fillRef idx="0">
+        <a:scrgbClr r="0" g="0" b="0"/>
+      </a:fillRef>
+      <a:effectRef idx="0">
+        <a:scrgbClr r="0" g="0" b="0"/>
+      </a:effectRef>
+      <a:fontRef idx="minor"/>
+    </dgm:style>
+  </dgm:styleLbl>
+  <dgm:styleLbl name="fgAcc1">
+    <dgm:scene3d>
+      <a:camera prst="orthographicFront"/>
+      <a:lightRig rig="threePt" dir="t"/>
+    </dgm:scene3d>
+    <dgm:sp3d/>
+    <dgm:txPr/>
+    <dgm:style>
+      <a:lnRef idx="2">
+        <a:scrgbClr r="0" g="0" b="0"/>
+      </a:lnRef>
+      <a:fillRef idx="1">
+        <a:scrgbClr r="0" g="0" b="0"/>
+      </a:fillRef>
+      <a:effectRef idx="0">
+        <a:scrgbClr r="0" g="0" b="0"/>
+      </a:effectRef>
+      <a:fontRef idx="minor"/>
+    </dgm:style>
+  </dgm:styleLbl>
+  <dgm:styleLbl name="conFgAcc1">
+    <dgm:scene3d>
+      <a:camera prst="orthographicFront"/>
+      <a:lightRig rig="threePt" dir="t"/>
+    </dgm:scene3d>
+    <dgm:sp3d/>
+    <dgm:txPr/>
+    <dgm:style>
+      <a:lnRef idx="2">
+        <a:scrgbClr r="0" g="0" b="0"/>
+      </a:lnRef>
+      <a:fillRef idx="1">
+        <a:scrgbClr r="0" g="0" b="0"/>
+      </a:fillRef>
+      <a:effectRef idx="0">
+        <a:scrgbClr r="0" g="0" b="0"/>
+      </a:effectRef>
+      <a:fontRef idx="minor"/>
+    </dgm:style>
+  </dgm:styleLbl>
+  <dgm:styleLbl name="alignAcc1">
+    <dgm:scene3d>
+      <a:camera prst="orthographicFront"/>
+      <a:lightRig rig="threePt" dir="t"/>
+    </dgm:scene3d>
+    <dgm:sp3d/>
+    <dgm:txPr/>
+    <dgm:style>
+      <a:lnRef idx="2">
+        <a:scrgbClr r="0" g="0" b="0"/>
+      </a:lnRef>
+      <a:fillRef idx="1">
+        <a:scrgbClr r="0" g="0" b="0"/>
+      </a:fillRef>
+      <a:effectRef idx="0">
+        <a:scrgbClr r="0" g="0" b="0"/>
+      </a:effectRef>
+      <a:fontRef idx="minor"/>
+    </dgm:style>
+  </dgm:styleLbl>
+  <dgm:styleLbl name="trAlignAcc1">
+    <dgm:scene3d>
+      <a:camera prst="orthographicFront"/>
+      <a:lightRig rig="threePt" dir="t"/>
+    </dgm:scene3d>
+    <dgm:sp3d/>
+    <dgm:txPr/>
+    <dgm:style>
+      <a:lnRef idx="1">
+        <a:scrgbClr r="0" g="0" b="0"/>
+      </a:lnRef>
+      <a:fillRef idx="1">
+        <a:scrgbClr r="0" g="0" b="0"/>
+      </a:fillRef>
+      <a:effectRef idx="0">
+        <a:scrgbClr r="0" g="0" b="0"/>
+      </a:effectRef>
+      <a:fontRef idx="minor"/>
+    </dgm:style>
+  </dgm:styleLbl>
+  <dgm:styleLbl name="bgAcc1">
+    <dgm:scene3d>
+      <a:camera prst="orthographicFront"/>
+      <a:lightRig rig="threePt" dir="t"/>
+    </dgm:scene3d>
+    <dgm:sp3d/>
+    <dgm:txPr/>
+    <dgm:style>
+      <a:lnRef idx="2">
+        <a:scrgbClr r="0" g="0" b="0"/>
+      </a:lnRef>
+      <a:fillRef idx="1">
+        <a:scrgbClr r="0" g="0" b="0"/>
+      </a:fillRef>
+      <a:effectRef idx="0">
+        <a:scrgbClr r="0" g="0" b="0"/>
+      </a:effectRef>
+      <a:fontRef idx="minor"/>
+    </dgm:style>
+  </dgm:styleLbl>
+  <dgm:styleLbl name="solidFgAcc1">
+    <dgm:scene3d>
+      <a:camera prst="orthographicFront"/>
+      <a:lightRig rig="threePt" dir="t"/>
+    </dgm:scene3d>
+    <dgm:sp3d/>
+    <dgm:txPr/>
+    <dgm:style>
+      <a:lnRef idx="2">
+        <a:scrgbClr r="0" g="0" b="0"/>
+      </a:lnRef>
+      <a:fillRef idx="1">
+        <a:scrgbClr r="0" g="0" b="0"/>
+      </a:fillRef>
+      <a:effectRef idx="0">
+        <a:scrgbClr r="0" g="0" b="0"/>
+      </a:effectRef>
+      <a:fontRef idx="minor"/>
+    </dgm:style>
+  </dgm:styleLbl>
+  <dgm:styleLbl name="solidAlignAcc1">
+    <dgm:scene3d>
+      <a:camera prst="orthographicFront"/>
+      <a:lightRig rig="threePt" dir="t"/>
+    </dgm:scene3d>
+    <dgm:sp3d/>
+    <dgm:txPr/>
+    <dgm:style>
+      <a:lnRef idx="2">
+        <a:scrgbClr r="0" g="0" b="0"/>
+      </a:lnRef>
+      <a:fillRef idx="1">
+        <a:scrgbClr r="0" g="0" b="0"/>
+      </a:fillRef>
+      <a:effectRef idx="0">
+        <a:scrgbClr r="0" g="0" b="0"/>
+      </a:effectRef>
+      <a:fontRef idx="minor"/>
+    </dgm:style>
+  </dgm:styleLbl>
+  <dgm:styleLbl name="solidBgAcc1">
+    <dgm:scene3d>
+      <a:camera prst="orthographicFront"/>
+      <a:lightRig rig="threePt" dir="t"/>
+    </dgm:scene3d>
+    <dgm:sp3d/>
+    <dgm:txPr/>
+    <dgm:style>
+      <a:lnRef idx="2">
+        <a:scrgbClr r="0" g="0" b="0"/>
+      </a:lnRef>
+      <a:fillRef idx="1">
+        <a:scrgbClr r="0" g="0" b="0"/>
+      </a:fillRef>
+      <a:effectRef idx="0">
+        <a:scrgbClr r="0" g="0" b="0"/>
+      </a:effectRef>
+      <a:fontRef idx="minor"/>
+    </dgm:style>
+  </dgm:styleLbl>
+  <dgm:styleLbl name="fgAccFollowNode1">
+    <dgm:scene3d>
+      <a:camera prst="orthographicFront"/>
+      <a:lightRig rig="threePt" dir="t"/>
+    </dgm:scene3d>
+    <dgm:sp3d/>
+    <dgm:txPr/>
+    <dgm:style>
+      <a:lnRef idx="2">
+        <a:scrgbClr r="0" g="0" b="0"/>
+      </a:lnRef>
+      <a:fillRef idx="1">
+        <a:scrgbClr r="0" g="0" b="0"/>
+      </a:fillRef>
+      <a:effectRef idx="0">
+        <a:scrgbClr r="0" g="0" b="0"/>
+      </a:effectRef>
+      <a:fontRef idx="minor"/>
+    </dgm:style>
+  </dgm:styleLbl>
+  <dgm:styleLbl name="alignAccFollowNode1">
+    <dgm:scene3d>
+      <a:camera prst="orthographicFront"/>
+      <a:lightRig rig="threePt" dir="t"/>
+    </dgm:scene3d>
+    <dgm:sp3d/>
+    <dgm:txPr/>
+    <dgm:style>
+      <a:lnRef idx="2">
+        <a:scrgbClr r="0" g="0" b="0"/>
+      </a:lnRef>
+      <a:fillRef idx="1">
+        <a:scrgbClr r="0" g="0" b="0"/>
+      </a:fillRef>
+      <a:effectRef idx="0">
+        <a:scrgbClr r="0" g="0" b="0"/>
+      </a:effectRef>
+      <a:fontRef idx="minor"/>
+    </dgm:style>
+  </dgm:styleLbl>
+  <dgm:styleLbl name="bgAccFollowNode1">
+    <dgm:scene3d>
+      <a:camera prst="orthographicFront"/>
+      <a:lightRig rig="threePt" dir="t"/>
+    </dgm:scene3d>
+    <dgm:sp3d/>
+    <dgm:txPr/>
+    <dgm:style>
+      <a:lnRef idx="2">
+        <a:scrgbClr r="0" g="0" b="0"/>
+      </a:lnRef>
+      <a:fillRef idx="1">
+        <a:scrgbClr r="0" g="0" b="0"/>
+      </a:fillRef>
+      <a:effectRef idx="0">
+        <a:scrgbClr r="0" g="0" b="0"/>
+      </a:effectRef>
+      <a:fontRef idx="minor"/>
+    </dgm:style>
+  </dgm:styleLbl>
+  <dgm:styleLbl name="fgAcc0">
+    <dgm:scene3d>
+      <a:camera prst="orthographicFront"/>
+      <a:lightRig rig="threePt" dir="t"/>
+    </dgm:scene3d>
+    <dgm:sp3d/>
+    <dgm:txPr/>
+    <dgm:style>
+      <a:lnRef idx="2">
+        <a:scrgbClr r="0" g="0" b="0"/>
+      </a:lnRef>
+      <a:fillRef idx="1">
+        <a:scrgbClr r="0" g="0" b="0"/>
+      </a:fillRef>
+      <a:effectRef idx="0">
+        <a:scrgbClr r="0" g="0" b="0"/>
+      </a:effectRef>
+      <a:fontRef idx="minor"/>
+    </dgm:style>
+  </dgm:styleLbl>
+  <dgm:styleLbl name="fgAcc2">
+    <dgm:scene3d>
+      <a:camera prst="orthographicFront"/>
+      <a:lightRig rig="threePt" dir="t"/>
+    </dgm:scene3d>
+    <dgm:sp3d/>
+    <dgm:txPr/>
+    <dgm:style>
+      <a:lnRef idx="2">
+        <a:scrgbClr r="0" g="0" b="0"/>
+      </a:lnRef>
+      <a:fillRef idx="1">
+        <a:scrgbClr r="0" g="0" b="0"/>
+      </a:fillRef>
+      <a:effectRef idx="0">
+        <a:scrgbClr r="0" g="0" b="0"/>
+      </a:effectRef>
+      <a:fontRef idx="minor"/>
+    </dgm:style>
+  </dgm:styleLbl>
+  <dgm:styleLbl name="fgAcc3">
+    <dgm:scene3d>
+      <a:camera prst="orthographicFront"/>
+      <a:lightRig rig="threePt" dir="t"/>
+    </dgm:scene3d>
+    <dgm:sp3d/>
+    <dgm:txPr/>
+    <dgm:style>
+      <a:lnRef idx="2">
+        <a:scrgbClr r="0" g="0" b="0"/>
+      </a:lnRef>
+      <a:fillRef idx="1">
+        <a:scrgbClr r="0" g="0" b="0"/>
+      </a:fillRef>
+      <a:effectRef idx="0">
+        <a:scrgbClr r="0" g="0" b="0"/>
+      </a:effectRef>
+      <a:fontRef idx="minor"/>
+    </dgm:style>
+  </dgm:styleLbl>
+  <dgm:styleLbl name="fgAcc4">
+    <dgm:scene3d>
+      <a:camera prst="orthographicFront"/>
+      <a:lightRig rig="threePt" dir="t"/>
+    </dgm:scene3d>
+    <dgm:sp3d/>
+    <dgm:txPr/>
+    <dgm:style>
+      <a:lnRef idx="2">
+        <a:scrgbClr r="0" g="0" b="0"/>
+      </a:lnRef>
+      <a:fillRef idx="1">
+        <a:scrgbClr r="0" g="0" b="0"/>
+      </a:fillRef>
+      <a:effectRef idx="0">
+        <a:scrgbClr r="0" g="0" b="0"/>
+      </a:effectRef>
+      <a:fontRef idx="minor"/>
+    </dgm:style>
+  </dgm:styleLbl>
+  <dgm:styleLbl name="bgShp">
+    <dgm:scene3d>
+      <a:camera prst="orthographicFront"/>
+      <a:lightRig rig="threePt" dir="t"/>
+    </dgm:scene3d>
+    <dgm:sp3d/>
+    <dgm:txPr/>
+    <dgm:style>
+      <a:lnRef idx="0">
+        <a:scrgbClr r="0" g="0" b="0"/>
+      </a:lnRef>
+      <a:fillRef idx="1">
+        <a:scrgbClr r="0" g="0" b="0"/>
+      </a:fillRef>
+      <a:effectRef idx="0">
+        <a:scrgbClr r="0" g="0" b="0"/>
+      </a:effectRef>
+      <a:fontRef idx="minor"/>
+    </dgm:style>
+  </dgm:styleLbl>
+  <dgm:styleLbl name="dkBgShp">
+    <dgm:scene3d>
+      <a:camera prst="orthographicFront"/>
+      <a:lightRig rig="threePt" dir="t"/>
+    </dgm:scene3d>
+    <dgm:sp3d/>
+    <dgm:txPr/>
+    <dgm:style>
+      <a:lnRef idx="0">
+        <a:scrgbClr r="0" g="0" b="0"/>
+      </a:lnRef>
+      <a:fillRef idx="1">
+        <a:scrgbClr r="0" g="0" b="0"/>
+      </a:fillRef>
+      <a:effectRef idx="0">
+        <a:scrgbClr r="0" g="0" b="0"/>
+      </a:effectRef>
+      <a:fontRef idx="minor"/>
+    </dgm:style>
+  </dgm:styleLbl>
+  <dgm:styleLbl name="trBgShp">
+    <dgm:scene3d>
+      <a:camera prst="orthographicFront"/>
+      <a:lightRig rig="threePt" dir="t"/>
+    </dgm:scene3d>
+    <dgm:sp3d/>
+    <dgm:txPr/>
+    <dgm:style>
+      <a:lnRef idx="0">
+        <a:scrgbClr r="0" g="0" b="0"/>
+      </a:lnRef>
+      <a:fillRef idx="1">
+        <a:scrgbClr r="0" g="0" b="0"/>
+      </a:fillRef>
+      <a:effectRef idx="0">
+        <a:scrgbClr r="0" g="0" b="0"/>
+      </a:effectRef>
+      <a:fontRef idx="minor"/>
+    </dgm:style>
+  </dgm:styleLbl>
+  <dgm:styleLbl name="fgShp">
+    <dgm:scene3d>
+      <a:camera prst="orthographicFront"/>
+      <a:lightRig rig="threePt" dir="t"/>
+    </dgm:scene3d>
+    <dgm:sp3d/>
+    <dgm:txPr/>
+    <dgm:style>
+      <a:lnRef idx="2">
+        <a:scrgbClr r="0" g="0" b="0"/>
+      </a:lnRef>
+      <a:fillRef idx="1">
+        <a:scrgbClr r="0" g="0" b="0"/>
+      </a:fillRef>
+      <a:effectRef idx="0">
+        <a:scrgbClr r="0" g="0" b="0"/>
+      </a:effectRef>
+      <a:fontRef idx="minor"/>
+    </dgm:style>
+  </dgm:styleLbl>
+  <dgm:styleLbl name="revTx">
+    <dgm:scene3d>
+      <a:camera prst="orthographicFront"/>
+      <a:lightRig rig="threePt" dir="t"/>
+    </dgm:scene3d>
+    <dgm:sp3d/>
+    <dgm:txPr/>
+    <dgm:style>
+      <a:lnRef idx="0">
+        <a:scrgbClr r="0" g="0" b="0"/>
+      </a:lnRef>
+      <a:fillRef idx="0">
+        <a:scrgbClr r="0" g="0" b="0"/>
+      </a:fillRef>
+      <a:effectRef idx="0">
+        <a:scrgbClr r="0" g="0" b="0"/>
+      </a:effectRef>
+      <a:fontRef idx="minor"/>
+    </dgm:style>
+  </dgm:styleLbl>
+</dgm:styleDef>
+</file>
+
 <file path=ppt/slideLayouts/slideLayout1.xml><?xml version="1.0" encoding="utf-8"?>
 <p:sldLayout xmlns:a="http://schemas.openxmlformats.org/drawingml/2006/main" xmlns:r="http://schemas.openxmlformats.org/officeDocument/2006/relationships" xmlns:p="http://schemas.openxmlformats.org/presentationml/2006/main">
   <p:cSld name="제목 슬라이드">
@@ -290,7 +3701,7 @@
             </a:pPr>
             <a:fld id="{B9320F77-B9A0-41C5-862A-B4B631284C64}" type="datetime1">
               <a:rPr lang="ko-KR" altLang="en-US" sz="1200"/>
-              <a:t>2019-10-25</a:t>
+              <a:t>2019-10-26</a:t>
             </a:fld>
             <a:endParaRPr lang="ko-KR" altLang="en-US" sz="1200"/>
           </a:p>
@@ -1079,7 +4490,7 @@
             </a:pPr>
             <a:fld id="{B9320F77-B9A0-41C5-862A-B4B631284C64}" type="datetime1">
               <a:rPr lang="ko-KR" altLang="en-US" sz="1200"/>
-              <a:t>2019-10-25</a:t>
+              <a:t>2019-10-26</a:t>
             </a:fld>
             <a:endParaRPr lang="ko-KR" altLang="en-US" sz="1200"/>
           </a:p>
@@ -1572,7 +4983,7 @@
             </a:pPr>
             <a:fld id="{B9320F77-B9A0-41C5-862A-B4B631284C64}" type="datetime1">
               <a:rPr lang="ko-KR" altLang="en-US" sz="1200"/>
-              <a:t>2019-10-25</a:t>
+              <a:t>2019-10-26</a:t>
             </a:fld>
             <a:endParaRPr lang="ko-KR" altLang="en-US" sz="1200"/>
           </a:p>
@@ -2050,7 +5461,7 @@
             </a:pPr>
             <a:fld id="{B9320F77-B9A0-41C5-862A-B4B631284C64}" type="datetime1">
               <a:rPr lang="ko-KR" altLang="en-US" sz="1200"/>
-              <a:t>2019-10-25</a:t>
+              <a:t>2019-10-26</a:t>
             </a:fld>
             <a:endParaRPr lang="ko-KR" altLang="en-US" sz="1200"/>
           </a:p>
@@ -2569,7 +5980,7 @@
             </a:pPr>
             <a:fld id="{B9320F77-B9A0-41C5-862A-B4B631284C64}" type="datetime1">
               <a:rPr lang="ko-KR" altLang="en-US" sz="1200"/>
-              <a:t>2019-10-25</a:t>
+              <a:t>2019-10-26</a:t>
             </a:fld>
             <a:endParaRPr lang="ko-KR" altLang="en-US" sz="1200"/>
           </a:p>
@@ -3357,7 +6768,7 @@
             </a:pPr>
             <a:fld id="{B9320F77-B9A0-41C5-862A-B4B631284C64}" type="datetime1">
               <a:rPr lang="ko-KR" altLang="en-US" sz="1200"/>
-              <a:t>2019-10-25</a:t>
+              <a:t>2019-10-26</a:t>
             </a:fld>
             <a:endParaRPr lang="ko-KR" altLang="en-US" sz="1200"/>
           </a:p>
@@ -4424,7 +7835,7 @@
             </a:pPr>
             <a:fld id="{B9320F77-B9A0-41C5-862A-B4B631284C64}" type="datetime1">
               <a:rPr lang="ko-KR" altLang="en-US" sz="1200"/>
-              <a:t>2019-10-25</a:t>
+              <a:t>2019-10-26</a:t>
             </a:fld>
             <a:endParaRPr lang="ko-KR" altLang="en-US" sz="1200"/>
           </a:p>
@@ -4687,7 +8098,7 @@
             </a:pPr>
             <a:fld id="{B9320F77-B9A0-41C5-862A-B4B631284C64}" type="datetime1">
               <a:rPr lang="ko-KR" altLang="en-US" sz="1200"/>
-              <a:t>2019-10-25</a:t>
+              <a:t>2019-10-26</a:t>
             </a:fld>
             <a:endParaRPr lang="ko-KR" altLang="en-US" sz="1200"/>
           </a:p>
@@ -4846,7 +8257,7 @@
             </a:pPr>
             <a:fld id="{B9320F77-B9A0-41C5-862A-B4B631284C64}" type="datetime1">
               <a:rPr lang="ko-KR" altLang="en-US" sz="1200"/>
-              <a:t>2019-10-25</a:t>
+              <a:t>2019-10-26</a:t>
             </a:fld>
             <a:endParaRPr lang="ko-KR" altLang="en-US" sz="1200"/>
           </a:p>
@@ -5398,7 +8809,7 @@
             </a:pPr>
             <a:fld id="{B9320F77-B9A0-41C5-862A-B4B631284C64}" type="datetime1">
               <a:rPr lang="ko-KR" altLang="en-US" sz="1200"/>
-              <a:t>2019-10-25</a:t>
+              <a:t>2019-10-26</a:t>
             </a:fld>
             <a:endParaRPr lang="ko-KR" altLang="en-US" sz="1200"/>
           </a:p>
@@ -6227,7 +9638,7 @@
             </a:pPr>
             <a:fld id="{B9320F77-B9A0-41C5-862A-B4B631284C64}" type="datetime1">
               <a:rPr lang="ko-KR" altLang="en-US" sz="1200"/>
-              <a:t>2019-10-25</a:t>
+              <a:t>2019-10-26</a:t>
             </a:fld>
             <a:endParaRPr lang="ko-KR" altLang="en-US" sz="1200"/>
           </a:p>
@@ -6661,7 +10072,7 @@
             </a:pPr>
             <a:fld id="{B9320F77-B9A0-41C5-862A-B4B631284C64}" type="datetime1">
               <a:rPr lang="ko-KR" altLang="en-US" sz="1200"/>
-              <a:t>2019-10-25</a:t>
+              <a:t>2019-10-26</a:t>
             </a:fld>
             <a:endParaRPr lang="ko-KR" altLang="en-US" sz="1200"/>
           </a:p>
@@ -7130,6 +10541,13 @@
   <p:clrMapOvr>
     <a:masterClrMapping/>
   </p:clrMapOvr>
+  <p:timing>
+    <p:tnLst>
+      <p:par>
+        <p:cTn id="1" dur="indefinite" restart="never" nodeType="tmRoot"/>
+      </p:par>
+    </p:tnLst>
+  </p:timing>
 </p:sld>
 </file>
 
@@ -7162,7 +10580,7 @@
         </p:nvSpPr>
         <p:spPr>
           <a:xfrm>
-            <a:off x="838200" y="365125"/>
+            <a:off x="618744" y="210566"/>
             <a:ext cx="10516235" cy="832485"/>
           </a:xfrm>
           <a:prstGeom prst="rect">
@@ -7171,7 +10589,7 @@
         </p:spPr>
         <p:txBody>
           <a:bodyPr vert="horz" wrap="square" lIns="91440" tIns="45720" rIns="91440" bIns="45720" numCol="1" anchor="ctr">
-            <a:normAutofit fontScale="90000"/>
+            <a:normAutofit/>
           </a:bodyPr>
           <a:lstStyle/>
           <a:p>
@@ -7189,26 +10607,20 @@
               <a:buNone/>
             </a:pPr>
             <a:r>
-              <a:rPr sz="4400" b="1">
+              <a:rPr sz="4400" b="1" dirty="0">
                 <a:latin typeface="맑은 고딕" charset="0"/>
                 <a:ea typeface="맑은 고딕" charset="0"/>
               </a:rPr>
-              <a:t>2. 구현할 주제 소개</a:t>
+              <a:t>2. 구현할 주제 </a:t>
             </a:r>
-            <a:br>
-              <a:rPr sz="4400" b="1">
+            <a:r>
+              <a:rPr sz="4400" b="1" dirty="0" smtClean="0">
                 <a:latin typeface="맑은 고딕" charset="0"/>
                 <a:ea typeface="맑은 고딕" charset="0"/>
               </a:rPr>
-            </a:br>
-            <a:r>
-              <a:rPr sz="4400" b="1">
-                <a:latin typeface="맑은 고딕" charset="0"/>
-                <a:ea typeface="맑은 고딕" charset="0"/>
-              </a:rPr>
-              <a:t>-탑 다운 뷰 형식의 슈팅게임</a:t>
+              <a:t>소개</a:t>
             </a:r>
-            <a:endParaRPr lang="ko-KR" altLang="en-US" sz="4400" b="1">
+            <a:endParaRPr lang="ko-KR" altLang="en-US" sz="4400" b="1" dirty="0">
               <a:latin typeface="맑은 고딕" charset="0"/>
               <a:ea typeface="맑은 고딕" charset="0"/>
             </a:endParaRPr>
@@ -7316,6 +10728,46 @@
           <a:noFill/>
         </p:spPr>
       </p:pic>
+      <p:sp>
+        <p:nvSpPr>
+          <p:cNvPr id="3" name="TextBox 2"/>
+          <p:cNvSpPr txBox="1"/>
+          <p:nvPr/>
+        </p:nvSpPr>
+        <p:spPr>
+          <a:xfrm>
+            <a:off x="1782318" y="885656"/>
+            <a:ext cx="6252210" cy="646331"/>
+          </a:xfrm>
+          <a:prstGeom prst="rect">
+            <a:avLst/>
+          </a:prstGeom>
+          <a:noFill/>
+        </p:spPr>
+        <p:txBody>
+          <a:bodyPr wrap="square" rtlCol="0">
+            <a:spAutoFit/>
+          </a:bodyPr>
+          <a:lstStyle/>
+          <a:p>
+            <a:r>
+              <a:rPr lang="en-US" altLang="ko-KR" sz="3600" b="1" dirty="0">
+                <a:latin typeface="맑은 고딕" charset="0"/>
+                <a:ea typeface="맑은 고딕" charset="0"/>
+              </a:rPr>
+              <a:t>-</a:t>
+            </a:r>
+            <a:r>
+              <a:rPr lang="ko-KR" altLang="en-US" sz="3600" b="1" dirty="0">
+                <a:latin typeface="맑은 고딕" charset="0"/>
+                <a:ea typeface="맑은 고딕" charset="0"/>
+              </a:rPr>
+              <a:t>탑 다운 뷰 형식의 슈팅게임</a:t>
+            </a:r>
+            <a:endParaRPr lang="ko-KR" altLang="en-US" sz="3600" dirty="0"/>
+          </a:p>
+        </p:txBody>
+      </p:sp>
     </p:spTree>
     <p:extLst>
       <p:ext uri="{BB962C8B-B14F-4D97-AF65-F5344CB8AC3E}">
@@ -7397,7 +10849,47 @@
                 <a:ea typeface="Arial" charset="0"/>
                 <a:cs typeface="+mj-cs"/>
               </a:rPr>
-              <a:t>3. 대표적 탑 다운 뷰 게임</a:t>
+              <a:t>3. </a:t>
+            </a:r>
+            <a:r>
+              <a:rPr sz="2800" b="1" dirty="0" smtClean="0">
+                <a:latin typeface="Calibri Light" charset="0"/>
+                <a:ea typeface="Arial" charset="0"/>
+                <a:cs typeface="+mj-cs"/>
+              </a:rPr>
+              <a:t>탑 </a:t>
+            </a:r>
+            <a:r>
+              <a:rPr sz="2800" b="1" dirty="0">
+                <a:latin typeface="Calibri Light" charset="0"/>
+                <a:ea typeface="Arial" charset="0"/>
+                <a:cs typeface="+mj-cs"/>
+              </a:rPr>
+              <a:t>다운 뷰 </a:t>
+            </a:r>
+            <a:r>
+              <a:rPr sz="2800" b="1" dirty="0" smtClean="0">
+                <a:latin typeface="Calibri Light" charset="0"/>
+                <a:ea typeface="Arial" charset="0"/>
+                <a:cs typeface="+mj-cs"/>
+              </a:rPr>
+              <a:t>게임</a:t>
+            </a:r>
+            <a:r>
+              <a:rPr lang="en-US" sz="2800" b="1" dirty="0" smtClean="0">
+                <a:latin typeface="Calibri Light" charset="0"/>
+                <a:ea typeface="Arial" charset="0"/>
+                <a:cs typeface="+mj-cs"/>
+              </a:rPr>
+              <a:t> </a:t>
+            </a:r>
+            <a:r>
+              <a:rPr lang="ko-KR" altLang="en-US" sz="2800" b="1" dirty="0" smtClean="0">
+                <a:latin typeface="Calibri Light" charset="0"/>
+                <a:ea typeface="Arial" charset="0"/>
+                <a:cs typeface="+mj-cs"/>
+              </a:rPr>
+              <a:t>예시</a:t>
             </a:r>
             <a:endParaRPr lang="ko-KR" altLang="en-US" sz="2800" b="1" dirty="0">
               <a:latin typeface="Calibri Light" charset="0"/>
@@ -7511,583 +11003,41 @@
               <a:buNone/>
             </a:pPr>
             <a:r>
-              <a:rPr sz="4400" b="1">
+              <a:rPr sz="4400" b="1" dirty="0">
                 <a:latin typeface="맑은 고딕" charset="0"/>
                 <a:ea typeface="맑은 고딕" charset="0"/>
               </a:rPr>
               <a:t>3. 구현할 때 어려울 것 같은 점</a:t>
             </a:r>
-            <a:endParaRPr lang="ko-KR" altLang="en-US" sz="4400" b="1">
+            <a:endParaRPr lang="ko-KR" altLang="en-US" sz="4400" b="1" dirty="0">
               <a:latin typeface="맑은 고딕" charset="0"/>
               <a:ea typeface="맑은 고딕" charset="0"/>
             </a:endParaRPr>
           </a:p>
         </p:txBody>
       </p:sp>
-      <p:sp>
-        <p:nvSpPr>
-          <p:cNvPr id="3" name="TextBox 2"/>
-          <p:cNvSpPr txBox="1">
-            <a:spLocks/>
-          </p:cNvSpPr>
-          <p:nvPr/>
-        </p:nvSpPr>
-        <p:spPr>
-          <a:xfrm>
-            <a:off x="402590" y="1950720"/>
-            <a:ext cx="11388090" cy="2030095"/>
-          </a:xfrm>
-          <a:prstGeom prst="rect">
-            <a:avLst/>
-          </a:prstGeom>
-          <a:noFill/>
-        </p:spPr>
-        <p:txBody>
-          <a:bodyPr vert="horz" wrap="square" lIns="91440" tIns="45720" rIns="91440" bIns="45720" numCol="1" anchor="t">
-            <a:spAutoFit/>
-          </a:bodyPr>
-          <a:lstStyle/>
-          <a:p>
-            <a:pPr marL="285750" indent="-285750" algn="l" defTabSz="914400" eaLnBrk="1" latinLnBrk="1" hangingPunct="1">
-              <a:lnSpc>
-                <a:spcPct val="100000"/>
-              </a:lnSpc>
-              <a:spcBef>
-                <a:spcPts val="0"/>
-              </a:spcBef>
-              <a:spcAft>
-                <a:spcPts val="0"/>
-              </a:spcAft>
-              <a:buFont typeface="Arial"/>
-              <a:buChar char="•"/>
-            </a:pPr>
-            <a:r>
-              <a:rPr sz="1800" dirty="0">
-                <a:latin typeface="맑은 고딕" charset="0"/>
-                <a:ea typeface="맑은 고딕" charset="0"/>
-              </a:rPr>
-              <a:t> </a:t>
-            </a:r>
-            <a:r>
-              <a:rPr sz="1800" dirty="0" err="1">
-                <a:latin typeface="맑은 고딕" charset="0"/>
-                <a:ea typeface="맑은 고딕" charset="0"/>
-              </a:rPr>
-              <a:t>공격이나</a:t>
-            </a:r>
-            <a:r>
-              <a:rPr sz="1800" dirty="0">
-                <a:latin typeface="맑은 고딕" charset="0"/>
-                <a:ea typeface="맑은 고딕" charset="0"/>
-              </a:rPr>
-              <a:t> </a:t>
-            </a:r>
-            <a:r>
-              <a:rPr sz="1800" dirty="0" err="1">
-                <a:latin typeface="맑은 고딕" charset="0"/>
-                <a:ea typeface="맑은 고딕" charset="0"/>
-              </a:rPr>
-              <a:t>피격효과</a:t>
-            </a:r>
-            <a:r>
-              <a:rPr sz="1800" dirty="0">
-                <a:latin typeface="맑은 고딕" charset="0"/>
-                <a:ea typeface="맑은 고딕" charset="0"/>
-              </a:rPr>
-              <a:t> (</a:t>
-            </a:r>
-            <a:r>
-              <a:rPr sz="1800" dirty="0" err="1">
-                <a:latin typeface="맑은 고딕" charset="0"/>
-                <a:ea typeface="맑은 고딕" charset="0"/>
-              </a:rPr>
-              <a:t>타격감</a:t>
-            </a:r>
-            <a:r>
-              <a:rPr sz="1800" dirty="0">
-                <a:latin typeface="맑은 고딕" charset="0"/>
-                <a:ea typeface="맑은 고딕" charset="0"/>
-              </a:rPr>
-              <a:t>) </a:t>
-            </a:r>
-            <a:r>
-              <a:rPr sz="1800" dirty="0" err="1">
-                <a:latin typeface="맑은 고딕" charset="0"/>
-                <a:ea typeface="맑은 고딕" charset="0"/>
-              </a:rPr>
-              <a:t>구현</a:t>
-            </a:r>
-            <a:endParaRPr lang="ko-KR" altLang="en-US" sz="1800" dirty="0">
-              <a:latin typeface="맑은 고딕" charset="0"/>
-              <a:ea typeface="맑은 고딕" charset="0"/>
-            </a:endParaRPr>
-          </a:p>
-          <a:p>
-            <a:pPr marL="285750" indent="-285750" algn="l" defTabSz="914400" eaLnBrk="1" latinLnBrk="1" hangingPunct="1">
-              <a:lnSpc>
-                <a:spcPct val="100000"/>
-              </a:lnSpc>
-              <a:spcBef>
-                <a:spcPts val="0"/>
-              </a:spcBef>
-              <a:spcAft>
-                <a:spcPts val="0"/>
-              </a:spcAft>
-              <a:buFont typeface="Arial"/>
-              <a:buChar char="•"/>
-            </a:pPr>
-            <a:r>
-              <a:rPr sz="1800" dirty="0">
-                <a:latin typeface="맑은 고딕" charset="0"/>
-                <a:ea typeface="맑은 고딕" charset="0"/>
-              </a:rPr>
-              <a:t> </a:t>
-            </a:r>
-            <a:r>
-              <a:rPr sz="1800" dirty="0" err="1">
-                <a:latin typeface="맑은 고딕" charset="0"/>
-                <a:ea typeface="맑은 고딕" charset="0"/>
-              </a:rPr>
-              <a:t>차별화된</a:t>
-            </a:r>
-            <a:r>
-              <a:rPr sz="1800" dirty="0">
-                <a:latin typeface="맑은 고딕" charset="0"/>
-                <a:ea typeface="맑은 고딕" charset="0"/>
-              </a:rPr>
-              <a:t> </a:t>
-            </a:r>
-            <a:r>
-              <a:rPr sz="1800" dirty="0" err="1">
-                <a:latin typeface="맑은 고딕" charset="0"/>
-                <a:ea typeface="맑은 고딕" charset="0"/>
-              </a:rPr>
-              <a:t>요소</a:t>
-            </a:r>
-            <a:r>
-              <a:rPr sz="1800" dirty="0">
-                <a:latin typeface="맑은 고딕" charset="0"/>
-                <a:ea typeface="맑은 고딕" charset="0"/>
-              </a:rPr>
-              <a:t> </a:t>
-            </a:r>
-            <a:r>
-              <a:rPr sz="1800" dirty="0" err="1">
-                <a:latin typeface="맑은 고딕" charset="0"/>
-                <a:ea typeface="맑은 고딕" charset="0"/>
-              </a:rPr>
-              <a:t>추가</a:t>
-            </a:r>
-            <a:r>
-              <a:rPr sz="1800" dirty="0">
-                <a:latin typeface="맑은 고딕" charset="0"/>
-                <a:ea typeface="맑은 고딕" charset="0"/>
-              </a:rPr>
-              <a:t>.</a:t>
-            </a:r>
-            <a:endParaRPr lang="ko-KR" altLang="en-US" sz="1800" dirty="0">
-              <a:latin typeface="맑은 고딕" charset="0"/>
-              <a:ea typeface="맑은 고딕" charset="0"/>
-            </a:endParaRPr>
-          </a:p>
-          <a:p>
-            <a:pPr marL="285750" indent="-285750" algn="l" defTabSz="914400" eaLnBrk="1" latinLnBrk="1" hangingPunct="1">
-              <a:lnSpc>
-                <a:spcPct val="100000"/>
-              </a:lnSpc>
-              <a:spcBef>
-                <a:spcPts val="0"/>
-              </a:spcBef>
-              <a:spcAft>
-                <a:spcPts val="0"/>
-              </a:spcAft>
-              <a:buFont typeface="Arial"/>
-              <a:buChar char="•"/>
-            </a:pPr>
-            <a:r>
-              <a:rPr sz="1800" dirty="0">
-                <a:latin typeface="맑은 고딕" charset="0"/>
-                <a:ea typeface="맑은 고딕" charset="0"/>
-              </a:rPr>
-              <a:t> </a:t>
-            </a:r>
-            <a:r>
-              <a:rPr sz="1800" dirty="0" err="1">
-                <a:latin typeface="맑은 고딕" charset="0"/>
-                <a:ea typeface="맑은 고딕" charset="0"/>
-              </a:rPr>
-              <a:t>마우스</a:t>
-            </a:r>
-            <a:r>
-              <a:rPr sz="1800" dirty="0">
-                <a:latin typeface="맑은 고딕" charset="0"/>
-                <a:ea typeface="맑은 고딕" charset="0"/>
-              </a:rPr>
-              <a:t> </a:t>
-            </a:r>
-            <a:r>
-              <a:rPr sz="1800" dirty="0" err="1">
-                <a:latin typeface="맑은 고딕" charset="0"/>
-                <a:ea typeface="맑은 고딕" charset="0"/>
-              </a:rPr>
-              <a:t>방향에</a:t>
-            </a:r>
-            <a:r>
-              <a:rPr sz="1800" dirty="0">
-                <a:latin typeface="맑은 고딕" charset="0"/>
-                <a:ea typeface="맑은 고딕" charset="0"/>
-              </a:rPr>
-              <a:t> </a:t>
-            </a:r>
-            <a:r>
-              <a:rPr sz="1800" dirty="0" err="1">
-                <a:latin typeface="맑은 고딕" charset="0"/>
-                <a:ea typeface="맑은 고딕" charset="0"/>
-              </a:rPr>
-              <a:t>따라</a:t>
-            </a:r>
-            <a:r>
-              <a:rPr sz="1800" dirty="0">
-                <a:latin typeface="맑은 고딕" charset="0"/>
-                <a:ea typeface="맑은 고딕" charset="0"/>
-              </a:rPr>
-              <a:t> Player </a:t>
-            </a:r>
-            <a:r>
-              <a:rPr sz="1800" dirty="0" err="1">
-                <a:latin typeface="맑은 고딕" charset="0"/>
-                <a:ea typeface="맑은 고딕" charset="0"/>
-              </a:rPr>
-              <a:t>캐릭터의</a:t>
-            </a:r>
-            <a:r>
-              <a:rPr sz="1800" dirty="0">
-                <a:latin typeface="맑은 고딕" charset="0"/>
-                <a:ea typeface="맑은 고딕" charset="0"/>
-              </a:rPr>
-              <a:t> </a:t>
-            </a:r>
-            <a:r>
-              <a:rPr sz="1800" dirty="0" err="1">
-                <a:latin typeface="맑은 고딕" charset="0"/>
-                <a:ea typeface="맑은 고딕" charset="0"/>
-              </a:rPr>
-              <a:t>회전</a:t>
-            </a:r>
-            <a:r>
-              <a:rPr sz="1800" dirty="0">
-                <a:latin typeface="맑은 고딕" charset="0"/>
-                <a:ea typeface="맑은 고딕" charset="0"/>
-              </a:rPr>
-              <a:t> 및 </a:t>
-            </a:r>
-            <a:r>
-              <a:rPr sz="1800" dirty="0" err="1">
-                <a:latin typeface="맑은 고딕" charset="0"/>
-                <a:ea typeface="맑은 고딕" charset="0"/>
-              </a:rPr>
-              <a:t>발사</a:t>
-            </a:r>
-            <a:r>
-              <a:rPr sz="1800" dirty="0">
-                <a:latin typeface="맑은 고딕" charset="0"/>
-                <a:ea typeface="맑은 고딕" charset="0"/>
-              </a:rPr>
-              <a:t> </a:t>
-            </a:r>
-            <a:r>
-              <a:rPr sz="1800" dirty="0" err="1">
-                <a:latin typeface="맑은 고딕" charset="0"/>
-                <a:ea typeface="맑은 고딕" charset="0"/>
-              </a:rPr>
-              <a:t>구현</a:t>
-            </a:r>
-            <a:r>
-              <a:rPr sz="1800" dirty="0">
-                <a:latin typeface="맑은 고딕" charset="0"/>
-                <a:ea typeface="맑은 고딕" charset="0"/>
-              </a:rPr>
-              <a:t>.</a:t>
-            </a:r>
-            <a:endParaRPr lang="ko-KR" altLang="en-US" sz="1800" dirty="0">
-              <a:latin typeface="맑은 고딕" charset="0"/>
-              <a:ea typeface="맑은 고딕" charset="0"/>
-            </a:endParaRPr>
-          </a:p>
-          <a:p>
-            <a:pPr marL="285750" indent="-285750" algn="l" defTabSz="914400" eaLnBrk="1" latinLnBrk="1" hangingPunct="1">
-              <a:lnSpc>
-                <a:spcPct val="100000"/>
-              </a:lnSpc>
-              <a:spcBef>
-                <a:spcPts val="0"/>
-              </a:spcBef>
-              <a:spcAft>
-                <a:spcPts val="0"/>
-              </a:spcAft>
-              <a:buFont typeface="Arial"/>
-              <a:buChar char="•"/>
-            </a:pPr>
-            <a:r>
-              <a:rPr sz="1800" dirty="0">
-                <a:latin typeface="맑은 고딕" charset="0"/>
-                <a:ea typeface="맑은 고딕" charset="0"/>
-              </a:rPr>
-              <a:t> </a:t>
-            </a:r>
-            <a:r>
-              <a:rPr sz="1800" dirty="0" err="1">
-                <a:latin typeface="맑은 고딕" charset="0"/>
-                <a:ea typeface="맑은 고딕" charset="0"/>
-              </a:rPr>
-              <a:t>케릭터의</a:t>
-            </a:r>
-            <a:r>
-              <a:rPr sz="1800" dirty="0">
-                <a:latin typeface="맑은 고딕" charset="0"/>
-                <a:ea typeface="맑은 고딕" charset="0"/>
-              </a:rPr>
-              <a:t> </a:t>
-            </a:r>
-            <a:r>
-              <a:rPr sz="1800" dirty="0" err="1">
-                <a:latin typeface="맑은 고딕" charset="0"/>
-                <a:ea typeface="맑은 고딕" charset="0"/>
-              </a:rPr>
-              <a:t>자연스러운</a:t>
-            </a:r>
-            <a:r>
-              <a:rPr sz="1800" dirty="0">
-                <a:latin typeface="맑은 고딕" charset="0"/>
-                <a:ea typeface="맑은 고딕" charset="0"/>
-              </a:rPr>
-              <a:t> </a:t>
-            </a:r>
-            <a:r>
-              <a:rPr sz="1800" dirty="0" err="1">
-                <a:latin typeface="맑은 고딕" charset="0"/>
-                <a:ea typeface="맑은 고딕" charset="0"/>
-              </a:rPr>
-              <a:t>움직임</a:t>
-            </a:r>
-            <a:r>
-              <a:rPr sz="1800" dirty="0">
-                <a:latin typeface="맑은 고딕" charset="0"/>
-                <a:ea typeface="맑은 고딕" charset="0"/>
-              </a:rPr>
-              <a:t> </a:t>
-            </a:r>
-            <a:r>
-              <a:rPr sz="1800" dirty="0" err="1">
-                <a:latin typeface="맑은 고딕" charset="0"/>
-                <a:ea typeface="맑은 고딕" charset="0"/>
-              </a:rPr>
-              <a:t>구현</a:t>
-            </a:r>
-            <a:r>
-              <a:rPr sz="1800" dirty="0">
-                <a:latin typeface="맑은 고딕" charset="0"/>
-                <a:ea typeface="맑은 고딕" charset="0"/>
-              </a:rPr>
-              <a:t>.</a:t>
-            </a:r>
-            <a:endParaRPr lang="ko-KR" altLang="en-US" sz="1800" dirty="0">
-              <a:latin typeface="맑은 고딕" charset="0"/>
-              <a:ea typeface="맑은 고딕" charset="0"/>
-            </a:endParaRPr>
-          </a:p>
-          <a:p>
-            <a:pPr marL="285750" indent="-285750" algn="l" defTabSz="914400" eaLnBrk="1" latinLnBrk="1" hangingPunct="1">
-              <a:lnSpc>
-                <a:spcPct val="100000"/>
-              </a:lnSpc>
-              <a:spcBef>
-                <a:spcPts val="0"/>
-              </a:spcBef>
-              <a:spcAft>
-                <a:spcPts val="0"/>
-              </a:spcAft>
-              <a:buFont typeface="Arial"/>
-              <a:buChar char="•"/>
-            </a:pPr>
-            <a:r>
-              <a:rPr sz="1800" dirty="0">
-                <a:latin typeface="맑은 고딕" charset="0"/>
-                <a:ea typeface="맑은 고딕" charset="0"/>
-              </a:rPr>
-              <a:t> </a:t>
-            </a:r>
-            <a:r>
-              <a:rPr sz="1800" dirty="0" err="1">
-                <a:latin typeface="맑은 고딕" charset="0"/>
-                <a:ea typeface="맑은 고딕" charset="0"/>
-              </a:rPr>
-              <a:t>다양한</a:t>
-            </a:r>
-            <a:r>
-              <a:rPr sz="1800" dirty="0">
-                <a:latin typeface="맑은 고딕" charset="0"/>
-                <a:ea typeface="맑은 고딕" charset="0"/>
-              </a:rPr>
-              <a:t> </a:t>
-            </a:r>
-            <a:r>
-              <a:rPr sz="1800" dirty="0" err="1">
-                <a:latin typeface="맑은 고딕" charset="0"/>
-                <a:ea typeface="맑은 고딕" charset="0"/>
-              </a:rPr>
-              <a:t>무기의</a:t>
-            </a:r>
-            <a:r>
-              <a:rPr sz="1800" dirty="0">
-                <a:latin typeface="맑은 고딕" charset="0"/>
-                <a:ea typeface="맑은 고딕" charset="0"/>
-              </a:rPr>
-              <a:t> </a:t>
-            </a:r>
-            <a:r>
-              <a:rPr sz="1800" dirty="0" err="1">
-                <a:latin typeface="맑은 고딕" charset="0"/>
-                <a:ea typeface="맑은 고딕" charset="0"/>
-              </a:rPr>
-              <a:t>구현</a:t>
-            </a:r>
-            <a:r>
-              <a:rPr sz="1800" dirty="0">
-                <a:latin typeface="맑은 고딕" charset="0"/>
-                <a:ea typeface="맑은 고딕" charset="0"/>
-              </a:rPr>
-              <a:t> (</a:t>
-            </a:r>
-            <a:r>
-              <a:rPr sz="1800" dirty="0" err="1">
-                <a:latin typeface="맑은 고딕" charset="0"/>
-                <a:ea typeface="맑은 고딕" charset="0"/>
-              </a:rPr>
-              <a:t>샷건</a:t>
-            </a:r>
-            <a:r>
-              <a:rPr sz="1800" dirty="0">
-                <a:latin typeface="맑은 고딕" charset="0"/>
-                <a:ea typeface="맑은 고딕" charset="0"/>
-              </a:rPr>
-              <a:t> 등)</a:t>
-            </a:r>
-            <a:endParaRPr lang="ko-KR" altLang="en-US" sz="1800" dirty="0">
-              <a:latin typeface="맑은 고딕" charset="0"/>
-              <a:ea typeface="맑은 고딕" charset="0"/>
-            </a:endParaRPr>
-          </a:p>
-          <a:p>
-            <a:pPr marL="285750" indent="-285750" algn="l" defTabSz="914400" eaLnBrk="1" latinLnBrk="1" hangingPunct="1">
-              <a:lnSpc>
-                <a:spcPct val="100000"/>
-              </a:lnSpc>
-              <a:spcBef>
-                <a:spcPts val="0"/>
-              </a:spcBef>
-              <a:spcAft>
-                <a:spcPts val="0"/>
-              </a:spcAft>
-              <a:buFont typeface="Arial"/>
-              <a:buChar char="•"/>
-            </a:pPr>
-            <a:r>
-              <a:rPr sz="1800" dirty="0">
-                <a:latin typeface="맑은 고딕" charset="0"/>
-                <a:ea typeface="맑은 고딕" charset="0"/>
-              </a:rPr>
-              <a:t> </a:t>
-            </a:r>
-            <a:r>
-              <a:rPr sz="1800" dirty="0" err="1">
-                <a:latin typeface="맑은 고딕" charset="0"/>
-                <a:ea typeface="맑은 고딕" charset="0"/>
-              </a:rPr>
-              <a:t>스테이지의</a:t>
-            </a:r>
-            <a:r>
-              <a:rPr sz="1800" dirty="0">
-                <a:latin typeface="맑은 고딕" charset="0"/>
-                <a:ea typeface="맑은 고딕" charset="0"/>
-              </a:rPr>
-              <a:t> </a:t>
-            </a:r>
-            <a:r>
-              <a:rPr sz="1800" dirty="0" err="1">
-                <a:latin typeface="맑은 고딕" charset="0"/>
-                <a:ea typeface="맑은 고딕" charset="0"/>
-              </a:rPr>
-              <a:t>짜임새</a:t>
-            </a:r>
-            <a:r>
-              <a:rPr sz="1800" dirty="0">
-                <a:latin typeface="맑은 고딕" charset="0"/>
-                <a:ea typeface="맑은 고딕" charset="0"/>
-              </a:rPr>
-              <a:t> </a:t>
-            </a:r>
-            <a:r>
-              <a:rPr sz="1800" dirty="0" err="1">
-                <a:latin typeface="맑은 고딕" charset="0"/>
-                <a:ea typeface="맑은 고딕" charset="0"/>
-              </a:rPr>
-              <a:t>있는</a:t>
-            </a:r>
-            <a:r>
-              <a:rPr sz="1800" dirty="0">
-                <a:latin typeface="맑은 고딕" charset="0"/>
-                <a:ea typeface="맑은 고딕" charset="0"/>
-              </a:rPr>
-              <a:t> </a:t>
-            </a:r>
-            <a:r>
-              <a:rPr sz="1800" dirty="0" err="1">
-                <a:latin typeface="맑은 고딕" charset="0"/>
-                <a:ea typeface="맑은 고딕" charset="0"/>
-              </a:rPr>
-              <a:t>구성</a:t>
-            </a:r>
-            <a:endParaRPr lang="ko-KR" altLang="en-US" sz="1800" dirty="0">
-              <a:latin typeface="맑은 고딕" charset="0"/>
-              <a:ea typeface="맑은 고딕" charset="0"/>
-            </a:endParaRPr>
-          </a:p>
-          <a:p>
-            <a:pPr marL="285750" indent="-285750" algn="l" defTabSz="914400" eaLnBrk="1" latinLnBrk="1" hangingPunct="1">
-              <a:lnSpc>
-                <a:spcPct val="100000"/>
-              </a:lnSpc>
-              <a:spcBef>
-                <a:spcPts val="0"/>
-              </a:spcBef>
-              <a:spcAft>
-                <a:spcPts val="0"/>
-              </a:spcAft>
-              <a:buFont typeface="Arial"/>
-              <a:buChar char="•"/>
-            </a:pPr>
-            <a:r>
-              <a:rPr sz="1800" dirty="0">
-                <a:latin typeface="맑은 고딕" charset="0"/>
-                <a:ea typeface="맑은 고딕" charset="0"/>
-              </a:rPr>
-              <a:t> </a:t>
-            </a:r>
-            <a:r>
-              <a:rPr lang="ko-KR" altLang="en-US" sz="1800" smtClean="0">
-                <a:latin typeface="맑은 고딕" charset="0"/>
-                <a:ea typeface="맑은 고딕" charset="0"/>
-              </a:rPr>
-              <a:t>카메라의 움직임 </a:t>
-            </a:r>
-            <a:endParaRPr lang="ko-KR" altLang="en-US" sz="1800">
-              <a:latin typeface="맑은 고딕" charset="0"/>
-              <a:ea typeface="맑은 고딕" charset="0"/>
-            </a:endParaRPr>
-          </a:p>
-        </p:txBody>
-      </p:sp>
+      <p:graphicFrame>
+        <p:nvGraphicFramePr>
+          <p:cNvPr id="4" name="다이어그램 3"/>
+          <p:cNvGraphicFramePr/>
+          <p:nvPr>
+            <p:extLst>
+              <p:ext uri="{D42A27DB-BD31-4B8C-83A1-F6EECF244321}">
+                <p14:modId xmlns:p14="http://schemas.microsoft.com/office/powerpoint/2010/main" val="3621999759"/>
+              </p:ext>
+            </p:extLst>
+          </p:nvPr>
+        </p:nvGraphicFramePr>
+        <p:xfrm>
+          <a:off x="402272" y="1475232"/>
+          <a:ext cx="11388090" cy="4779264"/>
+        </p:xfrm>
+        <a:graphic>
+          <a:graphicData uri="http://schemas.openxmlformats.org/drawingml/2006/diagram">
+            <dgm:relIds xmlns:dgm="http://schemas.openxmlformats.org/drawingml/2006/diagram" xmlns:r="http://schemas.openxmlformats.org/officeDocument/2006/relationships" r:dm="rId2" r:lo="rId3" r:qs="rId4" r:cs="rId5"/>
+          </a:graphicData>
+        </a:graphic>
+      </p:graphicFrame>
     </p:spTree>
     <p:extLst>
       <p:ext uri="{BB962C8B-B14F-4D97-AF65-F5344CB8AC3E}">
